--- a/presentation/Qi_Filipovic_CMSE491-Presentation.pptx
+++ b/presentation/Qi_Filipovic_CMSE491-Presentation.pptx
@@ -40,23 +40,29 @@
     <p:sldId id="285" r:id="rId35"/>
     <p:sldId id="286" r:id="rId36"/>
     <p:sldId id="287" r:id="rId37"/>
+    <p:sldId id="288" r:id="rId38"/>
+    <p:sldId id="289" r:id="rId39"/>
+    <p:sldId id="290" r:id="rId40"/>
+    <p:sldId id="291" r:id="rId41"/>
+    <p:sldId id="292" r:id="rId42"/>
+    <p:sldId id="293" r:id="rId43"/>
   </p:sldIdLst>
   <p:sldSz cy="5143500" cx="9144000"/>
   <p:notesSz cx="6858000" cy="9144000"/>
   <p:embeddedFontLst>
     <p:embeddedFont>
       <p:font typeface="Raleway"/>
-      <p:regular r:id="rId38"/>
-      <p:bold r:id="rId39"/>
-      <p:italic r:id="rId40"/>
-      <p:boldItalic r:id="rId41"/>
+      <p:regular r:id="rId44"/>
+      <p:bold r:id="rId45"/>
+      <p:italic r:id="rId46"/>
+      <p:boldItalic r:id="rId47"/>
     </p:embeddedFont>
     <p:embeddedFont>
       <p:font typeface="Lato"/>
-      <p:regular r:id="rId42"/>
-      <p:bold r:id="rId43"/>
-      <p:italic r:id="rId44"/>
-      <p:boldItalic r:id="rId45"/>
+      <p:regular r:id="rId48"/>
+      <p:bold r:id="rId49"/>
+      <p:italic r:id="rId50"/>
+      <p:boldItalic r:id="rId51"/>
     </p:embeddedFont>
   </p:embeddedFontLst>
   <p:defaultTextStyle>
@@ -2499,7 +2505,7 @@
   <p:cSld>
     <p:spTree>
       <p:nvGrpSpPr>
-        <p:cNvPr id="233" name="Shape 233"/>
+        <p:cNvPr id="232" name="Shape 232"/>
         <p:cNvGrpSpPr/>
         <p:nvPr/>
       </p:nvGrpSpPr>
@@ -2513,7 +2519,7 @@
       </p:grpSpPr>
       <p:sp>
         <p:nvSpPr>
-          <p:cNvPr id="234" name="Shape 234"/>
+          <p:cNvPr id="233" name="Shape 233"/>
           <p:cNvSpPr/>
           <p:nvPr>
             <p:ph idx="2" type="sldImg"/>
@@ -2547,7 +2553,7 @@
       </p:sp>
       <p:sp>
         <p:nvSpPr>
-          <p:cNvPr id="235" name="Shape 235"/>
+          <p:cNvPr id="234" name="Shape 234"/>
           <p:cNvSpPr txBox="1"/>
           <p:nvPr>
             <p:ph idx="1" type="body"/>
@@ -2597,7 +2603,7 @@
   <p:cSld>
     <p:spTree>
       <p:nvGrpSpPr>
-        <p:cNvPr id="238" name="Shape 238"/>
+        <p:cNvPr id="239" name="Shape 239"/>
         <p:cNvGrpSpPr/>
         <p:nvPr/>
       </p:nvGrpSpPr>
@@ -2611,7 +2617,7 @@
       </p:grpSpPr>
       <p:sp>
         <p:nvSpPr>
-          <p:cNvPr id="239" name="Shape 239"/>
+          <p:cNvPr id="240" name="Shape 240"/>
           <p:cNvSpPr/>
           <p:nvPr>
             <p:ph idx="2" type="sldImg"/>
@@ -2645,7 +2651,7 @@
       </p:sp>
       <p:sp>
         <p:nvSpPr>
-          <p:cNvPr id="240" name="Shape 240"/>
+          <p:cNvPr id="241" name="Shape 241"/>
           <p:cNvSpPr txBox="1"/>
           <p:nvPr>
             <p:ph idx="1" type="body"/>
@@ -2862,7 +2868,7 @@
           </a:bodyPr>
           <a:lstStyle/>
           <a:p>
-            <a:pPr indent="0" lvl="0" marL="0">
+            <a:pPr indent="0" lvl="0" marL="0" rtl="0">
               <a:spcBef>
                 <a:spcPts val="0"/>
               </a:spcBef>
@@ -2989,7 +2995,7 @@
   <p:cSld>
     <p:spTree>
       <p:nvGrpSpPr>
-        <p:cNvPr id="255" name="Shape 255"/>
+        <p:cNvPr id="257" name="Shape 257"/>
         <p:cNvGrpSpPr/>
         <p:nvPr/>
       </p:nvGrpSpPr>
@@ -3003,7 +3009,7 @@
       </p:grpSpPr>
       <p:sp>
         <p:nvSpPr>
-          <p:cNvPr id="256" name="Shape 256"/>
+          <p:cNvPr id="258" name="Shape 258"/>
           <p:cNvSpPr/>
           <p:nvPr>
             <p:ph idx="2" type="sldImg"/>
@@ -3037,7 +3043,7 @@
       </p:sp>
       <p:sp>
         <p:nvSpPr>
-          <p:cNvPr id="257" name="Shape 257"/>
+          <p:cNvPr id="259" name="Shape 259"/>
           <p:cNvSpPr txBox="1"/>
           <p:nvPr>
             <p:ph idx="1" type="body"/>
@@ -3058,7 +3064,7 @@
           </a:bodyPr>
           <a:lstStyle/>
           <a:p>
-            <a:pPr indent="0" lvl="0" marL="0">
+            <a:pPr indent="0" lvl="0" marL="0" rtl="0">
               <a:spcBef>
                 <a:spcPts val="0"/>
               </a:spcBef>
@@ -3087,7 +3093,7 @@
   <p:cSld>
     <p:spTree>
       <p:nvGrpSpPr>
-        <p:cNvPr id="261" name="Shape 261"/>
+        <p:cNvPr id="265" name="Shape 265"/>
         <p:cNvGrpSpPr/>
         <p:nvPr/>
       </p:nvGrpSpPr>
@@ -3101,7 +3107,7 @@
       </p:grpSpPr>
       <p:sp>
         <p:nvSpPr>
-          <p:cNvPr id="262" name="Shape 262"/>
+          <p:cNvPr id="266" name="Shape 266"/>
           <p:cNvSpPr/>
           <p:nvPr>
             <p:ph idx="2" type="sldImg"/>
@@ -3135,7 +3141,7 @@
       </p:sp>
       <p:sp>
         <p:nvSpPr>
-          <p:cNvPr id="263" name="Shape 263"/>
+          <p:cNvPr id="267" name="Shape 267"/>
           <p:cNvSpPr txBox="1"/>
           <p:nvPr>
             <p:ph idx="1" type="body"/>
@@ -3156,7 +3162,7 @@
           </a:bodyPr>
           <a:lstStyle/>
           <a:p>
-            <a:pPr indent="0" lvl="0" marL="0">
+            <a:pPr indent="0" lvl="0" marL="0" rtl="0">
               <a:spcBef>
                 <a:spcPts val="0"/>
               </a:spcBef>
@@ -3185,7 +3191,7 @@
   <p:cSld>
     <p:spTree>
       <p:nvGrpSpPr>
-        <p:cNvPr id="267" name="Shape 267"/>
+        <p:cNvPr id="272" name="Shape 272"/>
         <p:cNvGrpSpPr/>
         <p:nvPr/>
       </p:nvGrpSpPr>
@@ -3199,7 +3205,7 @@
       </p:grpSpPr>
       <p:sp>
         <p:nvSpPr>
-          <p:cNvPr id="268" name="Shape 268"/>
+          <p:cNvPr id="273" name="Shape 273"/>
           <p:cNvSpPr/>
           <p:nvPr>
             <p:ph idx="2" type="sldImg"/>
@@ -3233,7 +3239,595 @@
       </p:sp>
       <p:sp>
         <p:nvSpPr>
-          <p:cNvPr id="269" name="Shape 269"/>
+          <p:cNvPr id="274" name="Shape 274"/>
+          <p:cNvSpPr txBox="1"/>
+          <p:nvPr>
+            <p:ph idx="1" type="body"/>
+          </p:nvPr>
+        </p:nvSpPr>
+        <p:spPr>
+          <a:xfrm>
+            <a:off x="685800" y="4343400"/>
+            <a:ext cx="5486400" cy="4114800"/>
+          </a:xfrm>
+          <a:prstGeom prst="rect">
+            <a:avLst/>
+          </a:prstGeom>
+        </p:spPr>
+        <p:txBody>
+          <a:bodyPr anchorCtr="0" anchor="t" bIns="91425" lIns="91425" spcFirstLastPara="1" rIns="91425" wrap="square" tIns="91425">
+            <a:noAutofit/>
+          </a:bodyPr>
+          <a:lstStyle/>
+          <a:p>
+            <a:pPr indent="0" lvl="0" marL="0">
+              <a:spcBef>
+                <a:spcPts val="0"/>
+              </a:spcBef>
+              <a:spcAft>
+                <a:spcPts val="0"/>
+              </a:spcAft>
+              <a:buNone/>
+            </a:pPr>
+            <a:r>
+              <a:t/>
+            </a:r>
+            <a:endParaRPr/>
+          </a:p>
+        </p:txBody>
+      </p:sp>
+    </p:spTree>
+  </p:cSld>
+  <p:clrMapOvr>
+    <a:masterClrMapping/>
+  </p:clrMapOvr>
+</p:notes>
+</file>
+
+<file path=ppt/notesSlides/notesSlide33.xml><?xml version="1.0" encoding="utf-8"?>
+<p:notes xmlns:a="http://schemas.openxmlformats.org/drawingml/2006/main" xmlns:r="http://schemas.openxmlformats.org/officeDocument/2006/relationships" xmlns:mc="http://schemas.openxmlformats.org/markup-compatibility/2006" xmlns:mv="urn:schemas-microsoft-com:mac:vml" xmlns:p="http://schemas.openxmlformats.org/presentationml/2006/main" xmlns:c="http://schemas.openxmlformats.org/drawingml/2006/chart" xmlns:dgm="http://schemas.openxmlformats.org/drawingml/2006/diagram" xmlns:o="urn:schemas-microsoft-com:office:office" xmlns:v="urn:schemas-microsoft-com:vml" xmlns:pvml="urn:schemas-microsoft-com:office:powerpoint" xmlns:com="http://schemas.openxmlformats.org/drawingml/2006/compatibility" xmlns:p14="http://schemas.microsoft.com/office/powerpoint/2010/main" xmlns:p15="http://schemas.microsoft.com/office/powerpoint/2012/main" showMasterPhAnim="0" showMasterSp="0">
+  <p:cSld>
+    <p:spTree>
+      <p:nvGrpSpPr>
+        <p:cNvPr id="279" name="Shape 279"/>
+        <p:cNvGrpSpPr/>
+        <p:nvPr/>
+      </p:nvGrpSpPr>
+      <p:grpSpPr>
+        <a:xfrm>
+          <a:off x="0" y="0"/>
+          <a:ext cx="0" cy="0"/>
+          <a:chOff x="0" y="0"/>
+          <a:chExt cx="0" cy="0"/>
+        </a:xfrm>
+      </p:grpSpPr>
+      <p:sp>
+        <p:nvSpPr>
+          <p:cNvPr id="280" name="Shape 280"/>
+          <p:cNvSpPr/>
+          <p:nvPr>
+            <p:ph idx="2" type="sldImg"/>
+          </p:nvPr>
+        </p:nvSpPr>
+        <p:spPr>
+          <a:xfrm>
+            <a:off x="381300" y="685800"/>
+            <a:ext cx="6096000" cy="3429000"/>
+          </a:xfrm>
+          <a:custGeom>
+            <a:pathLst>
+              <a:path extrusionOk="0" h="120000" w="120000">
+                <a:moveTo>
+                  <a:pt x="0" y="0"/>
+                </a:moveTo>
+                <a:lnTo>
+                  <a:pt x="120000" y="0"/>
+                </a:lnTo>
+                <a:lnTo>
+                  <a:pt x="120000" y="120000"/>
+                </a:lnTo>
+                <a:lnTo>
+                  <a:pt x="0" y="120000"/>
+                </a:lnTo>
+                <a:close/>
+              </a:path>
+            </a:pathLst>
+          </a:custGeom>
+        </p:spPr>
+      </p:sp>
+      <p:sp>
+        <p:nvSpPr>
+          <p:cNvPr id="281" name="Shape 281"/>
+          <p:cNvSpPr txBox="1"/>
+          <p:nvPr>
+            <p:ph idx="1" type="body"/>
+          </p:nvPr>
+        </p:nvSpPr>
+        <p:spPr>
+          <a:xfrm>
+            <a:off x="685800" y="4343400"/>
+            <a:ext cx="5486400" cy="4114800"/>
+          </a:xfrm>
+          <a:prstGeom prst="rect">
+            <a:avLst/>
+          </a:prstGeom>
+        </p:spPr>
+        <p:txBody>
+          <a:bodyPr anchorCtr="0" anchor="t" bIns="91425" lIns="91425" spcFirstLastPara="1" rIns="91425" wrap="square" tIns="91425">
+            <a:noAutofit/>
+          </a:bodyPr>
+          <a:lstStyle/>
+          <a:p>
+            <a:pPr indent="0" lvl="0" marL="0">
+              <a:spcBef>
+                <a:spcPts val="0"/>
+              </a:spcBef>
+              <a:spcAft>
+                <a:spcPts val="0"/>
+              </a:spcAft>
+              <a:buNone/>
+            </a:pPr>
+            <a:r>
+              <a:t/>
+            </a:r>
+            <a:endParaRPr/>
+          </a:p>
+        </p:txBody>
+      </p:sp>
+    </p:spTree>
+  </p:cSld>
+  <p:clrMapOvr>
+    <a:masterClrMapping/>
+  </p:clrMapOvr>
+</p:notes>
+</file>
+
+<file path=ppt/notesSlides/notesSlide34.xml><?xml version="1.0" encoding="utf-8"?>
+<p:notes xmlns:a="http://schemas.openxmlformats.org/drawingml/2006/main" xmlns:r="http://schemas.openxmlformats.org/officeDocument/2006/relationships" xmlns:mc="http://schemas.openxmlformats.org/markup-compatibility/2006" xmlns:mv="urn:schemas-microsoft-com:mac:vml" xmlns:p="http://schemas.openxmlformats.org/presentationml/2006/main" xmlns:c="http://schemas.openxmlformats.org/drawingml/2006/chart" xmlns:dgm="http://schemas.openxmlformats.org/drawingml/2006/diagram" xmlns:o="urn:schemas-microsoft-com:office:office" xmlns:v="urn:schemas-microsoft-com:vml" xmlns:pvml="urn:schemas-microsoft-com:office:powerpoint" xmlns:com="http://schemas.openxmlformats.org/drawingml/2006/compatibility" xmlns:p14="http://schemas.microsoft.com/office/powerpoint/2010/main" xmlns:p15="http://schemas.microsoft.com/office/powerpoint/2012/main" showMasterPhAnim="0" showMasterSp="0">
+  <p:cSld>
+    <p:spTree>
+      <p:nvGrpSpPr>
+        <p:cNvPr id="285" name="Shape 285"/>
+        <p:cNvGrpSpPr/>
+        <p:nvPr/>
+      </p:nvGrpSpPr>
+      <p:grpSpPr>
+        <a:xfrm>
+          <a:off x="0" y="0"/>
+          <a:ext cx="0" cy="0"/>
+          <a:chOff x="0" y="0"/>
+          <a:chExt cx="0" cy="0"/>
+        </a:xfrm>
+      </p:grpSpPr>
+      <p:sp>
+        <p:nvSpPr>
+          <p:cNvPr id="286" name="Shape 286"/>
+          <p:cNvSpPr/>
+          <p:nvPr>
+            <p:ph idx="2" type="sldImg"/>
+          </p:nvPr>
+        </p:nvSpPr>
+        <p:spPr>
+          <a:xfrm>
+            <a:off x="381300" y="685800"/>
+            <a:ext cx="6096000" cy="3429000"/>
+          </a:xfrm>
+          <a:custGeom>
+            <a:pathLst>
+              <a:path extrusionOk="0" h="120000" w="120000">
+                <a:moveTo>
+                  <a:pt x="0" y="0"/>
+                </a:moveTo>
+                <a:lnTo>
+                  <a:pt x="120000" y="0"/>
+                </a:lnTo>
+                <a:lnTo>
+                  <a:pt x="120000" y="120000"/>
+                </a:lnTo>
+                <a:lnTo>
+                  <a:pt x="0" y="120000"/>
+                </a:lnTo>
+                <a:close/>
+              </a:path>
+            </a:pathLst>
+          </a:custGeom>
+        </p:spPr>
+      </p:sp>
+      <p:sp>
+        <p:nvSpPr>
+          <p:cNvPr id="287" name="Shape 287"/>
+          <p:cNvSpPr txBox="1"/>
+          <p:nvPr>
+            <p:ph idx="1" type="body"/>
+          </p:nvPr>
+        </p:nvSpPr>
+        <p:spPr>
+          <a:xfrm>
+            <a:off x="685800" y="4343400"/>
+            <a:ext cx="5486400" cy="4114800"/>
+          </a:xfrm>
+          <a:prstGeom prst="rect">
+            <a:avLst/>
+          </a:prstGeom>
+        </p:spPr>
+        <p:txBody>
+          <a:bodyPr anchorCtr="0" anchor="t" bIns="91425" lIns="91425" spcFirstLastPara="1" rIns="91425" wrap="square" tIns="91425">
+            <a:noAutofit/>
+          </a:bodyPr>
+          <a:lstStyle/>
+          <a:p>
+            <a:pPr indent="0" lvl="0" marL="0" rtl="0">
+              <a:spcBef>
+                <a:spcPts val="0"/>
+              </a:spcBef>
+              <a:spcAft>
+                <a:spcPts val="0"/>
+              </a:spcAft>
+              <a:buNone/>
+            </a:pPr>
+            <a:r>
+              <a:t/>
+            </a:r>
+            <a:endParaRPr/>
+          </a:p>
+        </p:txBody>
+      </p:sp>
+    </p:spTree>
+  </p:cSld>
+  <p:clrMapOvr>
+    <a:masterClrMapping/>
+  </p:clrMapOvr>
+</p:notes>
+</file>
+
+<file path=ppt/notesSlides/notesSlide35.xml><?xml version="1.0" encoding="utf-8"?>
+<p:notes xmlns:a="http://schemas.openxmlformats.org/drawingml/2006/main" xmlns:r="http://schemas.openxmlformats.org/officeDocument/2006/relationships" xmlns:mc="http://schemas.openxmlformats.org/markup-compatibility/2006" xmlns:mv="urn:schemas-microsoft-com:mac:vml" xmlns:p="http://schemas.openxmlformats.org/presentationml/2006/main" xmlns:c="http://schemas.openxmlformats.org/drawingml/2006/chart" xmlns:dgm="http://schemas.openxmlformats.org/drawingml/2006/diagram" xmlns:o="urn:schemas-microsoft-com:office:office" xmlns:v="urn:schemas-microsoft-com:vml" xmlns:pvml="urn:schemas-microsoft-com:office:powerpoint" xmlns:com="http://schemas.openxmlformats.org/drawingml/2006/compatibility" xmlns:p14="http://schemas.microsoft.com/office/powerpoint/2010/main" xmlns:p15="http://schemas.microsoft.com/office/powerpoint/2012/main" showMasterPhAnim="0" showMasterSp="0">
+  <p:cSld>
+    <p:spTree>
+      <p:nvGrpSpPr>
+        <p:cNvPr id="291" name="Shape 291"/>
+        <p:cNvGrpSpPr/>
+        <p:nvPr/>
+      </p:nvGrpSpPr>
+      <p:grpSpPr>
+        <a:xfrm>
+          <a:off x="0" y="0"/>
+          <a:ext cx="0" cy="0"/>
+          <a:chOff x="0" y="0"/>
+          <a:chExt cx="0" cy="0"/>
+        </a:xfrm>
+      </p:grpSpPr>
+      <p:sp>
+        <p:nvSpPr>
+          <p:cNvPr id="292" name="Shape 292"/>
+          <p:cNvSpPr/>
+          <p:nvPr>
+            <p:ph idx="2" type="sldImg"/>
+          </p:nvPr>
+        </p:nvSpPr>
+        <p:spPr>
+          <a:xfrm>
+            <a:off x="381300" y="685800"/>
+            <a:ext cx="6096000" cy="3429000"/>
+          </a:xfrm>
+          <a:custGeom>
+            <a:pathLst>
+              <a:path extrusionOk="0" h="120000" w="120000">
+                <a:moveTo>
+                  <a:pt x="0" y="0"/>
+                </a:moveTo>
+                <a:lnTo>
+                  <a:pt x="120000" y="0"/>
+                </a:lnTo>
+                <a:lnTo>
+                  <a:pt x="120000" y="120000"/>
+                </a:lnTo>
+                <a:lnTo>
+                  <a:pt x="0" y="120000"/>
+                </a:lnTo>
+                <a:close/>
+              </a:path>
+            </a:pathLst>
+          </a:custGeom>
+        </p:spPr>
+      </p:sp>
+      <p:sp>
+        <p:nvSpPr>
+          <p:cNvPr id="293" name="Shape 293"/>
+          <p:cNvSpPr txBox="1"/>
+          <p:nvPr>
+            <p:ph idx="1" type="body"/>
+          </p:nvPr>
+        </p:nvSpPr>
+        <p:spPr>
+          <a:xfrm>
+            <a:off x="685800" y="4343400"/>
+            <a:ext cx="5486400" cy="4114800"/>
+          </a:xfrm>
+          <a:prstGeom prst="rect">
+            <a:avLst/>
+          </a:prstGeom>
+        </p:spPr>
+        <p:txBody>
+          <a:bodyPr anchorCtr="0" anchor="t" bIns="91425" lIns="91425" spcFirstLastPara="1" rIns="91425" wrap="square" tIns="91425">
+            <a:noAutofit/>
+          </a:bodyPr>
+          <a:lstStyle/>
+          <a:p>
+            <a:pPr indent="0" lvl="0" marL="0">
+              <a:spcBef>
+                <a:spcPts val="0"/>
+              </a:spcBef>
+              <a:spcAft>
+                <a:spcPts val="0"/>
+              </a:spcAft>
+              <a:buNone/>
+            </a:pPr>
+            <a:r>
+              <a:t/>
+            </a:r>
+            <a:endParaRPr/>
+          </a:p>
+        </p:txBody>
+      </p:sp>
+    </p:spTree>
+  </p:cSld>
+  <p:clrMapOvr>
+    <a:masterClrMapping/>
+  </p:clrMapOvr>
+</p:notes>
+</file>
+
+<file path=ppt/notesSlides/notesSlide36.xml><?xml version="1.0" encoding="utf-8"?>
+<p:notes xmlns:a="http://schemas.openxmlformats.org/drawingml/2006/main" xmlns:r="http://schemas.openxmlformats.org/officeDocument/2006/relationships" xmlns:mc="http://schemas.openxmlformats.org/markup-compatibility/2006" xmlns:mv="urn:schemas-microsoft-com:mac:vml" xmlns:p="http://schemas.openxmlformats.org/presentationml/2006/main" xmlns:c="http://schemas.openxmlformats.org/drawingml/2006/chart" xmlns:dgm="http://schemas.openxmlformats.org/drawingml/2006/diagram" xmlns:o="urn:schemas-microsoft-com:office:office" xmlns:v="urn:schemas-microsoft-com:vml" xmlns:pvml="urn:schemas-microsoft-com:office:powerpoint" xmlns:com="http://schemas.openxmlformats.org/drawingml/2006/compatibility" xmlns:p14="http://schemas.microsoft.com/office/powerpoint/2010/main" xmlns:p15="http://schemas.microsoft.com/office/powerpoint/2012/main" showMasterPhAnim="0" showMasterSp="0">
+  <p:cSld>
+    <p:spTree>
+      <p:nvGrpSpPr>
+        <p:cNvPr id="296" name="Shape 296"/>
+        <p:cNvGrpSpPr/>
+        <p:nvPr/>
+      </p:nvGrpSpPr>
+      <p:grpSpPr>
+        <a:xfrm>
+          <a:off x="0" y="0"/>
+          <a:ext cx="0" cy="0"/>
+          <a:chOff x="0" y="0"/>
+          <a:chExt cx="0" cy="0"/>
+        </a:xfrm>
+      </p:grpSpPr>
+      <p:sp>
+        <p:nvSpPr>
+          <p:cNvPr id="297" name="Shape 297"/>
+          <p:cNvSpPr/>
+          <p:nvPr>
+            <p:ph idx="2" type="sldImg"/>
+          </p:nvPr>
+        </p:nvSpPr>
+        <p:spPr>
+          <a:xfrm>
+            <a:off x="381300" y="685800"/>
+            <a:ext cx="6096000" cy="3429000"/>
+          </a:xfrm>
+          <a:custGeom>
+            <a:pathLst>
+              <a:path extrusionOk="0" h="120000" w="120000">
+                <a:moveTo>
+                  <a:pt x="0" y="0"/>
+                </a:moveTo>
+                <a:lnTo>
+                  <a:pt x="120000" y="0"/>
+                </a:lnTo>
+                <a:lnTo>
+                  <a:pt x="120000" y="120000"/>
+                </a:lnTo>
+                <a:lnTo>
+                  <a:pt x="0" y="120000"/>
+                </a:lnTo>
+                <a:close/>
+              </a:path>
+            </a:pathLst>
+          </a:custGeom>
+        </p:spPr>
+      </p:sp>
+      <p:sp>
+        <p:nvSpPr>
+          <p:cNvPr id="298" name="Shape 298"/>
+          <p:cNvSpPr txBox="1"/>
+          <p:nvPr>
+            <p:ph idx="1" type="body"/>
+          </p:nvPr>
+        </p:nvSpPr>
+        <p:spPr>
+          <a:xfrm>
+            <a:off x="685800" y="4343400"/>
+            <a:ext cx="5486400" cy="4114800"/>
+          </a:xfrm>
+          <a:prstGeom prst="rect">
+            <a:avLst/>
+          </a:prstGeom>
+        </p:spPr>
+        <p:txBody>
+          <a:bodyPr anchorCtr="0" anchor="t" bIns="91425" lIns="91425" spcFirstLastPara="1" rIns="91425" wrap="square" tIns="91425">
+            <a:noAutofit/>
+          </a:bodyPr>
+          <a:lstStyle/>
+          <a:p>
+            <a:pPr indent="0" lvl="0" marL="0">
+              <a:spcBef>
+                <a:spcPts val="0"/>
+              </a:spcBef>
+              <a:spcAft>
+                <a:spcPts val="0"/>
+              </a:spcAft>
+              <a:buNone/>
+            </a:pPr>
+            <a:r>
+              <a:t/>
+            </a:r>
+            <a:endParaRPr/>
+          </a:p>
+        </p:txBody>
+      </p:sp>
+    </p:spTree>
+  </p:cSld>
+  <p:clrMapOvr>
+    <a:masterClrMapping/>
+  </p:clrMapOvr>
+</p:notes>
+</file>
+
+<file path=ppt/notesSlides/notesSlide37.xml><?xml version="1.0" encoding="utf-8"?>
+<p:notes xmlns:a="http://schemas.openxmlformats.org/drawingml/2006/main" xmlns:r="http://schemas.openxmlformats.org/officeDocument/2006/relationships" xmlns:mc="http://schemas.openxmlformats.org/markup-compatibility/2006" xmlns:mv="urn:schemas-microsoft-com:mac:vml" xmlns:p="http://schemas.openxmlformats.org/presentationml/2006/main" xmlns:c="http://schemas.openxmlformats.org/drawingml/2006/chart" xmlns:dgm="http://schemas.openxmlformats.org/drawingml/2006/diagram" xmlns:o="urn:schemas-microsoft-com:office:office" xmlns:v="urn:schemas-microsoft-com:vml" xmlns:pvml="urn:schemas-microsoft-com:office:powerpoint" xmlns:com="http://schemas.openxmlformats.org/drawingml/2006/compatibility" xmlns:p14="http://schemas.microsoft.com/office/powerpoint/2010/main" xmlns:p15="http://schemas.microsoft.com/office/powerpoint/2012/main" showMasterPhAnim="0" showMasterSp="0">
+  <p:cSld>
+    <p:spTree>
+      <p:nvGrpSpPr>
+        <p:cNvPr id="302" name="Shape 302"/>
+        <p:cNvGrpSpPr/>
+        <p:nvPr/>
+      </p:nvGrpSpPr>
+      <p:grpSpPr>
+        <a:xfrm>
+          <a:off x="0" y="0"/>
+          <a:ext cx="0" cy="0"/>
+          <a:chOff x="0" y="0"/>
+          <a:chExt cx="0" cy="0"/>
+        </a:xfrm>
+      </p:grpSpPr>
+      <p:sp>
+        <p:nvSpPr>
+          <p:cNvPr id="303" name="Shape 303"/>
+          <p:cNvSpPr/>
+          <p:nvPr>
+            <p:ph idx="2" type="sldImg"/>
+          </p:nvPr>
+        </p:nvSpPr>
+        <p:spPr>
+          <a:xfrm>
+            <a:off x="381300" y="685800"/>
+            <a:ext cx="6096000" cy="3429000"/>
+          </a:xfrm>
+          <a:custGeom>
+            <a:pathLst>
+              <a:path extrusionOk="0" h="120000" w="120000">
+                <a:moveTo>
+                  <a:pt x="0" y="0"/>
+                </a:moveTo>
+                <a:lnTo>
+                  <a:pt x="120000" y="0"/>
+                </a:lnTo>
+                <a:lnTo>
+                  <a:pt x="120000" y="120000"/>
+                </a:lnTo>
+                <a:lnTo>
+                  <a:pt x="0" y="120000"/>
+                </a:lnTo>
+                <a:close/>
+              </a:path>
+            </a:pathLst>
+          </a:custGeom>
+        </p:spPr>
+      </p:sp>
+      <p:sp>
+        <p:nvSpPr>
+          <p:cNvPr id="304" name="Shape 304"/>
+          <p:cNvSpPr txBox="1"/>
+          <p:nvPr>
+            <p:ph idx="1" type="body"/>
+          </p:nvPr>
+        </p:nvSpPr>
+        <p:spPr>
+          <a:xfrm>
+            <a:off x="685800" y="4343400"/>
+            <a:ext cx="5486400" cy="4114800"/>
+          </a:xfrm>
+          <a:prstGeom prst="rect">
+            <a:avLst/>
+          </a:prstGeom>
+        </p:spPr>
+        <p:txBody>
+          <a:bodyPr anchorCtr="0" anchor="t" bIns="91425" lIns="91425" spcFirstLastPara="1" rIns="91425" wrap="square" tIns="91425">
+            <a:noAutofit/>
+          </a:bodyPr>
+          <a:lstStyle/>
+          <a:p>
+            <a:pPr indent="0" lvl="0" marL="0">
+              <a:spcBef>
+                <a:spcPts val="0"/>
+              </a:spcBef>
+              <a:spcAft>
+                <a:spcPts val="0"/>
+              </a:spcAft>
+              <a:buNone/>
+            </a:pPr>
+            <a:r>
+              <a:t/>
+            </a:r>
+            <a:endParaRPr/>
+          </a:p>
+        </p:txBody>
+      </p:sp>
+    </p:spTree>
+  </p:cSld>
+  <p:clrMapOvr>
+    <a:masterClrMapping/>
+  </p:clrMapOvr>
+</p:notes>
+</file>
+
+<file path=ppt/notesSlides/notesSlide38.xml><?xml version="1.0" encoding="utf-8"?>
+<p:notes xmlns:a="http://schemas.openxmlformats.org/drawingml/2006/main" xmlns:r="http://schemas.openxmlformats.org/officeDocument/2006/relationships" xmlns:mc="http://schemas.openxmlformats.org/markup-compatibility/2006" xmlns:mv="urn:schemas-microsoft-com:mac:vml" xmlns:p="http://schemas.openxmlformats.org/presentationml/2006/main" xmlns:c="http://schemas.openxmlformats.org/drawingml/2006/chart" xmlns:dgm="http://schemas.openxmlformats.org/drawingml/2006/diagram" xmlns:o="urn:schemas-microsoft-com:office:office" xmlns:v="urn:schemas-microsoft-com:vml" xmlns:pvml="urn:schemas-microsoft-com:office:powerpoint" xmlns:com="http://schemas.openxmlformats.org/drawingml/2006/compatibility" xmlns:p14="http://schemas.microsoft.com/office/powerpoint/2010/main" xmlns:p15="http://schemas.microsoft.com/office/powerpoint/2012/main" showMasterPhAnim="0" showMasterSp="0">
+  <p:cSld>
+    <p:spTree>
+      <p:nvGrpSpPr>
+        <p:cNvPr id="308" name="Shape 308"/>
+        <p:cNvGrpSpPr/>
+        <p:nvPr/>
+      </p:nvGrpSpPr>
+      <p:grpSpPr>
+        <a:xfrm>
+          <a:off x="0" y="0"/>
+          <a:ext cx="0" cy="0"/>
+          <a:chOff x="0" y="0"/>
+          <a:chExt cx="0" cy="0"/>
+        </a:xfrm>
+      </p:grpSpPr>
+      <p:sp>
+        <p:nvSpPr>
+          <p:cNvPr id="309" name="Shape 309"/>
+          <p:cNvSpPr/>
+          <p:nvPr>
+            <p:ph idx="2" type="sldImg"/>
+          </p:nvPr>
+        </p:nvSpPr>
+        <p:spPr>
+          <a:xfrm>
+            <a:off x="381300" y="685800"/>
+            <a:ext cx="6096000" cy="3429000"/>
+          </a:xfrm>
+          <a:custGeom>
+            <a:pathLst>
+              <a:path extrusionOk="0" h="120000" w="120000">
+                <a:moveTo>
+                  <a:pt x="0" y="0"/>
+                </a:moveTo>
+                <a:lnTo>
+                  <a:pt x="120000" y="0"/>
+                </a:lnTo>
+                <a:lnTo>
+                  <a:pt x="120000" y="120000"/>
+                </a:lnTo>
+                <a:lnTo>
+                  <a:pt x="0" y="120000"/>
+                </a:lnTo>
+                <a:close/>
+              </a:path>
+            </a:pathLst>
+          </a:custGeom>
+        </p:spPr>
+      </p:sp>
+      <p:sp>
+        <p:nvSpPr>
+          <p:cNvPr id="310" name="Shape 310"/>
           <p:cNvSpPr txBox="1"/>
           <p:nvPr>
             <p:ph idx="1" type="body"/>
@@ -10678,6 +11272,9 @@
               <a:rPr lang="en"/>
               <a:t>SNPs occurring within Open Reading Frames (ORFs)</a:t>
             </a:r>
+            <a:br>
+              <a:rPr lang="en"/>
+            </a:br>
             <a:endParaRPr/>
           </a:p>
           <a:p>
@@ -10695,6 +11292,9 @@
               <a:rPr lang="en"/>
               <a:t>Minor and major allele (in terms of frequency)</a:t>
             </a:r>
+            <a:br>
+              <a:rPr lang="en"/>
+            </a:br>
             <a:endParaRPr/>
           </a:p>
           <a:p>
@@ -10712,6 +11312,9 @@
               <a:rPr lang="en"/>
               <a:t>Haploid organism (two copies of each chromosome)</a:t>
             </a:r>
+            <a:br>
+              <a:rPr lang="en"/>
+            </a:br>
             <a:endParaRPr/>
           </a:p>
           <a:p>
@@ -10749,8 +11352,2461 @@
         </p:blipFill>
         <p:spPr>
           <a:xfrm>
-            <a:off x="817825" y="3235100"/>
-            <a:ext cx="6947449" cy="1842000"/>
+            <a:off x="5408087" y="2133677"/>
+            <a:ext cx="3577425" cy="1791825"/>
+          </a:xfrm>
+          <a:prstGeom prst="rect">
+            <a:avLst/>
+          </a:prstGeom>
+          <a:noFill/>
+          <a:ln>
+            <a:noFill/>
+          </a:ln>
+        </p:spPr>
+      </p:pic>
+    </p:spTree>
+  </p:cSld>
+  <p:clrMapOvr>
+    <a:masterClrMapping/>
+  </p:clrMapOvr>
+</p:sld>
+</file>
+
+<file path=ppt/slides/slide11.xml><?xml version="1.0" encoding="utf-8"?>
+<p:sld xmlns:a="http://schemas.openxmlformats.org/drawingml/2006/main" xmlns:r="http://schemas.openxmlformats.org/officeDocument/2006/relationships" xmlns:mc="http://schemas.openxmlformats.org/markup-compatibility/2006" xmlns:mv="urn:schemas-microsoft-com:mac:vml" xmlns:p="http://schemas.openxmlformats.org/presentationml/2006/main" xmlns:c="http://schemas.openxmlformats.org/drawingml/2006/chart" xmlns:dgm="http://schemas.openxmlformats.org/drawingml/2006/diagram" xmlns:o="urn:schemas-microsoft-com:office:office" xmlns:v="urn:schemas-microsoft-com:vml" xmlns:pvml="urn:schemas-microsoft-com:office:powerpoint" xmlns:com="http://schemas.openxmlformats.org/drawingml/2006/compatibility" xmlns:p14="http://schemas.microsoft.com/office/powerpoint/2010/main" xmlns:p15="http://schemas.microsoft.com/office/powerpoint/2012/main">
+  <p:cSld>
+    <p:spTree>
+      <p:nvGrpSpPr>
+        <p:cNvPr id="144" name="Shape 144"/>
+        <p:cNvGrpSpPr/>
+        <p:nvPr/>
+      </p:nvGrpSpPr>
+      <p:grpSpPr>
+        <a:xfrm>
+          <a:off x="0" y="0"/>
+          <a:ext cx="0" cy="0"/>
+          <a:chOff x="0" y="0"/>
+          <a:chExt cx="0" cy="0"/>
+        </a:xfrm>
+      </p:grpSpPr>
+      <p:sp>
+        <p:nvSpPr>
+          <p:cNvPr id="145" name="Shape 145"/>
+          <p:cNvSpPr txBox="1"/>
+          <p:nvPr>
+            <p:ph type="title"/>
+          </p:nvPr>
+        </p:nvSpPr>
+        <p:spPr>
+          <a:xfrm>
+            <a:off x="729450" y="1318650"/>
+            <a:ext cx="7688700" cy="535200"/>
+          </a:xfrm>
+          <a:prstGeom prst="rect">
+            <a:avLst/>
+          </a:prstGeom>
+        </p:spPr>
+        <p:txBody>
+          <a:bodyPr anchorCtr="0" anchor="t" bIns="91425" lIns="91425" spcFirstLastPara="1" rIns="91425" wrap="square" tIns="91425">
+            <a:noAutofit/>
+          </a:bodyPr>
+          <a:lstStyle/>
+          <a:p>
+            <a:pPr indent="0" lvl="0" marL="0">
+              <a:spcBef>
+                <a:spcPts val="0"/>
+              </a:spcBef>
+              <a:spcAft>
+                <a:spcPts val="0"/>
+              </a:spcAft>
+              <a:buNone/>
+            </a:pPr>
+            <a:r>
+              <a:rPr lang="en"/>
+              <a:t>SNP Data</a:t>
+            </a:r>
+            <a:endParaRPr/>
+          </a:p>
+        </p:txBody>
+      </p:sp>
+      <p:sp>
+        <p:nvSpPr>
+          <p:cNvPr id="146" name="Shape 146"/>
+          <p:cNvSpPr txBox="1"/>
+          <p:nvPr>
+            <p:ph idx="1" type="body"/>
+          </p:nvPr>
+        </p:nvSpPr>
+        <p:spPr>
+          <a:xfrm>
+            <a:off x="729450" y="2078875"/>
+            <a:ext cx="7688700" cy="2261100"/>
+          </a:xfrm>
+          <a:prstGeom prst="rect">
+            <a:avLst/>
+          </a:prstGeom>
+        </p:spPr>
+        <p:txBody>
+          <a:bodyPr anchorCtr="0" anchor="t" bIns="91425" lIns="91425" spcFirstLastPara="1" rIns="91425" wrap="square" tIns="91425">
+            <a:noAutofit/>
+          </a:bodyPr>
+          <a:lstStyle/>
+          <a:p>
+            <a:pPr indent="0" lvl="0" marL="0">
+              <a:spcBef>
+                <a:spcPts val="0"/>
+              </a:spcBef>
+              <a:spcAft>
+                <a:spcPts val="1600"/>
+              </a:spcAft>
+              <a:buNone/>
+            </a:pPr>
+            <a:r>
+              <a:t/>
+            </a:r>
+            <a:endParaRPr/>
+          </a:p>
+        </p:txBody>
+      </p:sp>
+      <p:pic>
+        <p:nvPicPr>
+          <p:cNvPr id="147" name="Shape 147"/>
+          <p:cNvPicPr preferRelativeResize="0"/>
+          <p:nvPr/>
+        </p:nvPicPr>
+        <p:blipFill>
+          <a:blip r:embed="rId3">
+            <a:alphaModFix/>
+          </a:blip>
+          <a:stretch>
+            <a:fillRect/>
+          </a:stretch>
+        </p:blipFill>
+        <p:spPr>
+          <a:xfrm>
+            <a:off x="525150" y="2233200"/>
+            <a:ext cx="8093699" cy="2662850"/>
+          </a:xfrm>
+          <a:prstGeom prst="rect">
+            <a:avLst/>
+          </a:prstGeom>
+          <a:noFill/>
+          <a:ln>
+            <a:noFill/>
+          </a:ln>
+        </p:spPr>
+      </p:pic>
+    </p:spTree>
+  </p:cSld>
+  <p:clrMapOvr>
+    <a:masterClrMapping/>
+  </p:clrMapOvr>
+</p:sld>
+</file>
+
+<file path=ppt/slides/slide12.xml><?xml version="1.0" encoding="utf-8"?>
+<p:sld xmlns:a="http://schemas.openxmlformats.org/drawingml/2006/main" xmlns:r="http://schemas.openxmlformats.org/officeDocument/2006/relationships" xmlns:mc="http://schemas.openxmlformats.org/markup-compatibility/2006" xmlns:mv="urn:schemas-microsoft-com:mac:vml" xmlns:p="http://schemas.openxmlformats.org/presentationml/2006/main" xmlns:c="http://schemas.openxmlformats.org/drawingml/2006/chart" xmlns:dgm="http://schemas.openxmlformats.org/drawingml/2006/diagram" xmlns:o="urn:schemas-microsoft-com:office:office" xmlns:v="urn:schemas-microsoft-com:vml" xmlns:pvml="urn:schemas-microsoft-com:office:powerpoint" xmlns:com="http://schemas.openxmlformats.org/drawingml/2006/compatibility" xmlns:p14="http://schemas.microsoft.com/office/powerpoint/2010/main" xmlns:p15="http://schemas.microsoft.com/office/powerpoint/2012/main">
+  <p:cSld>
+    <p:spTree>
+      <p:nvGrpSpPr>
+        <p:cNvPr id="151" name="Shape 151"/>
+        <p:cNvGrpSpPr/>
+        <p:nvPr/>
+      </p:nvGrpSpPr>
+      <p:grpSpPr>
+        <a:xfrm>
+          <a:off x="0" y="0"/>
+          <a:ext cx="0" cy="0"/>
+          <a:chOff x="0" y="0"/>
+          <a:chExt cx="0" cy="0"/>
+        </a:xfrm>
+      </p:grpSpPr>
+      <p:sp>
+        <p:nvSpPr>
+          <p:cNvPr id="152" name="Shape 152"/>
+          <p:cNvSpPr txBox="1"/>
+          <p:nvPr>
+            <p:ph idx="1" type="body"/>
+          </p:nvPr>
+        </p:nvSpPr>
+        <p:spPr>
+          <a:xfrm>
+            <a:off x="729450" y="2078875"/>
+            <a:ext cx="7688700" cy="2261100"/>
+          </a:xfrm>
+          <a:prstGeom prst="rect">
+            <a:avLst/>
+          </a:prstGeom>
+        </p:spPr>
+        <p:txBody>
+          <a:bodyPr anchorCtr="0" anchor="t" bIns="91425" lIns="91425" spcFirstLastPara="1" rIns="91425" wrap="square" tIns="91425">
+            <a:noAutofit/>
+          </a:bodyPr>
+          <a:lstStyle/>
+          <a:p>
+            <a:pPr indent="0" lvl="0" marL="0">
+              <a:spcBef>
+                <a:spcPts val="0"/>
+              </a:spcBef>
+              <a:spcAft>
+                <a:spcPts val="1600"/>
+              </a:spcAft>
+              <a:buNone/>
+            </a:pPr>
+            <a:r>
+              <a:t/>
+            </a:r>
+            <a:endParaRPr/>
+          </a:p>
+        </p:txBody>
+      </p:sp>
+      <p:pic>
+        <p:nvPicPr>
+          <p:cNvPr id="153" name="Shape 153"/>
+          <p:cNvPicPr preferRelativeResize="0"/>
+          <p:nvPr/>
+        </p:nvPicPr>
+        <p:blipFill>
+          <a:blip r:embed="rId3">
+            <a:alphaModFix/>
+          </a:blip>
+          <a:stretch>
+            <a:fillRect/>
+          </a:stretch>
+        </p:blipFill>
+        <p:spPr>
+          <a:xfrm>
+            <a:off x="729450" y="1414487"/>
+            <a:ext cx="8077199" cy="3589876"/>
+          </a:xfrm>
+          <a:prstGeom prst="rect">
+            <a:avLst/>
+          </a:prstGeom>
+          <a:noFill/>
+          <a:ln>
+            <a:noFill/>
+          </a:ln>
+        </p:spPr>
+      </p:pic>
+    </p:spTree>
+  </p:cSld>
+  <p:clrMapOvr>
+    <a:masterClrMapping/>
+  </p:clrMapOvr>
+</p:sld>
+</file>
+
+<file path=ppt/slides/slide13.xml><?xml version="1.0" encoding="utf-8"?>
+<p:sld xmlns:a="http://schemas.openxmlformats.org/drawingml/2006/main" xmlns:r="http://schemas.openxmlformats.org/officeDocument/2006/relationships" xmlns:mc="http://schemas.openxmlformats.org/markup-compatibility/2006" xmlns:mv="urn:schemas-microsoft-com:mac:vml" xmlns:p="http://schemas.openxmlformats.org/presentationml/2006/main" xmlns:c="http://schemas.openxmlformats.org/drawingml/2006/chart" xmlns:dgm="http://schemas.openxmlformats.org/drawingml/2006/diagram" xmlns:o="urn:schemas-microsoft-com:office:office" xmlns:v="urn:schemas-microsoft-com:vml" xmlns:pvml="urn:schemas-microsoft-com:office:powerpoint" xmlns:com="http://schemas.openxmlformats.org/drawingml/2006/compatibility" xmlns:p14="http://schemas.microsoft.com/office/powerpoint/2010/main" xmlns:p15="http://schemas.microsoft.com/office/powerpoint/2012/main">
+  <p:cSld>
+    <p:spTree>
+      <p:nvGrpSpPr>
+        <p:cNvPr id="157" name="Shape 157"/>
+        <p:cNvGrpSpPr/>
+        <p:nvPr/>
+      </p:nvGrpSpPr>
+      <p:grpSpPr>
+        <a:xfrm>
+          <a:off x="0" y="0"/>
+          <a:ext cx="0" cy="0"/>
+          <a:chOff x="0" y="0"/>
+          <a:chExt cx="0" cy="0"/>
+        </a:xfrm>
+      </p:grpSpPr>
+      <p:sp>
+        <p:nvSpPr>
+          <p:cNvPr id="158" name="Shape 158"/>
+          <p:cNvSpPr txBox="1"/>
+          <p:nvPr>
+            <p:ph type="title"/>
+          </p:nvPr>
+        </p:nvSpPr>
+        <p:spPr>
+          <a:xfrm>
+            <a:off x="729450" y="1322450"/>
+            <a:ext cx="7688400" cy="1518600"/>
+          </a:xfrm>
+          <a:prstGeom prst="rect">
+            <a:avLst/>
+          </a:prstGeom>
+        </p:spPr>
+        <p:txBody>
+          <a:bodyPr anchorCtr="0" anchor="t" bIns="91425" lIns="91425" spcFirstLastPara="1" rIns="91425" wrap="square" tIns="91425">
+            <a:noAutofit/>
+          </a:bodyPr>
+          <a:lstStyle/>
+          <a:p>
+            <a:pPr indent="0" lvl="0" marL="0">
+              <a:spcBef>
+                <a:spcPts val="0"/>
+              </a:spcBef>
+              <a:spcAft>
+                <a:spcPts val="0"/>
+              </a:spcAft>
+              <a:buNone/>
+            </a:pPr>
+            <a:r>
+              <a:rPr lang="en"/>
+              <a:t>Motivation</a:t>
+            </a:r>
+            <a:endParaRPr/>
+          </a:p>
+          <a:p>
+            <a:pPr indent="0" lvl="0" marL="0">
+              <a:spcBef>
+                <a:spcPts val="0"/>
+              </a:spcBef>
+              <a:spcAft>
+                <a:spcPts val="0"/>
+              </a:spcAft>
+              <a:buNone/>
+            </a:pPr>
+            <a:r>
+              <a:t/>
+            </a:r>
+            <a:endParaRPr/>
+          </a:p>
+        </p:txBody>
+      </p:sp>
+    </p:spTree>
+  </p:cSld>
+  <p:clrMapOvr>
+    <a:masterClrMapping/>
+  </p:clrMapOvr>
+</p:sld>
+</file>
+
+<file path=ppt/slides/slide14.xml><?xml version="1.0" encoding="utf-8"?>
+<p:sld xmlns:a="http://schemas.openxmlformats.org/drawingml/2006/main" xmlns:r="http://schemas.openxmlformats.org/officeDocument/2006/relationships" xmlns:mc="http://schemas.openxmlformats.org/markup-compatibility/2006" xmlns:mv="urn:schemas-microsoft-com:mac:vml" xmlns:p="http://schemas.openxmlformats.org/presentationml/2006/main" xmlns:c="http://schemas.openxmlformats.org/drawingml/2006/chart" xmlns:dgm="http://schemas.openxmlformats.org/drawingml/2006/diagram" xmlns:o="urn:schemas-microsoft-com:office:office" xmlns:v="urn:schemas-microsoft-com:vml" xmlns:pvml="urn:schemas-microsoft-com:office:powerpoint" xmlns:com="http://schemas.openxmlformats.org/drawingml/2006/compatibility" xmlns:p14="http://schemas.microsoft.com/office/powerpoint/2010/main" xmlns:p15="http://schemas.microsoft.com/office/powerpoint/2012/main">
+  <p:cSld>
+    <p:spTree>
+      <p:nvGrpSpPr>
+        <p:cNvPr id="162" name="Shape 162"/>
+        <p:cNvGrpSpPr/>
+        <p:nvPr/>
+      </p:nvGrpSpPr>
+      <p:grpSpPr>
+        <a:xfrm>
+          <a:off x="0" y="0"/>
+          <a:ext cx="0" cy="0"/>
+          <a:chOff x="0" y="0"/>
+          <a:chExt cx="0" cy="0"/>
+        </a:xfrm>
+      </p:grpSpPr>
+      <p:sp>
+        <p:nvSpPr>
+          <p:cNvPr id="163" name="Shape 163"/>
+          <p:cNvSpPr txBox="1"/>
+          <p:nvPr>
+            <p:ph type="title"/>
+          </p:nvPr>
+        </p:nvSpPr>
+        <p:spPr>
+          <a:xfrm>
+            <a:off x="729450" y="1318650"/>
+            <a:ext cx="7688700" cy="535200"/>
+          </a:xfrm>
+          <a:prstGeom prst="rect">
+            <a:avLst/>
+          </a:prstGeom>
+        </p:spPr>
+        <p:txBody>
+          <a:bodyPr anchorCtr="0" anchor="t" bIns="91425" lIns="91425" spcFirstLastPara="1" rIns="91425" wrap="square" tIns="91425">
+            <a:noAutofit/>
+          </a:bodyPr>
+          <a:lstStyle/>
+          <a:p>
+            <a:pPr indent="0" lvl="0" marL="0">
+              <a:spcBef>
+                <a:spcPts val="0"/>
+              </a:spcBef>
+              <a:spcAft>
+                <a:spcPts val="0"/>
+              </a:spcAft>
+              <a:buNone/>
+            </a:pPr>
+            <a:r>
+              <a:rPr lang="en"/>
+              <a:t>Rationale</a:t>
+            </a:r>
+            <a:endParaRPr/>
+          </a:p>
+        </p:txBody>
+      </p:sp>
+      <p:sp>
+        <p:nvSpPr>
+          <p:cNvPr id="164" name="Shape 164"/>
+          <p:cNvSpPr txBox="1"/>
+          <p:nvPr>
+            <p:ph idx="1" type="body"/>
+          </p:nvPr>
+        </p:nvSpPr>
+        <p:spPr>
+          <a:xfrm>
+            <a:off x="729450" y="2078875"/>
+            <a:ext cx="7688700" cy="2261100"/>
+          </a:xfrm>
+          <a:prstGeom prst="rect">
+            <a:avLst/>
+          </a:prstGeom>
+        </p:spPr>
+        <p:txBody>
+          <a:bodyPr anchorCtr="0" anchor="t" bIns="91425" lIns="91425" spcFirstLastPara="1" rIns="91425" wrap="square" tIns="91425">
+            <a:noAutofit/>
+          </a:bodyPr>
+          <a:lstStyle/>
+          <a:p>
+            <a:pPr indent="-311150" lvl="0" marL="457200">
+              <a:spcBef>
+                <a:spcPts val="0"/>
+              </a:spcBef>
+              <a:spcAft>
+                <a:spcPts val="0"/>
+              </a:spcAft>
+              <a:buSzPts val="1300"/>
+              <a:buChar char="●"/>
+            </a:pPr>
+            <a:r>
+              <a:rPr lang="en"/>
+              <a:t>SNPs within transcription factors (TF)</a:t>
+            </a:r>
+            <a:br>
+              <a:rPr lang="en"/>
+            </a:br>
+            <a:endParaRPr/>
+          </a:p>
+          <a:p>
+            <a:pPr indent="-298450" lvl="1" marL="914400">
+              <a:spcBef>
+                <a:spcPts val="0"/>
+              </a:spcBef>
+              <a:spcAft>
+                <a:spcPts val="0"/>
+              </a:spcAft>
+              <a:buSzPts val="1100"/>
+              <a:buChar char="○"/>
+            </a:pPr>
+            <a:r>
+              <a:rPr lang="en"/>
+              <a:t>Might fall into regions crucial for TF activity</a:t>
+            </a:r>
+            <a:br>
+              <a:rPr lang="en"/>
+            </a:br>
+            <a:endParaRPr/>
+          </a:p>
+          <a:p>
+            <a:pPr indent="-298450" lvl="1" marL="914400">
+              <a:spcBef>
+                <a:spcPts val="0"/>
+              </a:spcBef>
+              <a:spcAft>
+                <a:spcPts val="0"/>
+              </a:spcAft>
+              <a:buSzPts val="1100"/>
+              <a:buChar char="○"/>
+            </a:pPr>
+            <a:r>
+              <a:rPr lang="en"/>
+              <a:t>May improve or interfere with function of TF</a:t>
+            </a:r>
+            <a:br>
+              <a:rPr lang="en"/>
+            </a:br>
+            <a:endParaRPr/>
+          </a:p>
+          <a:p>
+            <a:pPr indent="-298450" lvl="1" marL="914400">
+              <a:spcBef>
+                <a:spcPts val="0"/>
+              </a:spcBef>
+              <a:spcAft>
+                <a:spcPts val="0"/>
+              </a:spcAft>
+              <a:buSzPts val="1100"/>
+              <a:buChar char="○"/>
+            </a:pPr>
+            <a:r>
+              <a:rPr lang="en"/>
+              <a:t>May result in up/down regulation of TF targets</a:t>
+            </a:r>
+            <a:endParaRPr/>
+          </a:p>
+        </p:txBody>
+      </p:sp>
+    </p:spTree>
+  </p:cSld>
+  <p:clrMapOvr>
+    <a:masterClrMapping/>
+  </p:clrMapOvr>
+</p:sld>
+</file>
+
+<file path=ppt/slides/slide15.xml><?xml version="1.0" encoding="utf-8"?>
+<p:sld xmlns:a="http://schemas.openxmlformats.org/drawingml/2006/main" xmlns:r="http://schemas.openxmlformats.org/officeDocument/2006/relationships" xmlns:mc="http://schemas.openxmlformats.org/markup-compatibility/2006" xmlns:mv="urn:schemas-microsoft-com:mac:vml" xmlns:p="http://schemas.openxmlformats.org/presentationml/2006/main" xmlns:c="http://schemas.openxmlformats.org/drawingml/2006/chart" xmlns:dgm="http://schemas.openxmlformats.org/drawingml/2006/diagram" xmlns:o="urn:schemas-microsoft-com:office:office" xmlns:v="urn:schemas-microsoft-com:vml" xmlns:pvml="urn:schemas-microsoft-com:office:powerpoint" xmlns:com="http://schemas.openxmlformats.org/drawingml/2006/compatibility" xmlns:p14="http://schemas.microsoft.com/office/powerpoint/2010/main" xmlns:p15="http://schemas.microsoft.com/office/powerpoint/2012/main">
+  <p:cSld>
+    <p:spTree>
+      <p:nvGrpSpPr>
+        <p:cNvPr id="168" name="Shape 168"/>
+        <p:cNvGrpSpPr/>
+        <p:nvPr/>
+      </p:nvGrpSpPr>
+      <p:grpSpPr>
+        <a:xfrm>
+          <a:off x="0" y="0"/>
+          <a:ext cx="0" cy="0"/>
+          <a:chOff x="0" y="0"/>
+          <a:chExt cx="0" cy="0"/>
+        </a:xfrm>
+      </p:grpSpPr>
+      <p:sp>
+        <p:nvSpPr>
+          <p:cNvPr id="169" name="Shape 169"/>
+          <p:cNvSpPr txBox="1"/>
+          <p:nvPr>
+            <p:ph type="title"/>
+          </p:nvPr>
+        </p:nvSpPr>
+        <p:spPr>
+          <a:xfrm>
+            <a:off x="729450" y="1318650"/>
+            <a:ext cx="7688700" cy="535200"/>
+          </a:xfrm>
+          <a:prstGeom prst="rect">
+            <a:avLst/>
+          </a:prstGeom>
+        </p:spPr>
+        <p:txBody>
+          <a:bodyPr anchorCtr="0" anchor="t" bIns="91425" lIns="91425" spcFirstLastPara="1" rIns="91425" wrap="square" tIns="91425">
+            <a:noAutofit/>
+          </a:bodyPr>
+          <a:lstStyle/>
+          <a:p>
+            <a:pPr indent="0" lvl="0" marL="0">
+              <a:spcBef>
+                <a:spcPts val="0"/>
+              </a:spcBef>
+              <a:spcAft>
+                <a:spcPts val="0"/>
+              </a:spcAft>
+              <a:buNone/>
+            </a:pPr>
+            <a:r>
+              <a:rPr lang="en"/>
+              <a:t>Goals</a:t>
+            </a:r>
+            <a:endParaRPr/>
+          </a:p>
+        </p:txBody>
+      </p:sp>
+      <p:sp>
+        <p:nvSpPr>
+          <p:cNvPr id="170" name="Shape 170"/>
+          <p:cNvSpPr txBox="1"/>
+          <p:nvPr>
+            <p:ph idx="1" type="body"/>
+          </p:nvPr>
+        </p:nvSpPr>
+        <p:spPr>
+          <a:xfrm>
+            <a:off x="729450" y="2078875"/>
+            <a:ext cx="7688700" cy="2261100"/>
+          </a:xfrm>
+          <a:prstGeom prst="rect">
+            <a:avLst/>
+          </a:prstGeom>
+        </p:spPr>
+        <p:txBody>
+          <a:bodyPr anchorCtr="0" anchor="t" bIns="91425" lIns="91425" spcFirstLastPara="1" rIns="91425" wrap="square" tIns="91425">
+            <a:noAutofit/>
+          </a:bodyPr>
+          <a:lstStyle/>
+          <a:p>
+            <a:pPr indent="-298450" lvl="0" marL="914400" rtl="0">
+              <a:spcBef>
+                <a:spcPts val="0"/>
+              </a:spcBef>
+              <a:spcAft>
+                <a:spcPts val="0"/>
+              </a:spcAft>
+              <a:buClr>
+                <a:srgbClr val="000000"/>
+              </a:buClr>
+              <a:buSzPts val="1100"/>
+              <a:buFont typeface="Arial"/>
+              <a:buAutoNum type="arabicPeriod"/>
+            </a:pPr>
+            <a:r>
+              <a:rPr i="1" lang="en" sz="1100">
+                <a:solidFill>
+                  <a:srgbClr val="000000"/>
+                </a:solidFill>
+                <a:latin typeface="Arial"/>
+                <a:ea typeface="Arial"/>
+                <a:cs typeface="Arial"/>
+                <a:sym typeface="Arial"/>
+              </a:rPr>
+              <a:t>De novo </a:t>
+            </a:r>
+            <a:r>
+              <a:rPr lang="en" sz="1100">
+                <a:solidFill>
+                  <a:srgbClr val="000000"/>
+                </a:solidFill>
+                <a:latin typeface="Arial"/>
+                <a:ea typeface="Arial"/>
+                <a:cs typeface="Arial"/>
+                <a:sym typeface="Arial"/>
+              </a:rPr>
+              <a:t>identification of transcription factors</a:t>
+            </a:r>
+            <a:endParaRPr sz="1100">
+              <a:solidFill>
+                <a:srgbClr val="000000"/>
+              </a:solidFill>
+              <a:latin typeface="Arial"/>
+              <a:ea typeface="Arial"/>
+              <a:cs typeface="Arial"/>
+              <a:sym typeface="Arial"/>
+            </a:endParaRPr>
+          </a:p>
+          <a:p>
+            <a:pPr indent="0" lvl="0" marL="457200" rtl="0">
+              <a:spcBef>
+                <a:spcPts val="0"/>
+              </a:spcBef>
+              <a:spcAft>
+                <a:spcPts val="0"/>
+              </a:spcAft>
+              <a:buNone/>
+            </a:pPr>
+            <a:r>
+              <a:t/>
+            </a:r>
+            <a:endParaRPr sz="1100">
+              <a:solidFill>
+                <a:srgbClr val="000000"/>
+              </a:solidFill>
+              <a:latin typeface="Arial"/>
+              <a:ea typeface="Arial"/>
+              <a:cs typeface="Arial"/>
+              <a:sym typeface="Arial"/>
+            </a:endParaRPr>
+          </a:p>
+          <a:p>
+            <a:pPr indent="0" lvl="0" marL="457200" rtl="0">
+              <a:spcBef>
+                <a:spcPts val="0"/>
+              </a:spcBef>
+              <a:spcAft>
+                <a:spcPts val="0"/>
+              </a:spcAft>
+              <a:buNone/>
+            </a:pPr>
+            <a:r>
+              <a:t/>
+            </a:r>
+            <a:endParaRPr sz="1100">
+              <a:solidFill>
+                <a:srgbClr val="000000"/>
+              </a:solidFill>
+              <a:latin typeface="Arial"/>
+              <a:ea typeface="Arial"/>
+              <a:cs typeface="Arial"/>
+              <a:sym typeface="Arial"/>
+            </a:endParaRPr>
+          </a:p>
+          <a:p>
+            <a:pPr indent="-298450" lvl="0" marL="914400" rtl="0">
+              <a:spcBef>
+                <a:spcPts val="0"/>
+              </a:spcBef>
+              <a:spcAft>
+                <a:spcPts val="0"/>
+              </a:spcAft>
+              <a:buClr>
+                <a:srgbClr val="000000"/>
+              </a:buClr>
+              <a:buSzPts val="1100"/>
+              <a:buFont typeface="Arial"/>
+              <a:buAutoNum type="arabicPeriod"/>
+            </a:pPr>
+            <a:r>
+              <a:rPr i="1" lang="en" sz="1100">
+                <a:solidFill>
+                  <a:srgbClr val="000000"/>
+                </a:solidFill>
+                <a:latin typeface="Arial"/>
+                <a:ea typeface="Arial"/>
+                <a:cs typeface="Arial"/>
+                <a:sym typeface="Arial"/>
+              </a:rPr>
+              <a:t>De novo </a:t>
+            </a:r>
+            <a:r>
+              <a:rPr lang="en" sz="1100">
+                <a:solidFill>
+                  <a:srgbClr val="000000"/>
+                </a:solidFill>
+                <a:latin typeface="Arial"/>
+                <a:ea typeface="Arial"/>
+                <a:cs typeface="Arial"/>
+                <a:sym typeface="Arial"/>
+              </a:rPr>
+              <a:t>identification of transcription factor targets</a:t>
+            </a:r>
+            <a:endParaRPr sz="1100">
+              <a:solidFill>
+                <a:srgbClr val="000000"/>
+              </a:solidFill>
+              <a:latin typeface="Arial"/>
+              <a:ea typeface="Arial"/>
+              <a:cs typeface="Arial"/>
+              <a:sym typeface="Arial"/>
+            </a:endParaRPr>
+          </a:p>
+          <a:p>
+            <a:pPr indent="0" lvl="0" marL="457200" rtl="0">
+              <a:spcBef>
+                <a:spcPts val="0"/>
+              </a:spcBef>
+              <a:spcAft>
+                <a:spcPts val="0"/>
+              </a:spcAft>
+              <a:buNone/>
+            </a:pPr>
+            <a:br>
+              <a:rPr lang="en" sz="1100">
+                <a:solidFill>
+                  <a:srgbClr val="000000"/>
+                </a:solidFill>
+                <a:latin typeface="Arial"/>
+                <a:ea typeface="Arial"/>
+                <a:cs typeface="Arial"/>
+                <a:sym typeface="Arial"/>
+              </a:rPr>
+            </a:br>
+            <a:endParaRPr sz="1100">
+              <a:solidFill>
+                <a:srgbClr val="000000"/>
+              </a:solidFill>
+              <a:latin typeface="Arial"/>
+              <a:ea typeface="Arial"/>
+              <a:cs typeface="Arial"/>
+              <a:sym typeface="Arial"/>
+            </a:endParaRPr>
+          </a:p>
+          <a:p>
+            <a:pPr indent="-298450" lvl="0" marL="914400" rtl="0">
+              <a:spcBef>
+                <a:spcPts val="0"/>
+              </a:spcBef>
+              <a:spcAft>
+                <a:spcPts val="0"/>
+              </a:spcAft>
+              <a:buClr>
+                <a:srgbClr val="000000"/>
+              </a:buClr>
+              <a:buSzPts val="1100"/>
+              <a:buFont typeface="Arial"/>
+              <a:buAutoNum type="arabicPeriod"/>
+            </a:pPr>
+            <a:r>
+              <a:rPr i="1" lang="en" sz="1100">
+                <a:solidFill>
+                  <a:srgbClr val="000000"/>
+                </a:solidFill>
+                <a:latin typeface="Arial"/>
+                <a:ea typeface="Arial"/>
+                <a:cs typeface="Arial"/>
+                <a:sym typeface="Arial"/>
+              </a:rPr>
+              <a:t>De novo </a:t>
+            </a:r>
+            <a:r>
+              <a:rPr lang="en" sz="1100">
+                <a:solidFill>
+                  <a:srgbClr val="000000"/>
+                </a:solidFill>
+                <a:latin typeface="Arial"/>
+                <a:ea typeface="Arial"/>
+                <a:cs typeface="Arial"/>
+                <a:sym typeface="Arial"/>
+              </a:rPr>
+              <a:t>identification of SNPs within transcription factors that are important for their function</a:t>
+            </a:r>
+            <a:endParaRPr sz="1100">
+              <a:solidFill>
+                <a:srgbClr val="000000"/>
+              </a:solidFill>
+              <a:latin typeface="Arial"/>
+              <a:ea typeface="Arial"/>
+              <a:cs typeface="Arial"/>
+              <a:sym typeface="Arial"/>
+            </a:endParaRPr>
+          </a:p>
+          <a:p>
+            <a:pPr indent="0" lvl="0" marL="457200">
+              <a:spcBef>
+                <a:spcPts val="0"/>
+              </a:spcBef>
+              <a:spcAft>
+                <a:spcPts val="1600"/>
+              </a:spcAft>
+              <a:buNone/>
+            </a:pPr>
+            <a:r>
+              <a:t/>
+            </a:r>
+            <a:endParaRPr/>
+          </a:p>
+        </p:txBody>
+      </p:sp>
+    </p:spTree>
+  </p:cSld>
+  <p:clrMapOvr>
+    <a:masterClrMapping/>
+  </p:clrMapOvr>
+</p:sld>
+</file>
+
+<file path=ppt/slides/slide16.xml><?xml version="1.0" encoding="utf-8"?>
+<p:sld xmlns:a="http://schemas.openxmlformats.org/drawingml/2006/main" xmlns:r="http://schemas.openxmlformats.org/officeDocument/2006/relationships" xmlns:mc="http://schemas.openxmlformats.org/markup-compatibility/2006" xmlns:mv="urn:schemas-microsoft-com:mac:vml" xmlns:p="http://schemas.openxmlformats.org/presentationml/2006/main" xmlns:c="http://schemas.openxmlformats.org/drawingml/2006/chart" xmlns:dgm="http://schemas.openxmlformats.org/drawingml/2006/diagram" xmlns:o="urn:schemas-microsoft-com:office:office" xmlns:v="urn:schemas-microsoft-com:vml" xmlns:pvml="urn:schemas-microsoft-com:office:powerpoint" xmlns:com="http://schemas.openxmlformats.org/drawingml/2006/compatibility" xmlns:p14="http://schemas.microsoft.com/office/powerpoint/2010/main" xmlns:p15="http://schemas.microsoft.com/office/powerpoint/2012/main">
+  <p:cSld>
+    <p:spTree>
+      <p:nvGrpSpPr>
+        <p:cNvPr id="174" name="Shape 174"/>
+        <p:cNvGrpSpPr/>
+        <p:nvPr/>
+      </p:nvGrpSpPr>
+      <p:grpSpPr>
+        <a:xfrm>
+          <a:off x="0" y="0"/>
+          <a:ext cx="0" cy="0"/>
+          <a:chOff x="0" y="0"/>
+          <a:chExt cx="0" cy="0"/>
+        </a:xfrm>
+      </p:grpSpPr>
+      <p:sp>
+        <p:nvSpPr>
+          <p:cNvPr id="175" name="Shape 175"/>
+          <p:cNvSpPr txBox="1"/>
+          <p:nvPr>
+            <p:ph type="title"/>
+          </p:nvPr>
+        </p:nvSpPr>
+        <p:spPr>
+          <a:xfrm>
+            <a:off x="729450" y="1322450"/>
+            <a:ext cx="7688400" cy="1518600"/>
+          </a:xfrm>
+          <a:prstGeom prst="rect">
+            <a:avLst/>
+          </a:prstGeom>
+        </p:spPr>
+        <p:txBody>
+          <a:bodyPr anchorCtr="0" anchor="t" bIns="91425" lIns="91425" spcFirstLastPara="1" rIns="91425" wrap="square" tIns="91425">
+            <a:noAutofit/>
+          </a:bodyPr>
+          <a:lstStyle/>
+          <a:p>
+            <a:pPr indent="0" lvl="0" marL="0" rtl="0">
+              <a:spcBef>
+                <a:spcPts val="0"/>
+              </a:spcBef>
+              <a:spcAft>
+                <a:spcPts val="0"/>
+              </a:spcAft>
+              <a:buNone/>
+            </a:pPr>
+            <a:r>
+              <a:rPr lang="en"/>
+              <a:t>Data preprocessing</a:t>
+            </a:r>
+            <a:endParaRPr/>
+          </a:p>
+        </p:txBody>
+      </p:sp>
+    </p:spTree>
+  </p:cSld>
+  <p:clrMapOvr>
+    <a:masterClrMapping/>
+  </p:clrMapOvr>
+</p:sld>
+</file>
+
+<file path=ppt/slides/slide17.xml><?xml version="1.0" encoding="utf-8"?>
+<p:sld xmlns:a="http://schemas.openxmlformats.org/drawingml/2006/main" xmlns:r="http://schemas.openxmlformats.org/officeDocument/2006/relationships" xmlns:mc="http://schemas.openxmlformats.org/markup-compatibility/2006" xmlns:mv="urn:schemas-microsoft-com:mac:vml" xmlns:p="http://schemas.openxmlformats.org/presentationml/2006/main" xmlns:c="http://schemas.openxmlformats.org/drawingml/2006/chart" xmlns:dgm="http://schemas.openxmlformats.org/drawingml/2006/diagram" xmlns:o="urn:schemas-microsoft-com:office:office" xmlns:v="urn:schemas-microsoft-com:vml" xmlns:pvml="urn:schemas-microsoft-com:office:powerpoint" xmlns:com="http://schemas.openxmlformats.org/drawingml/2006/compatibility" xmlns:p14="http://schemas.microsoft.com/office/powerpoint/2010/main" xmlns:p15="http://schemas.microsoft.com/office/powerpoint/2012/main">
+  <p:cSld>
+    <p:spTree>
+      <p:nvGrpSpPr>
+        <p:cNvPr id="179" name="Shape 179"/>
+        <p:cNvGrpSpPr/>
+        <p:nvPr/>
+      </p:nvGrpSpPr>
+      <p:grpSpPr>
+        <a:xfrm>
+          <a:off x="0" y="0"/>
+          <a:ext cx="0" cy="0"/>
+          <a:chOff x="0" y="0"/>
+          <a:chExt cx="0" cy="0"/>
+        </a:xfrm>
+      </p:grpSpPr>
+      <p:sp>
+        <p:nvSpPr>
+          <p:cNvPr id="180" name="Shape 180"/>
+          <p:cNvSpPr txBox="1"/>
+          <p:nvPr>
+            <p:ph type="title"/>
+          </p:nvPr>
+        </p:nvSpPr>
+        <p:spPr>
+          <a:xfrm>
+            <a:off x="729450" y="1318650"/>
+            <a:ext cx="7688700" cy="535200"/>
+          </a:xfrm>
+          <a:prstGeom prst="rect">
+            <a:avLst/>
+          </a:prstGeom>
+        </p:spPr>
+        <p:txBody>
+          <a:bodyPr anchorCtr="0" anchor="t" bIns="91425" lIns="91425" spcFirstLastPara="1" rIns="91425" wrap="square" tIns="91425">
+            <a:noAutofit/>
+          </a:bodyPr>
+          <a:lstStyle/>
+          <a:p>
+            <a:pPr indent="0" lvl="0" marL="0">
+              <a:spcBef>
+                <a:spcPts val="0"/>
+              </a:spcBef>
+              <a:spcAft>
+                <a:spcPts val="0"/>
+              </a:spcAft>
+              <a:buNone/>
+            </a:pPr>
+            <a:r>
+              <a:rPr lang="en"/>
+              <a:t>Missing Tables</a:t>
+            </a:r>
+            <a:endParaRPr/>
+          </a:p>
+        </p:txBody>
+      </p:sp>
+      <p:sp>
+        <p:nvSpPr>
+          <p:cNvPr id="181" name="Shape 181"/>
+          <p:cNvSpPr txBox="1"/>
+          <p:nvPr>
+            <p:ph idx="1" type="body"/>
+          </p:nvPr>
+        </p:nvSpPr>
+        <p:spPr>
+          <a:xfrm>
+            <a:off x="729450" y="2078875"/>
+            <a:ext cx="7688700" cy="2261100"/>
+          </a:xfrm>
+          <a:prstGeom prst="rect">
+            <a:avLst/>
+          </a:prstGeom>
+        </p:spPr>
+        <p:txBody>
+          <a:bodyPr anchorCtr="0" anchor="t" bIns="91425" lIns="91425" spcFirstLastPara="1" rIns="91425" wrap="square" tIns="91425">
+            <a:noAutofit/>
+          </a:bodyPr>
+          <a:lstStyle/>
+          <a:p>
+            <a:pPr indent="0" lvl="0" marL="0">
+              <a:spcBef>
+                <a:spcPts val="0"/>
+              </a:spcBef>
+              <a:spcAft>
+                <a:spcPts val="0"/>
+              </a:spcAft>
+              <a:buNone/>
+            </a:pPr>
+            <a:r>
+              <a:rPr lang="en"/>
+              <a:t>Generated many tables required for validation and analysis</a:t>
+            </a:r>
+            <a:endParaRPr/>
+          </a:p>
+          <a:p>
+            <a:pPr indent="0" lvl="0" marL="0">
+              <a:spcBef>
+                <a:spcPts val="1600"/>
+              </a:spcBef>
+              <a:spcAft>
+                <a:spcPts val="1600"/>
+              </a:spcAft>
+              <a:buNone/>
+            </a:pPr>
+            <a:r>
+              <a:rPr lang="en"/>
+              <a:t>	E.g. tables linking microarray spot ID and canonical gene name</a:t>
+            </a:r>
+            <a:endParaRPr/>
+          </a:p>
+        </p:txBody>
+      </p:sp>
+    </p:spTree>
+  </p:cSld>
+  <p:clrMapOvr>
+    <a:masterClrMapping/>
+  </p:clrMapOvr>
+</p:sld>
+</file>
+
+<file path=ppt/slides/slide18.xml><?xml version="1.0" encoding="utf-8"?>
+<p:sld xmlns:a="http://schemas.openxmlformats.org/drawingml/2006/main" xmlns:r="http://schemas.openxmlformats.org/officeDocument/2006/relationships" xmlns:mc="http://schemas.openxmlformats.org/markup-compatibility/2006" xmlns:mv="urn:schemas-microsoft-com:mac:vml" xmlns:p="http://schemas.openxmlformats.org/presentationml/2006/main" xmlns:c="http://schemas.openxmlformats.org/drawingml/2006/chart" xmlns:dgm="http://schemas.openxmlformats.org/drawingml/2006/diagram" xmlns:o="urn:schemas-microsoft-com:office:office" xmlns:v="urn:schemas-microsoft-com:vml" xmlns:pvml="urn:schemas-microsoft-com:office:powerpoint" xmlns:com="http://schemas.openxmlformats.org/drawingml/2006/compatibility" xmlns:p14="http://schemas.microsoft.com/office/powerpoint/2010/main" xmlns:p15="http://schemas.microsoft.com/office/powerpoint/2012/main">
+  <p:cSld>
+    <p:spTree>
+      <p:nvGrpSpPr>
+        <p:cNvPr id="185" name="Shape 185"/>
+        <p:cNvGrpSpPr/>
+        <p:nvPr/>
+      </p:nvGrpSpPr>
+      <p:grpSpPr>
+        <a:xfrm>
+          <a:off x="0" y="0"/>
+          <a:ext cx="0" cy="0"/>
+          <a:chOff x="0" y="0"/>
+          <a:chExt cx="0" cy="0"/>
+        </a:xfrm>
+      </p:grpSpPr>
+      <p:sp>
+        <p:nvSpPr>
+          <p:cNvPr id="186" name="Shape 186"/>
+          <p:cNvSpPr txBox="1"/>
+          <p:nvPr>
+            <p:ph type="title"/>
+          </p:nvPr>
+        </p:nvSpPr>
+        <p:spPr>
+          <a:xfrm>
+            <a:off x="729450" y="1318650"/>
+            <a:ext cx="7688700" cy="535200"/>
+          </a:xfrm>
+          <a:prstGeom prst="rect">
+            <a:avLst/>
+          </a:prstGeom>
+        </p:spPr>
+        <p:txBody>
+          <a:bodyPr anchorCtr="0" anchor="t" bIns="91425" lIns="91425" spcFirstLastPara="1" rIns="91425" wrap="square" tIns="91425">
+            <a:noAutofit/>
+          </a:bodyPr>
+          <a:lstStyle/>
+          <a:p>
+            <a:pPr indent="0" lvl="0" marL="0">
+              <a:spcBef>
+                <a:spcPts val="0"/>
+              </a:spcBef>
+              <a:spcAft>
+                <a:spcPts val="0"/>
+              </a:spcAft>
+              <a:buNone/>
+            </a:pPr>
+            <a:r>
+              <a:rPr lang="en"/>
+              <a:t>Starting Point</a:t>
+            </a:r>
+            <a:endParaRPr/>
+          </a:p>
+        </p:txBody>
+      </p:sp>
+      <p:sp>
+        <p:nvSpPr>
+          <p:cNvPr id="187" name="Shape 187"/>
+          <p:cNvSpPr txBox="1"/>
+          <p:nvPr>
+            <p:ph idx="1" type="body"/>
+          </p:nvPr>
+        </p:nvSpPr>
+        <p:spPr>
+          <a:xfrm>
+            <a:off x="729450" y="2078875"/>
+            <a:ext cx="7688700" cy="2261100"/>
+          </a:xfrm>
+          <a:prstGeom prst="rect">
+            <a:avLst/>
+          </a:prstGeom>
+        </p:spPr>
+        <p:txBody>
+          <a:bodyPr anchorCtr="0" anchor="t" bIns="91425" lIns="91425" spcFirstLastPara="1" rIns="91425" wrap="square" tIns="91425">
+            <a:noAutofit/>
+          </a:bodyPr>
+          <a:lstStyle/>
+          <a:p>
+            <a:pPr indent="-311150" lvl="0" marL="457200" rtl="0">
+              <a:spcBef>
+                <a:spcPts val="0"/>
+              </a:spcBef>
+              <a:spcAft>
+                <a:spcPts val="0"/>
+              </a:spcAft>
+              <a:buSzPts val="1300"/>
+              <a:buChar char="●"/>
+            </a:pPr>
+            <a:r>
+              <a:rPr lang="en"/>
+              <a:t>Genes that are not differentially expressed considered as candidate TF</a:t>
+            </a:r>
+            <a:endParaRPr/>
+          </a:p>
+          <a:p>
+            <a:pPr indent="0" lvl="0" marL="0" rtl="0">
+              <a:spcBef>
+                <a:spcPts val="1600"/>
+              </a:spcBef>
+              <a:spcAft>
+                <a:spcPts val="0"/>
+              </a:spcAft>
+              <a:buNone/>
+            </a:pPr>
+            <a:r>
+              <a:rPr lang="en"/>
+              <a:t> </a:t>
+            </a:r>
+            <a:endParaRPr/>
+          </a:p>
+          <a:p>
+            <a:pPr indent="-311150" lvl="0" marL="457200">
+              <a:spcBef>
+                <a:spcPts val="1600"/>
+              </a:spcBef>
+              <a:spcAft>
+                <a:spcPts val="0"/>
+              </a:spcAft>
+              <a:buSzPts val="1300"/>
+              <a:buChar char="●"/>
+            </a:pPr>
+            <a:r>
+              <a:rPr lang="en"/>
+              <a:t>We have found 1139 such genes and 2105 candidates SNPs</a:t>
+            </a:r>
+            <a:endParaRPr/>
+          </a:p>
+        </p:txBody>
+      </p:sp>
+    </p:spTree>
+  </p:cSld>
+  <p:clrMapOvr>
+    <a:masterClrMapping/>
+  </p:clrMapOvr>
+</p:sld>
+</file>
+
+<file path=ppt/slides/slide19.xml><?xml version="1.0" encoding="utf-8"?>
+<p:sld xmlns:a="http://schemas.openxmlformats.org/drawingml/2006/main" xmlns:r="http://schemas.openxmlformats.org/officeDocument/2006/relationships" xmlns:mc="http://schemas.openxmlformats.org/markup-compatibility/2006" xmlns:mv="urn:schemas-microsoft-com:mac:vml" xmlns:p="http://schemas.openxmlformats.org/presentationml/2006/main" xmlns:c="http://schemas.openxmlformats.org/drawingml/2006/chart" xmlns:dgm="http://schemas.openxmlformats.org/drawingml/2006/diagram" xmlns:o="urn:schemas-microsoft-com:office:office" xmlns:v="urn:schemas-microsoft-com:vml" xmlns:pvml="urn:schemas-microsoft-com:office:powerpoint" xmlns:com="http://schemas.openxmlformats.org/drawingml/2006/compatibility" xmlns:p14="http://schemas.microsoft.com/office/powerpoint/2010/main" xmlns:p15="http://schemas.microsoft.com/office/powerpoint/2012/main">
+  <p:cSld>
+    <p:spTree>
+      <p:nvGrpSpPr>
+        <p:cNvPr id="191" name="Shape 191"/>
+        <p:cNvGrpSpPr/>
+        <p:nvPr/>
+      </p:nvGrpSpPr>
+      <p:grpSpPr>
+        <a:xfrm>
+          <a:off x="0" y="0"/>
+          <a:ext cx="0" cy="0"/>
+          <a:chOff x="0" y="0"/>
+          <a:chExt cx="0" cy="0"/>
+        </a:xfrm>
+      </p:grpSpPr>
+      <p:sp>
+        <p:nvSpPr>
+          <p:cNvPr id="192" name="Shape 192"/>
+          <p:cNvSpPr txBox="1"/>
+          <p:nvPr>
+            <p:ph type="title"/>
+          </p:nvPr>
+        </p:nvSpPr>
+        <p:spPr>
+          <a:xfrm>
+            <a:off x="729450" y="1322450"/>
+            <a:ext cx="7688400" cy="1518600"/>
+          </a:xfrm>
+          <a:prstGeom prst="rect">
+            <a:avLst/>
+          </a:prstGeom>
+        </p:spPr>
+        <p:txBody>
+          <a:bodyPr anchorCtr="0" anchor="t" bIns="91425" lIns="91425" spcFirstLastPara="1" rIns="91425" wrap="square" tIns="91425">
+            <a:noAutofit/>
+          </a:bodyPr>
+          <a:lstStyle/>
+          <a:p>
+            <a:pPr indent="0" lvl="0" marL="0" rtl="0">
+              <a:spcBef>
+                <a:spcPts val="0"/>
+              </a:spcBef>
+              <a:spcAft>
+                <a:spcPts val="0"/>
+              </a:spcAft>
+              <a:buNone/>
+            </a:pPr>
+            <a:r>
+              <a:rPr lang="en"/>
+              <a:t>Methods</a:t>
+            </a:r>
+            <a:endParaRPr/>
+          </a:p>
+        </p:txBody>
+      </p:sp>
+    </p:spTree>
+  </p:cSld>
+  <p:clrMapOvr>
+    <a:masterClrMapping/>
+  </p:clrMapOvr>
+</p:sld>
+</file>
+
+<file path=ppt/slides/slide2.xml><?xml version="1.0" encoding="utf-8"?>
+<p:sld xmlns:a="http://schemas.openxmlformats.org/drawingml/2006/main" xmlns:r="http://schemas.openxmlformats.org/officeDocument/2006/relationships" xmlns:mc="http://schemas.openxmlformats.org/markup-compatibility/2006" xmlns:mv="urn:schemas-microsoft-com:mac:vml" xmlns:p="http://schemas.openxmlformats.org/presentationml/2006/main" xmlns:c="http://schemas.openxmlformats.org/drawingml/2006/chart" xmlns:dgm="http://schemas.openxmlformats.org/drawingml/2006/diagram" xmlns:o="urn:schemas-microsoft-com:office:office" xmlns:v="urn:schemas-microsoft-com:vml" xmlns:pvml="urn:schemas-microsoft-com:office:powerpoint" xmlns:com="http://schemas.openxmlformats.org/drawingml/2006/compatibility" xmlns:p14="http://schemas.microsoft.com/office/powerpoint/2010/main" xmlns:p15="http://schemas.microsoft.com/office/powerpoint/2012/main">
+  <p:cSld>
+    <p:spTree>
+      <p:nvGrpSpPr>
+        <p:cNvPr id="91" name="Shape 91"/>
+        <p:cNvGrpSpPr/>
+        <p:nvPr/>
+      </p:nvGrpSpPr>
+      <p:grpSpPr>
+        <a:xfrm>
+          <a:off x="0" y="0"/>
+          <a:ext cx="0" cy="0"/>
+          <a:chOff x="0" y="0"/>
+          <a:chExt cx="0" cy="0"/>
+        </a:xfrm>
+      </p:grpSpPr>
+      <p:sp>
+        <p:nvSpPr>
+          <p:cNvPr id="92" name="Shape 92"/>
+          <p:cNvSpPr txBox="1"/>
+          <p:nvPr>
+            <p:ph type="title"/>
+          </p:nvPr>
+        </p:nvSpPr>
+        <p:spPr>
+          <a:xfrm>
+            <a:off x="729450" y="1322450"/>
+            <a:ext cx="7688400" cy="1518600"/>
+          </a:xfrm>
+          <a:prstGeom prst="rect">
+            <a:avLst/>
+          </a:prstGeom>
+        </p:spPr>
+        <p:txBody>
+          <a:bodyPr anchorCtr="0" anchor="t" bIns="91425" lIns="91425" spcFirstLastPara="1" rIns="91425" wrap="square" tIns="91425">
+            <a:noAutofit/>
+          </a:bodyPr>
+          <a:lstStyle/>
+          <a:p>
+            <a:pPr indent="0" lvl="0" marL="0">
+              <a:spcBef>
+                <a:spcPts val="0"/>
+              </a:spcBef>
+              <a:spcAft>
+                <a:spcPts val="0"/>
+              </a:spcAft>
+              <a:buNone/>
+            </a:pPr>
+            <a:r>
+              <a:rPr lang="en"/>
+              <a:t>Background</a:t>
+            </a:r>
+            <a:endParaRPr/>
+          </a:p>
+        </p:txBody>
+      </p:sp>
+    </p:spTree>
+  </p:cSld>
+  <p:clrMapOvr>
+    <a:masterClrMapping/>
+  </p:clrMapOvr>
+</p:sld>
+</file>
+
+<file path=ppt/slides/slide20.xml><?xml version="1.0" encoding="utf-8"?>
+<p:sld xmlns:a="http://schemas.openxmlformats.org/drawingml/2006/main" xmlns:r="http://schemas.openxmlformats.org/officeDocument/2006/relationships" xmlns:mc="http://schemas.openxmlformats.org/markup-compatibility/2006" xmlns:mv="urn:schemas-microsoft-com:mac:vml" xmlns:p="http://schemas.openxmlformats.org/presentationml/2006/main" xmlns:c="http://schemas.openxmlformats.org/drawingml/2006/chart" xmlns:dgm="http://schemas.openxmlformats.org/drawingml/2006/diagram" xmlns:o="urn:schemas-microsoft-com:office:office" xmlns:v="urn:schemas-microsoft-com:vml" xmlns:pvml="urn:schemas-microsoft-com:office:powerpoint" xmlns:com="http://schemas.openxmlformats.org/drawingml/2006/compatibility" xmlns:p14="http://schemas.microsoft.com/office/powerpoint/2010/main" xmlns:p15="http://schemas.microsoft.com/office/powerpoint/2012/main">
+  <p:cSld>
+    <p:spTree>
+      <p:nvGrpSpPr>
+        <p:cNvPr id="196" name="Shape 196"/>
+        <p:cNvGrpSpPr/>
+        <p:nvPr/>
+      </p:nvGrpSpPr>
+      <p:grpSpPr>
+        <a:xfrm>
+          <a:off x="0" y="0"/>
+          <a:ext cx="0" cy="0"/>
+          <a:chOff x="0" y="0"/>
+          <a:chExt cx="0" cy="0"/>
+        </a:xfrm>
+      </p:grpSpPr>
+      <p:sp>
+        <p:nvSpPr>
+          <p:cNvPr id="197" name="Shape 197"/>
+          <p:cNvSpPr txBox="1"/>
+          <p:nvPr>
+            <p:ph type="title"/>
+          </p:nvPr>
+        </p:nvSpPr>
+        <p:spPr>
+          <a:xfrm>
+            <a:off x="729450" y="1318650"/>
+            <a:ext cx="7688700" cy="535200"/>
+          </a:xfrm>
+          <a:prstGeom prst="rect">
+            <a:avLst/>
+          </a:prstGeom>
+        </p:spPr>
+        <p:txBody>
+          <a:bodyPr anchorCtr="0" anchor="t" bIns="91425" lIns="91425" spcFirstLastPara="1" rIns="91425" wrap="square" tIns="91425">
+            <a:noAutofit/>
+          </a:bodyPr>
+          <a:lstStyle/>
+          <a:p>
+            <a:pPr indent="0" lvl="0" marL="0">
+              <a:spcBef>
+                <a:spcPts val="0"/>
+              </a:spcBef>
+              <a:spcAft>
+                <a:spcPts val="0"/>
+              </a:spcAft>
+              <a:buNone/>
+            </a:pPr>
+            <a:r>
+              <a:rPr lang="en"/>
+              <a:t>Marker Regression</a:t>
+            </a:r>
+            <a:endParaRPr/>
+          </a:p>
+        </p:txBody>
+      </p:sp>
+      <p:pic>
+        <p:nvPicPr>
+          <p:cNvPr id="198" name="Shape 198"/>
+          <p:cNvPicPr preferRelativeResize="0"/>
+          <p:nvPr/>
+        </p:nvPicPr>
+        <p:blipFill>
+          <a:blip r:embed="rId3">
+            <a:alphaModFix/>
+          </a:blip>
+          <a:stretch>
+            <a:fillRect/>
+          </a:stretch>
+        </p:blipFill>
+        <p:spPr>
+          <a:xfrm>
+            <a:off x="1588175" y="2337550"/>
+            <a:ext cx="5097911" cy="2419350"/>
+          </a:xfrm>
+          <a:prstGeom prst="rect">
+            <a:avLst/>
+          </a:prstGeom>
+          <a:noFill/>
+          <a:ln>
+            <a:noFill/>
+          </a:ln>
+        </p:spPr>
+      </p:pic>
+      <p:sp>
+        <p:nvSpPr>
+          <p:cNvPr id="199" name="Shape 199"/>
+          <p:cNvSpPr txBox="1"/>
+          <p:nvPr/>
+        </p:nvSpPr>
+        <p:spPr>
+          <a:xfrm>
+            <a:off x="858900" y="2132625"/>
+            <a:ext cx="7420500" cy="2010000"/>
+          </a:xfrm>
+          <a:prstGeom prst="rect">
+            <a:avLst/>
+          </a:prstGeom>
+          <a:noFill/>
+          <a:ln>
+            <a:noFill/>
+          </a:ln>
+        </p:spPr>
+        <p:txBody>
+          <a:bodyPr anchorCtr="0" anchor="t" bIns="91425" lIns="91425" spcFirstLastPara="1" rIns="91425" wrap="square" tIns="91425">
+            <a:noAutofit/>
+          </a:bodyPr>
+          <a:lstStyle/>
+          <a:p>
+            <a:pPr indent="-311150" lvl="0" marL="457200" rtl="0">
+              <a:lnSpc>
+                <a:spcPct val="115000"/>
+              </a:lnSpc>
+              <a:spcBef>
+                <a:spcPts val="0"/>
+              </a:spcBef>
+              <a:spcAft>
+                <a:spcPts val="0"/>
+              </a:spcAft>
+              <a:buClr>
+                <a:schemeClr val="accent1"/>
+              </a:buClr>
+              <a:buSzPts val="1300"/>
+              <a:buFont typeface="Lato"/>
+              <a:buChar char="●"/>
+            </a:pPr>
+            <a:r>
+              <a:rPr lang="en" sz="1300">
+                <a:solidFill>
+                  <a:schemeClr val="accent1"/>
+                </a:solidFill>
+                <a:latin typeface="Lato"/>
+                <a:ea typeface="Lato"/>
+                <a:cs typeface="Lato"/>
+                <a:sym typeface="Lato"/>
+              </a:rPr>
+              <a:t>Single SNP-Single Gene Expression Association</a:t>
+            </a:r>
+            <a:endParaRPr sz="1300">
+              <a:solidFill>
+                <a:schemeClr val="accent1"/>
+              </a:solidFill>
+              <a:latin typeface="Lato"/>
+              <a:ea typeface="Lato"/>
+              <a:cs typeface="Lato"/>
+              <a:sym typeface="Lato"/>
+            </a:endParaRPr>
+          </a:p>
+          <a:p>
+            <a:pPr indent="0" lvl="0" marL="0">
+              <a:spcBef>
+                <a:spcPts val="1600"/>
+              </a:spcBef>
+              <a:spcAft>
+                <a:spcPts val="0"/>
+              </a:spcAft>
+              <a:buNone/>
+            </a:pPr>
+            <a:r>
+              <a:t/>
+            </a:r>
+            <a:endParaRPr/>
+          </a:p>
+        </p:txBody>
+      </p:sp>
+    </p:spTree>
+  </p:cSld>
+  <p:clrMapOvr>
+    <a:masterClrMapping/>
+  </p:clrMapOvr>
+</p:sld>
+</file>
+
+<file path=ppt/slides/slide21.xml><?xml version="1.0" encoding="utf-8"?>
+<p:sld xmlns:a="http://schemas.openxmlformats.org/drawingml/2006/main" xmlns:r="http://schemas.openxmlformats.org/officeDocument/2006/relationships" xmlns:mc="http://schemas.openxmlformats.org/markup-compatibility/2006" xmlns:mv="urn:schemas-microsoft-com:mac:vml" xmlns:p="http://schemas.openxmlformats.org/presentationml/2006/main" xmlns:c="http://schemas.openxmlformats.org/drawingml/2006/chart" xmlns:dgm="http://schemas.openxmlformats.org/drawingml/2006/diagram" xmlns:o="urn:schemas-microsoft-com:office:office" xmlns:v="urn:schemas-microsoft-com:vml" xmlns:pvml="urn:schemas-microsoft-com:office:powerpoint" xmlns:com="http://schemas.openxmlformats.org/drawingml/2006/compatibility" xmlns:p14="http://schemas.microsoft.com/office/powerpoint/2010/main" xmlns:p15="http://schemas.microsoft.com/office/powerpoint/2012/main">
+  <p:cSld>
+    <p:spTree>
+      <p:nvGrpSpPr>
+        <p:cNvPr id="203" name="Shape 203"/>
+        <p:cNvGrpSpPr/>
+        <p:nvPr/>
+      </p:nvGrpSpPr>
+      <p:grpSpPr>
+        <a:xfrm>
+          <a:off x="0" y="0"/>
+          <a:ext cx="0" cy="0"/>
+          <a:chOff x="0" y="0"/>
+          <a:chExt cx="0" cy="0"/>
+        </a:xfrm>
+      </p:grpSpPr>
+      <p:sp>
+        <p:nvSpPr>
+          <p:cNvPr id="204" name="Shape 204"/>
+          <p:cNvSpPr txBox="1"/>
+          <p:nvPr>
+            <p:ph type="title"/>
+          </p:nvPr>
+        </p:nvSpPr>
+        <p:spPr>
+          <a:xfrm>
+            <a:off x="729450" y="1318650"/>
+            <a:ext cx="7688700" cy="535200"/>
+          </a:xfrm>
+          <a:prstGeom prst="rect">
+            <a:avLst/>
+          </a:prstGeom>
+        </p:spPr>
+        <p:txBody>
+          <a:bodyPr anchorCtr="0" anchor="t" bIns="91425" lIns="91425" spcFirstLastPara="1" rIns="91425" wrap="square" tIns="91425">
+            <a:noAutofit/>
+          </a:bodyPr>
+          <a:lstStyle/>
+          <a:p>
+            <a:pPr indent="0" lvl="0" marL="0">
+              <a:spcBef>
+                <a:spcPts val="0"/>
+              </a:spcBef>
+              <a:spcAft>
+                <a:spcPts val="0"/>
+              </a:spcAft>
+              <a:buNone/>
+            </a:pPr>
+            <a:r>
+              <a:rPr lang="en"/>
+              <a:t>Allele Transition Bias</a:t>
+            </a:r>
+            <a:endParaRPr/>
+          </a:p>
+        </p:txBody>
+      </p:sp>
+      <p:sp>
+        <p:nvSpPr>
+          <p:cNvPr id="205" name="Shape 205"/>
+          <p:cNvSpPr txBox="1"/>
+          <p:nvPr>
+            <p:ph idx="1" type="body"/>
+          </p:nvPr>
+        </p:nvSpPr>
+        <p:spPr>
+          <a:xfrm>
+            <a:off x="729450" y="2078875"/>
+            <a:ext cx="7688700" cy="2261100"/>
+          </a:xfrm>
+          <a:prstGeom prst="rect">
+            <a:avLst/>
+          </a:prstGeom>
+        </p:spPr>
+        <p:txBody>
+          <a:bodyPr anchorCtr="0" anchor="t" bIns="91425" lIns="91425" spcFirstLastPara="1" rIns="91425" wrap="square" tIns="91425">
+            <a:noAutofit/>
+          </a:bodyPr>
+          <a:lstStyle/>
+          <a:p>
+            <a:pPr indent="0" lvl="0" marL="0" rtl="0">
+              <a:spcBef>
+                <a:spcPts val="0"/>
+              </a:spcBef>
+              <a:spcAft>
+                <a:spcPts val="0"/>
+              </a:spcAft>
+              <a:buNone/>
+            </a:pPr>
+            <a:r>
+              <a:rPr lang="en"/>
+              <a:t>Target upregulation ⇔ Allele Transition</a:t>
+            </a:r>
+            <a:endParaRPr/>
+          </a:p>
+          <a:p>
+            <a:pPr indent="0" lvl="0" marL="0">
+              <a:spcBef>
+                <a:spcPts val="1600"/>
+              </a:spcBef>
+              <a:spcAft>
+                <a:spcPts val="0"/>
+              </a:spcAft>
+              <a:buNone/>
+            </a:pPr>
+            <a:r>
+              <a:rPr lang="en"/>
+              <a:t>Find genes (putative targets) upregulated across pairs of conditions (transition)</a:t>
+            </a:r>
+            <a:endParaRPr/>
+          </a:p>
+          <a:p>
+            <a:pPr indent="0" lvl="0" marL="0">
+              <a:spcBef>
+                <a:spcPts val="1600"/>
+              </a:spcBef>
+              <a:spcAft>
+                <a:spcPts val="0"/>
+              </a:spcAft>
+              <a:buNone/>
+            </a:pPr>
+            <a:r>
+              <a:rPr lang="en"/>
+              <a:t>	Upregulation - 2 fold increase in expression</a:t>
+            </a:r>
+            <a:endParaRPr/>
+          </a:p>
+          <a:p>
+            <a:pPr indent="0" lvl="0" marL="0">
+              <a:spcBef>
+                <a:spcPts val="1600"/>
+              </a:spcBef>
+              <a:spcAft>
+                <a:spcPts val="0"/>
+              </a:spcAft>
+              <a:buNone/>
+            </a:pPr>
+            <a:r>
+              <a:rPr lang="en"/>
+              <a:t>	Gene: [condition1 → condition2, </a:t>
+            </a:r>
+            <a:r>
+              <a:rPr lang="en"/>
+              <a:t>condition → condition 4…]</a:t>
+            </a:r>
+            <a:endParaRPr/>
+          </a:p>
+          <a:p>
+            <a:pPr indent="0" lvl="0" marL="0">
+              <a:spcBef>
+                <a:spcPts val="1600"/>
+              </a:spcBef>
+              <a:spcAft>
+                <a:spcPts val="1600"/>
+              </a:spcAft>
+              <a:buNone/>
+            </a:pPr>
+            <a:r>
+              <a:t/>
+            </a:r>
+            <a:endParaRPr/>
+          </a:p>
+        </p:txBody>
+      </p:sp>
+      <p:pic>
+        <p:nvPicPr>
+          <p:cNvPr id="206" name="Shape 206"/>
+          <p:cNvPicPr preferRelativeResize="0"/>
+          <p:nvPr/>
+        </p:nvPicPr>
+        <p:blipFill>
+          <a:blip r:embed="rId3">
+            <a:alphaModFix/>
+          </a:blip>
+          <a:stretch>
+            <a:fillRect/>
+          </a:stretch>
+        </p:blipFill>
+        <p:spPr>
+          <a:xfrm>
+            <a:off x="7404576" y="2124650"/>
+            <a:ext cx="1477200" cy="2571750"/>
+          </a:xfrm>
+          <a:prstGeom prst="rect">
+            <a:avLst/>
+          </a:prstGeom>
+          <a:noFill/>
+          <a:ln>
+            <a:noFill/>
+          </a:ln>
+        </p:spPr>
+      </p:pic>
+    </p:spTree>
+  </p:cSld>
+  <p:clrMapOvr>
+    <a:masterClrMapping/>
+  </p:clrMapOvr>
+</p:sld>
+</file>
+
+<file path=ppt/slides/slide22.xml><?xml version="1.0" encoding="utf-8"?>
+<p:sld xmlns:a="http://schemas.openxmlformats.org/drawingml/2006/main" xmlns:r="http://schemas.openxmlformats.org/officeDocument/2006/relationships" xmlns:mc="http://schemas.openxmlformats.org/markup-compatibility/2006" xmlns:mv="urn:schemas-microsoft-com:mac:vml" xmlns:p="http://schemas.openxmlformats.org/presentationml/2006/main" xmlns:c="http://schemas.openxmlformats.org/drawingml/2006/chart" xmlns:dgm="http://schemas.openxmlformats.org/drawingml/2006/diagram" xmlns:o="urn:schemas-microsoft-com:office:office" xmlns:v="urn:schemas-microsoft-com:vml" xmlns:pvml="urn:schemas-microsoft-com:office:powerpoint" xmlns:com="http://schemas.openxmlformats.org/drawingml/2006/compatibility" xmlns:p14="http://schemas.microsoft.com/office/powerpoint/2010/main" xmlns:p15="http://schemas.microsoft.com/office/powerpoint/2012/main">
+  <p:cSld>
+    <p:spTree>
+      <p:nvGrpSpPr>
+        <p:cNvPr id="210" name="Shape 210"/>
+        <p:cNvGrpSpPr/>
+        <p:nvPr/>
+      </p:nvGrpSpPr>
+      <p:grpSpPr>
+        <a:xfrm>
+          <a:off x="0" y="0"/>
+          <a:ext cx="0" cy="0"/>
+          <a:chOff x="0" y="0"/>
+          <a:chExt cx="0" cy="0"/>
+        </a:xfrm>
+      </p:grpSpPr>
+      <p:sp>
+        <p:nvSpPr>
+          <p:cNvPr id="211" name="Shape 211"/>
+          <p:cNvSpPr txBox="1"/>
+          <p:nvPr>
+            <p:ph type="title"/>
+          </p:nvPr>
+        </p:nvSpPr>
+        <p:spPr>
+          <a:xfrm>
+            <a:off x="729450" y="1318650"/>
+            <a:ext cx="7688700" cy="535200"/>
+          </a:xfrm>
+          <a:prstGeom prst="rect">
+            <a:avLst/>
+          </a:prstGeom>
+        </p:spPr>
+        <p:txBody>
+          <a:bodyPr anchorCtr="0" anchor="t" bIns="91425" lIns="91425" spcFirstLastPara="1" rIns="91425" wrap="square" tIns="91425">
+            <a:noAutofit/>
+          </a:bodyPr>
+          <a:lstStyle/>
+          <a:p>
+            <a:pPr indent="0" lvl="0" marL="0" rtl="0">
+              <a:spcBef>
+                <a:spcPts val="0"/>
+              </a:spcBef>
+              <a:spcAft>
+                <a:spcPts val="0"/>
+              </a:spcAft>
+              <a:buNone/>
+            </a:pPr>
+            <a:r>
+              <a:rPr lang="en"/>
+              <a:t>Allele Transition Bias</a:t>
+            </a:r>
+            <a:endParaRPr/>
+          </a:p>
+        </p:txBody>
+      </p:sp>
+      <p:sp>
+        <p:nvSpPr>
+          <p:cNvPr id="212" name="Shape 212"/>
+          <p:cNvSpPr txBox="1"/>
+          <p:nvPr>
+            <p:ph idx="1" type="body"/>
+          </p:nvPr>
+        </p:nvSpPr>
+        <p:spPr>
+          <a:xfrm>
+            <a:off x="729450" y="2078875"/>
+            <a:ext cx="7688700" cy="2261100"/>
+          </a:xfrm>
+          <a:prstGeom prst="rect">
+            <a:avLst/>
+          </a:prstGeom>
+        </p:spPr>
+        <p:txBody>
+          <a:bodyPr anchorCtr="0" anchor="t" bIns="91425" lIns="91425" spcFirstLastPara="1" rIns="91425" wrap="square" tIns="91425">
+            <a:noAutofit/>
+          </a:bodyPr>
+          <a:lstStyle/>
+          <a:p>
+            <a:pPr indent="0" lvl="0" marL="0">
+              <a:spcBef>
+                <a:spcPts val="0"/>
+              </a:spcBef>
+              <a:spcAft>
+                <a:spcPts val="0"/>
+              </a:spcAft>
+              <a:buNone/>
+            </a:pPr>
+            <a:r>
+              <a:rPr lang="en"/>
+              <a:t>Match every SNP and its allele (0/1/2) with every gene transition of every upregulated gene</a:t>
+            </a:r>
+            <a:endParaRPr/>
+          </a:p>
+          <a:p>
+            <a:pPr indent="0" lvl="0" marL="0">
+              <a:spcBef>
+                <a:spcPts val="1600"/>
+              </a:spcBef>
+              <a:spcAft>
+                <a:spcPts val="0"/>
+              </a:spcAft>
+              <a:buNone/>
+            </a:pPr>
+            <a:r>
+              <a:rPr lang="en"/>
+              <a:t>	If gene containing SNP (putative transcription factor) is also upregulated or downregulated</a:t>
+            </a:r>
+            <a:endParaRPr/>
+          </a:p>
+          <a:p>
+            <a:pPr indent="0" lvl="0" marL="0" rtl="0">
+              <a:spcBef>
+                <a:spcPts val="1600"/>
+              </a:spcBef>
+              <a:spcAft>
+                <a:spcPts val="1600"/>
+              </a:spcAft>
+              <a:buNone/>
+            </a:pPr>
+            <a:r>
+              <a:rPr lang="en"/>
+              <a:t>		⇒ ignore transition</a:t>
+            </a:r>
+            <a:endParaRPr/>
+          </a:p>
+        </p:txBody>
+      </p:sp>
+    </p:spTree>
+  </p:cSld>
+  <p:clrMapOvr>
+    <a:masterClrMapping/>
+  </p:clrMapOvr>
+</p:sld>
+</file>
+
+<file path=ppt/slides/slide23.xml><?xml version="1.0" encoding="utf-8"?>
+<p:sld xmlns:a="http://schemas.openxmlformats.org/drawingml/2006/main" xmlns:r="http://schemas.openxmlformats.org/officeDocument/2006/relationships" xmlns:mc="http://schemas.openxmlformats.org/markup-compatibility/2006" xmlns:mv="urn:schemas-microsoft-com:mac:vml" xmlns:p="http://schemas.openxmlformats.org/presentationml/2006/main" xmlns:c="http://schemas.openxmlformats.org/drawingml/2006/chart" xmlns:dgm="http://schemas.openxmlformats.org/drawingml/2006/diagram" xmlns:o="urn:schemas-microsoft-com:office:office" xmlns:v="urn:schemas-microsoft-com:vml" xmlns:pvml="urn:schemas-microsoft-com:office:powerpoint" xmlns:com="http://schemas.openxmlformats.org/drawingml/2006/compatibility" xmlns:p14="http://schemas.microsoft.com/office/powerpoint/2010/main" xmlns:p15="http://schemas.microsoft.com/office/powerpoint/2012/main">
+  <p:cSld>
+    <p:spTree>
+      <p:nvGrpSpPr>
+        <p:cNvPr id="216" name="Shape 216"/>
+        <p:cNvGrpSpPr/>
+        <p:nvPr/>
+      </p:nvGrpSpPr>
+      <p:grpSpPr>
+        <a:xfrm>
+          <a:off x="0" y="0"/>
+          <a:ext cx="0" cy="0"/>
+          <a:chOff x="0" y="0"/>
+          <a:chExt cx="0" cy="0"/>
+        </a:xfrm>
+      </p:grpSpPr>
+      <p:sp>
+        <p:nvSpPr>
+          <p:cNvPr id="217" name="Shape 217"/>
+          <p:cNvSpPr txBox="1"/>
+          <p:nvPr>
+            <p:ph type="title"/>
+          </p:nvPr>
+        </p:nvSpPr>
+        <p:spPr>
+          <a:xfrm>
+            <a:off x="729450" y="1318650"/>
+            <a:ext cx="7688700" cy="535200"/>
+          </a:xfrm>
+          <a:prstGeom prst="rect">
+            <a:avLst/>
+          </a:prstGeom>
+        </p:spPr>
+        <p:txBody>
+          <a:bodyPr anchorCtr="0" anchor="t" bIns="91425" lIns="91425" spcFirstLastPara="1" rIns="91425" wrap="square" tIns="91425">
+            <a:noAutofit/>
+          </a:bodyPr>
+          <a:lstStyle/>
+          <a:p>
+            <a:pPr indent="0" lvl="0" marL="0">
+              <a:spcBef>
+                <a:spcPts val="0"/>
+              </a:spcBef>
+              <a:spcAft>
+                <a:spcPts val="0"/>
+              </a:spcAft>
+              <a:buNone/>
+            </a:pPr>
+            <a:r>
+              <a:rPr lang="en"/>
+              <a:t>Allele Transition Bias</a:t>
+            </a:r>
+            <a:endParaRPr/>
+          </a:p>
+        </p:txBody>
+      </p:sp>
+      <p:sp>
+        <p:nvSpPr>
+          <p:cNvPr id="218" name="Shape 218"/>
+          <p:cNvSpPr txBox="1"/>
+          <p:nvPr>
+            <p:ph idx="1" type="body"/>
+          </p:nvPr>
+        </p:nvSpPr>
+        <p:spPr>
+          <a:xfrm>
+            <a:off x="729450" y="2078875"/>
+            <a:ext cx="7688700" cy="2261100"/>
+          </a:xfrm>
+          <a:prstGeom prst="rect">
+            <a:avLst/>
+          </a:prstGeom>
+        </p:spPr>
+        <p:txBody>
+          <a:bodyPr anchorCtr="0" anchor="t" bIns="91425" lIns="91425" spcFirstLastPara="1" rIns="91425" wrap="square" tIns="91425">
+            <a:noAutofit/>
+          </a:bodyPr>
+          <a:lstStyle/>
+          <a:p>
+            <a:pPr indent="0" lvl="0" marL="0">
+              <a:spcBef>
+                <a:spcPts val="0"/>
+              </a:spcBef>
+              <a:spcAft>
+                <a:spcPts val="0"/>
+              </a:spcAft>
+              <a:buNone/>
+            </a:pPr>
+            <a:r>
+              <a:rPr lang="en"/>
+              <a:t>For every upregulated target create a list of corresponding SNP transition</a:t>
+            </a:r>
+            <a:endParaRPr/>
+          </a:p>
+          <a:p>
+            <a:pPr indent="0" lvl="0" marL="0">
+              <a:spcBef>
+                <a:spcPts val="1600"/>
+              </a:spcBef>
+              <a:spcAft>
+                <a:spcPts val="0"/>
+              </a:spcAft>
+              <a:buNone/>
+            </a:pPr>
+            <a:r>
+              <a:rPr lang="en"/>
+              <a:t>	⇒ get counts of each transition type (e.g. 0 → 0, 0 → 2)</a:t>
+            </a:r>
+            <a:endParaRPr/>
+          </a:p>
+          <a:p>
+            <a:pPr indent="0" lvl="0" marL="0">
+              <a:spcBef>
+                <a:spcPts val="1600"/>
+              </a:spcBef>
+              <a:spcAft>
+                <a:spcPts val="1600"/>
+              </a:spcAft>
+              <a:buNone/>
+            </a:pPr>
+            <a:r>
+              <a:t/>
+            </a:r>
+            <a:endParaRPr/>
+          </a:p>
+        </p:txBody>
+      </p:sp>
+      <p:pic>
+        <p:nvPicPr>
+          <p:cNvPr id="219" name="Shape 219"/>
+          <p:cNvPicPr preferRelativeResize="0"/>
+          <p:nvPr/>
+        </p:nvPicPr>
+        <p:blipFill>
+          <a:blip r:embed="rId3">
+            <a:alphaModFix/>
+          </a:blip>
+          <a:stretch>
+            <a:fillRect/>
+          </a:stretch>
+        </p:blipFill>
+        <p:spPr>
+          <a:xfrm>
+            <a:off x="254125" y="3270850"/>
+            <a:ext cx="8635750" cy="1321525"/>
+          </a:xfrm>
+          <a:prstGeom prst="rect">
+            <a:avLst/>
+          </a:prstGeom>
+          <a:noFill/>
+          <a:ln>
+            <a:noFill/>
+          </a:ln>
+        </p:spPr>
+      </p:pic>
+    </p:spTree>
+  </p:cSld>
+  <p:clrMapOvr>
+    <a:masterClrMapping/>
+  </p:clrMapOvr>
+</p:sld>
+</file>
+
+<file path=ppt/slides/slide24.xml><?xml version="1.0" encoding="utf-8"?>
+<p:sld xmlns:a="http://schemas.openxmlformats.org/drawingml/2006/main" xmlns:r="http://schemas.openxmlformats.org/officeDocument/2006/relationships" xmlns:mc="http://schemas.openxmlformats.org/markup-compatibility/2006" xmlns:mv="urn:schemas-microsoft-com:mac:vml" xmlns:p="http://schemas.openxmlformats.org/presentationml/2006/main" xmlns:c="http://schemas.openxmlformats.org/drawingml/2006/chart" xmlns:dgm="http://schemas.openxmlformats.org/drawingml/2006/diagram" xmlns:o="urn:schemas-microsoft-com:office:office" xmlns:v="urn:schemas-microsoft-com:vml" xmlns:pvml="urn:schemas-microsoft-com:office:powerpoint" xmlns:com="http://schemas.openxmlformats.org/drawingml/2006/compatibility" xmlns:p14="http://schemas.microsoft.com/office/powerpoint/2010/main" xmlns:p15="http://schemas.microsoft.com/office/powerpoint/2012/main">
+  <p:cSld>
+    <p:spTree>
+      <p:nvGrpSpPr>
+        <p:cNvPr id="223" name="Shape 223"/>
+        <p:cNvGrpSpPr/>
+        <p:nvPr/>
+      </p:nvGrpSpPr>
+      <p:grpSpPr>
+        <a:xfrm>
+          <a:off x="0" y="0"/>
+          <a:ext cx="0" cy="0"/>
+          <a:chOff x="0" y="0"/>
+          <a:chExt cx="0" cy="0"/>
+        </a:xfrm>
+      </p:grpSpPr>
+      <p:sp>
+        <p:nvSpPr>
+          <p:cNvPr id="224" name="Shape 224"/>
+          <p:cNvSpPr txBox="1"/>
+          <p:nvPr>
+            <p:ph type="title"/>
+          </p:nvPr>
+        </p:nvSpPr>
+        <p:spPr>
+          <a:xfrm>
+            <a:off x="729450" y="1318650"/>
+            <a:ext cx="7688700" cy="535200"/>
+          </a:xfrm>
+          <a:prstGeom prst="rect">
+            <a:avLst/>
+          </a:prstGeom>
+        </p:spPr>
+        <p:txBody>
+          <a:bodyPr anchorCtr="0" anchor="t" bIns="91425" lIns="91425" spcFirstLastPara="1" rIns="91425" wrap="square" tIns="91425">
+            <a:noAutofit/>
+          </a:bodyPr>
+          <a:lstStyle/>
+          <a:p>
+            <a:pPr indent="0" lvl="0" marL="0">
+              <a:spcBef>
+                <a:spcPts val="0"/>
+              </a:spcBef>
+              <a:spcAft>
+                <a:spcPts val="0"/>
+              </a:spcAft>
+              <a:buNone/>
+            </a:pPr>
+            <a:r>
+              <a:rPr lang="en"/>
+              <a:t>Allele Transition Bias</a:t>
+            </a:r>
+            <a:endParaRPr/>
+          </a:p>
+        </p:txBody>
+      </p:sp>
+      <p:sp>
+        <p:nvSpPr>
+          <p:cNvPr id="225" name="Shape 225"/>
+          <p:cNvSpPr txBox="1"/>
+          <p:nvPr>
+            <p:ph idx="1" type="body"/>
+          </p:nvPr>
+        </p:nvSpPr>
+        <p:spPr>
+          <a:xfrm>
+            <a:off x="729450" y="2078875"/>
+            <a:ext cx="7688700" cy="2261100"/>
+          </a:xfrm>
+          <a:prstGeom prst="rect">
+            <a:avLst/>
+          </a:prstGeom>
+        </p:spPr>
+        <p:txBody>
+          <a:bodyPr anchorCtr="0" anchor="t" bIns="91425" lIns="91425" spcFirstLastPara="1" rIns="91425" wrap="square" tIns="91425">
+            <a:noAutofit/>
+          </a:bodyPr>
+          <a:lstStyle/>
+          <a:p>
+            <a:pPr indent="0" lvl="0" marL="0">
+              <a:spcBef>
+                <a:spcPts val="0"/>
+              </a:spcBef>
+              <a:spcAft>
+                <a:spcPts val="0"/>
+              </a:spcAft>
+              <a:buNone/>
+            </a:pPr>
+            <a:r>
+              <a:rPr lang="en"/>
+              <a:t>Rationale:</a:t>
+            </a:r>
+            <a:endParaRPr/>
+          </a:p>
+          <a:p>
+            <a:pPr indent="0" lvl="0" marL="0">
+              <a:spcBef>
+                <a:spcPts val="1600"/>
+              </a:spcBef>
+              <a:spcAft>
+                <a:spcPts val="0"/>
+              </a:spcAft>
+              <a:buNone/>
+            </a:pPr>
+            <a:r>
+              <a:rPr lang="en"/>
+              <a:t>	If gene is upregulated with a strong bias for specific type of SNP transition</a:t>
+            </a:r>
+            <a:endParaRPr/>
+          </a:p>
+          <a:p>
+            <a:pPr indent="0" lvl="0" marL="0">
+              <a:spcBef>
+                <a:spcPts val="1600"/>
+              </a:spcBef>
+              <a:spcAft>
+                <a:spcPts val="1600"/>
+              </a:spcAft>
+              <a:buNone/>
+            </a:pPr>
+            <a:r>
+              <a:rPr lang="en"/>
+              <a:t>		⇒ SNP is likely important and might be part of a transcription factor</a:t>
+            </a:r>
+            <a:endParaRPr/>
+          </a:p>
+        </p:txBody>
+      </p:sp>
+    </p:spTree>
+  </p:cSld>
+  <p:clrMapOvr>
+    <a:masterClrMapping/>
+  </p:clrMapOvr>
+</p:sld>
+</file>
+
+<file path=ppt/slides/slide25.xml><?xml version="1.0" encoding="utf-8"?>
+<p:sld xmlns:a="http://schemas.openxmlformats.org/drawingml/2006/main" xmlns:r="http://schemas.openxmlformats.org/officeDocument/2006/relationships" xmlns:mc="http://schemas.openxmlformats.org/markup-compatibility/2006" xmlns:mv="urn:schemas-microsoft-com:mac:vml" xmlns:p="http://schemas.openxmlformats.org/presentationml/2006/main" xmlns:c="http://schemas.openxmlformats.org/drawingml/2006/chart" xmlns:dgm="http://schemas.openxmlformats.org/drawingml/2006/diagram" xmlns:o="urn:schemas-microsoft-com:office:office" xmlns:v="urn:schemas-microsoft-com:vml" xmlns:pvml="urn:schemas-microsoft-com:office:powerpoint" xmlns:com="http://schemas.openxmlformats.org/drawingml/2006/compatibility" xmlns:p14="http://schemas.microsoft.com/office/powerpoint/2010/main" xmlns:p15="http://schemas.microsoft.com/office/powerpoint/2012/main">
+  <p:cSld>
+    <p:spTree>
+      <p:nvGrpSpPr>
+        <p:cNvPr id="229" name="Shape 229"/>
+        <p:cNvGrpSpPr/>
+        <p:nvPr/>
+      </p:nvGrpSpPr>
+      <p:grpSpPr>
+        <a:xfrm>
+          <a:off x="0" y="0"/>
+          <a:ext cx="0" cy="0"/>
+          <a:chOff x="0" y="0"/>
+          <a:chExt cx="0" cy="0"/>
+        </a:xfrm>
+      </p:grpSpPr>
+      <p:sp>
+        <p:nvSpPr>
+          <p:cNvPr id="230" name="Shape 230"/>
+          <p:cNvSpPr txBox="1"/>
+          <p:nvPr>
+            <p:ph type="title"/>
+          </p:nvPr>
+        </p:nvSpPr>
+        <p:spPr>
+          <a:xfrm>
+            <a:off x="729450" y="1318650"/>
+            <a:ext cx="7688700" cy="535200"/>
+          </a:xfrm>
+          <a:prstGeom prst="rect">
+            <a:avLst/>
+          </a:prstGeom>
+        </p:spPr>
+        <p:txBody>
+          <a:bodyPr anchorCtr="0" anchor="t" bIns="91425" lIns="91425" spcFirstLastPara="1" rIns="91425" wrap="square" tIns="91425">
+            <a:noAutofit/>
+          </a:bodyPr>
+          <a:lstStyle/>
+          <a:p>
+            <a:pPr indent="0" lvl="0" marL="0">
+              <a:spcBef>
+                <a:spcPts val="0"/>
+              </a:spcBef>
+              <a:spcAft>
+                <a:spcPts val="0"/>
+              </a:spcAft>
+              <a:buNone/>
+            </a:pPr>
+            <a:r>
+              <a:rPr lang="en"/>
+              <a:t>Random Forest Regression</a:t>
+            </a:r>
+            <a:endParaRPr/>
+          </a:p>
+        </p:txBody>
+      </p:sp>
+      <p:sp>
+        <p:nvSpPr>
+          <p:cNvPr id="231" name="Shape 231"/>
+          <p:cNvSpPr txBox="1"/>
+          <p:nvPr>
+            <p:ph idx="1" type="body"/>
+          </p:nvPr>
+        </p:nvSpPr>
+        <p:spPr>
+          <a:xfrm>
+            <a:off x="729450" y="2078875"/>
+            <a:ext cx="7688700" cy="2261100"/>
+          </a:xfrm>
+          <a:prstGeom prst="rect">
+            <a:avLst/>
+          </a:prstGeom>
+        </p:spPr>
+        <p:txBody>
+          <a:bodyPr anchorCtr="0" anchor="t" bIns="91425" lIns="91425" spcFirstLastPara="1" rIns="91425" wrap="square" tIns="91425">
+            <a:noAutofit/>
+          </a:bodyPr>
+          <a:lstStyle/>
+          <a:p>
+            <a:pPr indent="-311150" lvl="0" marL="457200" rtl="0">
+              <a:spcBef>
+                <a:spcPts val="0"/>
+              </a:spcBef>
+              <a:spcAft>
+                <a:spcPts val="0"/>
+              </a:spcAft>
+              <a:buSzPts val="1300"/>
+              <a:buChar char="●"/>
+            </a:pPr>
+            <a:r>
+              <a:rPr lang="en"/>
+              <a:t>49 TFs with SNPs investigated, across 112 conditions</a:t>
+            </a:r>
+            <a:br>
+              <a:rPr lang="en"/>
+            </a:br>
+            <a:endParaRPr/>
+          </a:p>
+          <a:p>
+            <a:pPr indent="-311150" lvl="0" marL="457200" rtl="0">
+              <a:spcBef>
+                <a:spcPts val="0"/>
+              </a:spcBef>
+              <a:spcAft>
+                <a:spcPts val="0"/>
+              </a:spcAft>
+              <a:buSzPts val="1300"/>
+              <a:buChar char="●"/>
+            </a:pPr>
+            <a:r>
+              <a:rPr lang="en"/>
+              <a:t>Output (ground truth) data:</a:t>
+            </a:r>
+            <a:endParaRPr/>
+          </a:p>
+          <a:p>
+            <a:pPr indent="-298450" lvl="1" marL="914400" rtl="0">
+              <a:spcBef>
+                <a:spcPts val="0"/>
+              </a:spcBef>
+              <a:spcAft>
+                <a:spcPts val="0"/>
+              </a:spcAft>
+              <a:buSzPts val="1100"/>
+              <a:buChar char="○"/>
+            </a:pPr>
+            <a:r>
+              <a:rPr lang="en"/>
+              <a:t>expression of direct targets</a:t>
+            </a:r>
+            <a:br>
+              <a:rPr lang="en"/>
+            </a:br>
+            <a:endParaRPr/>
+          </a:p>
+          <a:p>
+            <a:pPr indent="-311150" lvl="0" marL="457200" rtl="0">
+              <a:spcBef>
+                <a:spcPts val="0"/>
+              </a:spcBef>
+              <a:spcAft>
+                <a:spcPts val="0"/>
+              </a:spcAft>
+              <a:buSzPts val="1300"/>
+              <a:buChar char="●"/>
+            </a:pPr>
+            <a:r>
+              <a:rPr lang="en"/>
+              <a:t>Three cases of input data:</a:t>
+            </a:r>
+            <a:endParaRPr/>
+          </a:p>
+          <a:p>
+            <a:pPr indent="-298450" lvl="1" marL="914400" rtl="0">
+              <a:spcBef>
+                <a:spcPts val="0"/>
+              </a:spcBef>
+              <a:spcAft>
+                <a:spcPts val="0"/>
+              </a:spcAft>
+              <a:buSzPts val="1100"/>
+              <a:buChar char="○"/>
+            </a:pPr>
+            <a:r>
+              <a:rPr lang="en"/>
+              <a:t>expression of TFs</a:t>
+            </a:r>
+            <a:endParaRPr/>
+          </a:p>
+          <a:p>
+            <a:pPr indent="-298450" lvl="1" marL="914400" rtl="0">
+              <a:spcBef>
+                <a:spcPts val="0"/>
+              </a:spcBef>
+              <a:spcAft>
+                <a:spcPts val="0"/>
+              </a:spcAft>
+              <a:buSzPts val="1100"/>
+              <a:buChar char="○"/>
+            </a:pPr>
+            <a:r>
+              <a:rPr lang="en"/>
+              <a:t>expression of TFs + all unique SNPs within TFs</a:t>
+            </a:r>
+            <a:endParaRPr/>
+          </a:p>
+          <a:p>
+            <a:pPr indent="-298450" lvl="1" marL="914400">
+              <a:spcBef>
+                <a:spcPts val="0"/>
+              </a:spcBef>
+              <a:spcAft>
+                <a:spcPts val="0"/>
+              </a:spcAft>
+              <a:buSzPts val="1100"/>
+              <a:buChar char="○"/>
+            </a:pPr>
+            <a:r>
+              <a:rPr lang="en"/>
+              <a:t>Expression of TFs + all important SNPs within TFs</a:t>
+            </a:r>
+            <a:endParaRPr/>
+          </a:p>
+        </p:txBody>
+      </p:sp>
+    </p:spTree>
+  </p:cSld>
+  <p:clrMapOvr>
+    <a:masterClrMapping/>
+  </p:clrMapOvr>
+</p:sld>
+</file>
+
+<file path=ppt/slides/slide26.xml><?xml version="1.0" encoding="utf-8"?>
+<p:sld xmlns:a="http://schemas.openxmlformats.org/drawingml/2006/main" xmlns:r="http://schemas.openxmlformats.org/officeDocument/2006/relationships" xmlns:mc="http://schemas.openxmlformats.org/markup-compatibility/2006" xmlns:mv="urn:schemas-microsoft-com:mac:vml" xmlns:p="http://schemas.openxmlformats.org/presentationml/2006/main" xmlns:c="http://schemas.openxmlformats.org/drawingml/2006/chart" xmlns:dgm="http://schemas.openxmlformats.org/drawingml/2006/diagram" xmlns:o="urn:schemas-microsoft-com:office:office" xmlns:v="urn:schemas-microsoft-com:vml" xmlns:pvml="urn:schemas-microsoft-com:office:powerpoint" xmlns:com="http://schemas.openxmlformats.org/drawingml/2006/compatibility" xmlns:p14="http://schemas.microsoft.com/office/powerpoint/2010/main" xmlns:p15="http://schemas.microsoft.com/office/powerpoint/2012/main">
+  <p:cSld>
+    <p:spTree>
+      <p:nvGrpSpPr>
+        <p:cNvPr id="235" name="Shape 235"/>
+        <p:cNvGrpSpPr/>
+        <p:nvPr/>
+      </p:nvGrpSpPr>
+      <p:grpSpPr>
+        <a:xfrm>
+          <a:off x="0" y="0"/>
+          <a:ext cx="0" cy="0"/>
+          <a:chOff x="0" y="0"/>
+          <a:chExt cx="0" cy="0"/>
+        </a:xfrm>
+      </p:grpSpPr>
+      <p:sp>
+        <p:nvSpPr>
+          <p:cNvPr id="236" name="Shape 236"/>
+          <p:cNvSpPr txBox="1"/>
+          <p:nvPr>
+            <p:ph type="title"/>
+          </p:nvPr>
+        </p:nvSpPr>
+        <p:spPr>
+          <a:xfrm>
+            <a:off x="729450" y="1318650"/>
+            <a:ext cx="7688700" cy="535200"/>
+          </a:xfrm>
+          <a:prstGeom prst="rect">
+            <a:avLst/>
+          </a:prstGeom>
+        </p:spPr>
+        <p:txBody>
+          <a:bodyPr anchorCtr="0" anchor="t" bIns="91425" lIns="91425" spcFirstLastPara="1" rIns="91425" wrap="square" tIns="91425">
+            <a:noAutofit/>
+          </a:bodyPr>
+          <a:lstStyle/>
+          <a:p>
+            <a:pPr indent="0" lvl="0" marL="0">
+              <a:spcBef>
+                <a:spcPts val="0"/>
+              </a:spcBef>
+              <a:spcAft>
+                <a:spcPts val="0"/>
+              </a:spcAft>
+              <a:buNone/>
+            </a:pPr>
+            <a:r>
+              <a:rPr lang="en"/>
+              <a:t>Validation</a:t>
+            </a:r>
+            <a:endParaRPr/>
+          </a:p>
+        </p:txBody>
+      </p:sp>
+      <p:sp>
+        <p:nvSpPr>
+          <p:cNvPr id="237" name="Shape 237"/>
+          <p:cNvSpPr txBox="1"/>
+          <p:nvPr>
+            <p:ph idx="1" type="body"/>
+          </p:nvPr>
+        </p:nvSpPr>
+        <p:spPr>
+          <a:xfrm>
+            <a:off x="729450" y="2078875"/>
+            <a:ext cx="7688700" cy="2261100"/>
+          </a:xfrm>
+          <a:prstGeom prst="rect">
+            <a:avLst/>
+          </a:prstGeom>
+        </p:spPr>
+        <p:txBody>
+          <a:bodyPr anchorCtr="0" anchor="t" bIns="91425" lIns="91425" spcFirstLastPara="1" rIns="91425" wrap="square" tIns="91425">
+            <a:noAutofit/>
+          </a:bodyPr>
+          <a:lstStyle/>
+          <a:p>
+            <a:pPr indent="-311150" lvl="0" marL="457200">
+              <a:spcBef>
+                <a:spcPts val="0"/>
+              </a:spcBef>
+              <a:spcAft>
+                <a:spcPts val="0"/>
+              </a:spcAft>
+              <a:buSzPts val="1300"/>
+              <a:buChar char="●"/>
+            </a:pPr>
+            <a:r>
+              <a:rPr lang="en"/>
+              <a:t>Results checked against a database of known TF interactions (YEASTRACT)</a:t>
+            </a:r>
+            <a:br>
+              <a:rPr lang="en"/>
+            </a:br>
+            <a:endParaRPr/>
+          </a:p>
+          <a:p>
+            <a:pPr indent="-311150" lvl="0" marL="457200">
+              <a:spcBef>
+                <a:spcPts val="0"/>
+              </a:spcBef>
+              <a:spcAft>
+                <a:spcPts val="0"/>
+              </a:spcAft>
+              <a:buSzPts val="1300"/>
+              <a:buChar char="●"/>
+            </a:pPr>
+            <a:r>
+              <a:rPr lang="en"/>
+              <a:t>Total of 313 known TFs</a:t>
+            </a:r>
+            <a:br>
+              <a:rPr lang="en"/>
+            </a:br>
+            <a:endParaRPr/>
+          </a:p>
+          <a:p>
+            <a:pPr indent="-311150" lvl="0" marL="457200">
+              <a:spcBef>
+                <a:spcPts val="0"/>
+              </a:spcBef>
+              <a:spcAft>
+                <a:spcPts val="0"/>
+              </a:spcAft>
+              <a:buSzPts val="1300"/>
+              <a:buChar char="●"/>
+            </a:pPr>
+            <a:r>
+              <a:rPr lang="en"/>
+              <a:t>Only 49 of those have SNPs in our data</a:t>
+            </a:r>
+            <a:endParaRPr/>
+          </a:p>
+        </p:txBody>
+      </p:sp>
+      <p:pic>
+        <p:nvPicPr>
+          <p:cNvPr id="238" name="Shape 238"/>
+          <p:cNvPicPr preferRelativeResize="0"/>
+          <p:nvPr/>
+        </p:nvPicPr>
+        <p:blipFill>
+          <a:blip r:embed="rId3">
+            <a:alphaModFix/>
+          </a:blip>
+          <a:stretch>
+            <a:fillRect/>
+          </a:stretch>
+        </p:blipFill>
+        <p:spPr>
+          <a:xfrm>
+            <a:off x="6727788" y="1396738"/>
+            <a:ext cx="1762125" cy="3095625"/>
           </a:xfrm>
           <a:prstGeom prst="rect">
             <a:avLst/>
@@ -10800,7 +13856,7 @@
                                           </p:stCondLst>
                                         </p:cTn>
                                         <p:tgtEl>
-                                          <p:spTgt spid="140"/>
+                                          <p:spTgt spid="238"/>
                                         </p:tgtEl>
                                         <p:attrNameLst>
                                           <p:attrName>style.visibility</p:attrName>
@@ -10814,7 +13870,7 @@
                                       <p:cBhvr>
                                         <p:cTn dur="1000"/>
                                         <p:tgtEl>
-                                          <p:spTgt spid="140"/>
+                                          <p:spTgt spid="238"/>
                                         </p:tgtEl>
                                       </p:cBhvr>
                                     </p:animEffect>
@@ -10852,12 +13908,12 @@
 </p:sld>
 </file>
 
-<file path=ppt/slides/slide11.xml><?xml version="1.0" encoding="utf-8"?>
+<file path=ppt/slides/slide27.xml><?xml version="1.0" encoding="utf-8"?>
 <p:sld xmlns:a="http://schemas.openxmlformats.org/drawingml/2006/main" xmlns:r="http://schemas.openxmlformats.org/officeDocument/2006/relationships" xmlns:mc="http://schemas.openxmlformats.org/markup-compatibility/2006" xmlns:mv="urn:schemas-microsoft-com:mac:vml" xmlns:p="http://schemas.openxmlformats.org/presentationml/2006/main" xmlns:c="http://schemas.openxmlformats.org/drawingml/2006/chart" xmlns:dgm="http://schemas.openxmlformats.org/drawingml/2006/diagram" xmlns:o="urn:schemas-microsoft-com:office:office" xmlns:v="urn:schemas-microsoft-com:vml" xmlns:pvml="urn:schemas-microsoft-com:office:powerpoint" xmlns:com="http://schemas.openxmlformats.org/drawingml/2006/compatibility" xmlns:p14="http://schemas.microsoft.com/office/powerpoint/2010/main" xmlns:p15="http://schemas.microsoft.com/office/powerpoint/2012/main">
   <p:cSld>
     <p:spTree>
       <p:nvGrpSpPr>
-        <p:cNvPr id="144" name="Shape 144"/>
+        <p:cNvPr id="242" name="Shape 242"/>
         <p:cNvGrpSpPr/>
         <p:nvPr/>
       </p:nvGrpSpPr>
@@ -10871,7 +13927,7 @@
       </p:grpSpPr>
       <p:sp>
         <p:nvSpPr>
-          <p:cNvPr id="145" name="Shape 145"/>
+          <p:cNvPr id="243" name="Shape 243"/>
           <p:cNvSpPr txBox="1"/>
           <p:nvPr>
             <p:ph type="title"/>
@@ -10879,8 +13935,8 @@
         </p:nvSpPr>
         <p:spPr>
           <a:xfrm>
-            <a:off x="729450" y="1318650"/>
-            <a:ext cx="7688700" cy="535200"/>
+            <a:off x="729450" y="1322450"/>
+            <a:ext cx="7688400" cy="1518600"/>
           </a:xfrm>
           <a:prstGeom prst="rect">
             <a:avLst/>
@@ -10903,2471 +13959,7 @@
             </a:pPr>
             <a:r>
               <a:rPr lang="en"/>
-              <a:t>SNP Data</a:t>
-            </a:r>
-            <a:endParaRPr/>
-          </a:p>
-        </p:txBody>
-      </p:sp>
-      <p:sp>
-        <p:nvSpPr>
-          <p:cNvPr id="146" name="Shape 146"/>
-          <p:cNvSpPr txBox="1"/>
-          <p:nvPr>
-            <p:ph idx="1" type="body"/>
-          </p:nvPr>
-        </p:nvSpPr>
-        <p:spPr>
-          <a:xfrm>
-            <a:off x="729450" y="2078875"/>
-            <a:ext cx="7688700" cy="2261100"/>
-          </a:xfrm>
-          <a:prstGeom prst="rect">
-            <a:avLst/>
-          </a:prstGeom>
-        </p:spPr>
-        <p:txBody>
-          <a:bodyPr anchorCtr="0" anchor="t" bIns="91425" lIns="91425" spcFirstLastPara="1" rIns="91425" wrap="square" tIns="91425">
-            <a:noAutofit/>
-          </a:bodyPr>
-          <a:lstStyle/>
-          <a:p>
-            <a:pPr indent="0" lvl="0" marL="0">
-              <a:spcBef>
-                <a:spcPts val="0"/>
-              </a:spcBef>
-              <a:spcAft>
-                <a:spcPts val="1600"/>
-              </a:spcAft>
-              <a:buNone/>
-            </a:pPr>
-            <a:r>
-              <a:t/>
-            </a:r>
-            <a:endParaRPr/>
-          </a:p>
-        </p:txBody>
-      </p:sp>
-      <p:pic>
-        <p:nvPicPr>
-          <p:cNvPr id="147" name="Shape 147"/>
-          <p:cNvPicPr preferRelativeResize="0"/>
-          <p:nvPr/>
-        </p:nvPicPr>
-        <p:blipFill>
-          <a:blip r:embed="rId3">
-            <a:alphaModFix/>
-          </a:blip>
-          <a:stretch>
-            <a:fillRect/>
-          </a:stretch>
-        </p:blipFill>
-        <p:spPr>
-          <a:xfrm>
-            <a:off x="525150" y="2233200"/>
-            <a:ext cx="8093699" cy="2662850"/>
-          </a:xfrm>
-          <a:prstGeom prst="rect">
-            <a:avLst/>
-          </a:prstGeom>
-          <a:noFill/>
-          <a:ln>
-            <a:noFill/>
-          </a:ln>
-        </p:spPr>
-      </p:pic>
-    </p:spTree>
-  </p:cSld>
-  <p:clrMapOvr>
-    <a:masterClrMapping/>
-  </p:clrMapOvr>
-</p:sld>
-</file>
-
-<file path=ppt/slides/slide12.xml><?xml version="1.0" encoding="utf-8"?>
-<p:sld xmlns:a="http://schemas.openxmlformats.org/drawingml/2006/main" xmlns:r="http://schemas.openxmlformats.org/officeDocument/2006/relationships" xmlns:mc="http://schemas.openxmlformats.org/markup-compatibility/2006" xmlns:mv="urn:schemas-microsoft-com:mac:vml" xmlns:p="http://schemas.openxmlformats.org/presentationml/2006/main" xmlns:c="http://schemas.openxmlformats.org/drawingml/2006/chart" xmlns:dgm="http://schemas.openxmlformats.org/drawingml/2006/diagram" xmlns:o="urn:schemas-microsoft-com:office:office" xmlns:v="urn:schemas-microsoft-com:vml" xmlns:pvml="urn:schemas-microsoft-com:office:powerpoint" xmlns:com="http://schemas.openxmlformats.org/drawingml/2006/compatibility" xmlns:p14="http://schemas.microsoft.com/office/powerpoint/2010/main" xmlns:p15="http://schemas.microsoft.com/office/powerpoint/2012/main">
-  <p:cSld>
-    <p:spTree>
-      <p:nvGrpSpPr>
-        <p:cNvPr id="151" name="Shape 151"/>
-        <p:cNvGrpSpPr/>
-        <p:nvPr/>
-      </p:nvGrpSpPr>
-      <p:grpSpPr>
-        <a:xfrm>
-          <a:off x="0" y="0"/>
-          <a:ext cx="0" cy="0"/>
-          <a:chOff x="0" y="0"/>
-          <a:chExt cx="0" cy="0"/>
-        </a:xfrm>
-      </p:grpSpPr>
-      <p:sp>
-        <p:nvSpPr>
-          <p:cNvPr id="152" name="Shape 152"/>
-          <p:cNvSpPr txBox="1"/>
-          <p:nvPr>
-            <p:ph idx="1" type="body"/>
-          </p:nvPr>
-        </p:nvSpPr>
-        <p:spPr>
-          <a:xfrm>
-            <a:off x="729450" y="2078875"/>
-            <a:ext cx="7688700" cy="2261100"/>
-          </a:xfrm>
-          <a:prstGeom prst="rect">
-            <a:avLst/>
-          </a:prstGeom>
-        </p:spPr>
-        <p:txBody>
-          <a:bodyPr anchorCtr="0" anchor="t" bIns="91425" lIns="91425" spcFirstLastPara="1" rIns="91425" wrap="square" tIns="91425">
-            <a:noAutofit/>
-          </a:bodyPr>
-          <a:lstStyle/>
-          <a:p>
-            <a:pPr indent="0" lvl="0" marL="0">
-              <a:spcBef>
-                <a:spcPts val="0"/>
-              </a:spcBef>
-              <a:spcAft>
-                <a:spcPts val="1600"/>
-              </a:spcAft>
-              <a:buNone/>
-            </a:pPr>
-            <a:r>
-              <a:t/>
-            </a:r>
-            <a:endParaRPr/>
-          </a:p>
-        </p:txBody>
-      </p:sp>
-      <p:pic>
-        <p:nvPicPr>
-          <p:cNvPr id="153" name="Shape 153"/>
-          <p:cNvPicPr preferRelativeResize="0"/>
-          <p:nvPr/>
-        </p:nvPicPr>
-        <p:blipFill>
-          <a:blip r:embed="rId3">
-            <a:alphaModFix/>
-          </a:blip>
-          <a:stretch>
-            <a:fillRect/>
-          </a:stretch>
-        </p:blipFill>
-        <p:spPr>
-          <a:xfrm>
-            <a:off x="729450" y="1414487"/>
-            <a:ext cx="8077199" cy="3589876"/>
-          </a:xfrm>
-          <a:prstGeom prst="rect">
-            <a:avLst/>
-          </a:prstGeom>
-          <a:noFill/>
-          <a:ln>
-            <a:noFill/>
-          </a:ln>
-        </p:spPr>
-      </p:pic>
-    </p:spTree>
-  </p:cSld>
-  <p:clrMapOvr>
-    <a:masterClrMapping/>
-  </p:clrMapOvr>
-</p:sld>
-</file>
-
-<file path=ppt/slides/slide13.xml><?xml version="1.0" encoding="utf-8"?>
-<p:sld xmlns:a="http://schemas.openxmlformats.org/drawingml/2006/main" xmlns:r="http://schemas.openxmlformats.org/officeDocument/2006/relationships" xmlns:mc="http://schemas.openxmlformats.org/markup-compatibility/2006" xmlns:mv="urn:schemas-microsoft-com:mac:vml" xmlns:p="http://schemas.openxmlformats.org/presentationml/2006/main" xmlns:c="http://schemas.openxmlformats.org/drawingml/2006/chart" xmlns:dgm="http://schemas.openxmlformats.org/drawingml/2006/diagram" xmlns:o="urn:schemas-microsoft-com:office:office" xmlns:v="urn:schemas-microsoft-com:vml" xmlns:pvml="urn:schemas-microsoft-com:office:powerpoint" xmlns:com="http://schemas.openxmlformats.org/drawingml/2006/compatibility" xmlns:p14="http://schemas.microsoft.com/office/powerpoint/2010/main" xmlns:p15="http://schemas.microsoft.com/office/powerpoint/2012/main">
-  <p:cSld>
-    <p:spTree>
-      <p:nvGrpSpPr>
-        <p:cNvPr id="157" name="Shape 157"/>
-        <p:cNvGrpSpPr/>
-        <p:nvPr/>
-      </p:nvGrpSpPr>
-      <p:grpSpPr>
-        <a:xfrm>
-          <a:off x="0" y="0"/>
-          <a:ext cx="0" cy="0"/>
-          <a:chOff x="0" y="0"/>
-          <a:chExt cx="0" cy="0"/>
-        </a:xfrm>
-      </p:grpSpPr>
-      <p:sp>
-        <p:nvSpPr>
-          <p:cNvPr id="158" name="Shape 158"/>
-          <p:cNvSpPr txBox="1"/>
-          <p:nvPr>
-            <p:ph type="title"/>
-          </p:nvPr>
-        </p:nvSpPr>
-        <p:spPr>
-          <a:xfrm>
-            <a:off x="729450" y="1322450"/>
-            <a:ext cx="7688400" cy="1518600"/>
-          </a:xfrm>
-          <a:prstGeom prst="rect">
-            <a:avLst/>
-          </a:prstGeom>
-        </p:spPr>
-        <p:txBody>
-          <a:bodyPr anchorCtr="0" anchor="t" bIns="91425" lIns="91425" spcFirstLastPara="1" rIns="91425" wrap="square" tIns="91425">
-            <a:noAutofit/>
-          </a:bodyPr>
-          <a:lstStyle/>
-          <a:p>
-            <a:pPr indent="0" lvl="0" marL="0">
-              <a:spcBef>
-                <a:spcPts val="0"/>
-              </a:spcBef>
-              <a:spcAft>
-                <a:spcPts val="0"/>
-              </a:spcAft>
-              <a:buNone/>
-            </a:pPr>
-            <a:r>
-              <a:rPr lang="en"/>
-              <a:t>Motivation</a:t>
-            </a:r>
-            <a:endParaRPr/>
-          </a:p>
-          <a:p>
-            <a:pPr indent="0" lvl="0" marL="0">
-              <a:spcBef>
-                <a:spcPts val="0"/>
-              </a:spcBef>
-              <a:spcAft>
-                <a:spcPts val="0"/>
-              </a:spcAft>
-              <a:buNone/>
-            </a:pPr>
-            <a:r>
-              <a:t/>
-            </a:r>
-            <a:endParaRPr/>
-          </a:p>
-        </p:txBody>
-      </p:sp>
-    </p:spTree>
-  </p:cSld>
-  <p:clrMapOvr>
-    <a:masterClrMapping/>
-  </p:clrMapOvr>
-</p:sld>
-</file>
-
-<file path=ppt/slides/slide14.xml><?xml version="1.0" encoding="utf-8"?>
-<p:sld xmlns:a="http://schemas.openxmlformats.org/drawingml/2006/main" xmlns:r="http://schemas.openxmlformats.org/officeDocument/2006/relationships" xmlns:mc="http://schemas.openxmlformats.org/markup-compatibility/2006" xmlns:mv="urn:schemas-microsoft-com:mac:vml" xmlns:p="http://schemas.openxmlformats.org/presentationml/2006/main" xmlns:c="http://schemas.openxmlformats.org/drawingml/2006/chart" xmlns:dgm="http://schemas.openxmlformats.org/drawingml/2006/diagram" xmlns:o="urn:schemas-microsoft-com:office:office" xmlns:v="urn:schemas-microsoft-com:vml" xmlns:pvml="urn:schemas-microsoft-com:office:powerpoint" xmlns:com="http://schemas.openxmlformats.org/drawingml/2006/compatibility" xmlns:p14="http://schemas.microsoft.com/office/powerpoint/2010/main" xmlns:p15="http://schemas.microsoft.com/office/powerpoint/2012/main">
-  <p:cSld>
-    <p:spTree>
-      <p:nvGrpSpPr>
-        <p:cNvPr id="162" name="Shape 162"/>
-        <p:cNvGrpSpPr/>
-        <p:nvPr/>
-      </p:nvGrpSpPr>
-      <p:grpSpPr>
-        <a:xfrm>
-          <a:off x="0" y="0"/>
-          <a:ext cx="0" cy="0"/>
-          <a:chOff x="0" y="0"/>
-          <a:chExt cx="0" cy="0"/>
-        </a:xfrm>
-      </p:grpSpPr>
-      <p:sp>
-        <p:nvSpPr>
-          <p:cNvPr id="163" name="Shape 163"/>
-          <p:cNvSpPr txBox="1"/>
-          <p:nvPr>
-            <p:ph type="title"/>
-          </p:nvPr>
-        </p:nvSpPr>
-        <p:spPr>
-          <a:xfrm>
-            <a:off x="729450" y="1318650"/>
-            <a:ext cx="7688700" cy="535200"/>
-          </a:xfrm>
-          <a:prstGeom prst="rect">
-            <a:avLst/>
-          </a:prstGeom>
-        </p:spPr>
-        <p:txBody>
-          <a:bodyPr anchorCtr="0" anchor="t" bIns="91425" lIns="91425" spcFirstLastPara="1" rIns="91425" wrap="square" tIns="91425">
-            <a:noAutofit/>
-          </a:bodyPr>
-          <a:lstStyle/>
-          <a:p>
-            <a:pPr indent="0" lvl="0" marL="0">
-              <a:spcBef>
-                <a:spcPts val="0"/>
-              </a:spcBef>
-              <a:spcAft>
-                <a:spcPts val="0"/>
-              </a:spcAft>
-              <a:buNone/>
-            </a:pPr>
-            <a:r>
-              <a:rPr lang="en"/>
-              <a:t>Rationale</a:t>
-            </a:r>
-            <a:endParaRPr/>
-          </a:p>
-        </p:txBody>
-      </p:sp>
-      <p:sp>
-        <p:nvSpPr>
-          <p:cNvPr id="164" name="Shape 164"/>
-          <p:cNvSpPr txBox="1"/>
-          <p:nvPr>
-            <p:ph idx="1" type="body"/>
-          </p:nvPr>
-        </p:nvSpPr>
-        <p:spPr>
-          <a:xfrm>
-            <a:off x="729450" y="2078875"/>
-            <a:ext cx="7688700" cy="2261100"/>
-          </a:xfrm>
-          <a:prstGeom prst="rect">
-            <a:avLst/>
-          </a:prstGeom>
-        </p:spPr>
-        <p:txBody>
-          <a:bodyPr anchorCtr="0" anchor="t" bIns="91425" lIns="91425" spcFirstLastPara="1" rIns="91425" wrap="square" tIns="91425">
-            <a:noAutofit/>
-          </a:bodyPr>
-          <a:lstStyle/>
-          <a:p>
-            <a:pPr indent="-311150" lvl="0" marL="457200">
-              <a:spcBef>
-                <a:spcPts val="0"/>
-              </a:spcBef>
-              <a:spcAft>
-                <a:spcPts val="0"/>
-              </a:spcAft>
-              <a:buSzPts val="1300"/>
-              <a:buChar char="●"/>
-            </a:pPr>
-            <a:r>
-              <a:rPr lang="en"/>
-              <a:t>SNPs within transcription factors (TF)</a:t>
-            </a:r>
-            <a:br>
-              <a:rPr lang="en"/>
-            </a:br>
-            <a:endParaRPr/>
-          </a:p>
-          <a:p>
-            <a:pPr indent="-298450" lvl="1" marL="914400">
-              <a:spcBef>
-                <a:spcPts val="0"/>
-              </a:spcBef>
-              <a:spcAft>
-                <a:spcPts val="0"/>
-              </a:spcAft>
-              <a:buSzPts val="1100"/>
-              <a:buChar char="○"/>
-            </a:pPr>
-            <a:r>
-              <a:rPr lang="en"/>
-              <a:t>Might fall into regions crucial for TF activity</a:t>
-            </a:r>
-            <a:br>
-              <a:rPr lang="en"/>
-            </a:br>
-            <a:endParaRPr/>
-          </a:p>
-          <a:p>
-            <a:pPr indent="-298450" lvl="1" marL="914400">
-              <a:spcBef>
-                <a:spcPts val="0"/>
-              </a:spcBef>
-              <a:spcAft>
-                <a:spcPts val="0"/>
-              </a:spcAft>
-              <a:buSzPts val="1100"/>
-              <a:buChar char="○"/>
-            </a:pPr>
-            <a:r>
-              <a:rPr lang="en"/>
-              <a:t>May improve or interfere with function of TF</a:t>
-            </a:r>
-            <a:br>
-              <a:rPr lang="en"/>
-            </a:br>
-            <a:endParaRPr/>
-          </a:p>
-          <a:p>
-            <a:pPr indent="-298450" lvl="1" marL="914400">
-              <a:spcBef>
-                <a:spcPts val="0"/>
-              </a:spcBef>
-              <a:spcAft>
-                <a:spcPts val="0"/>
-              </a:spcAft>
-              <a:buSzPts val="1100"/>
-              <a:buChar char="○"/>
-            </a:pPr>
-            <a:r>
-              <a:rPr lang="en"/>
-              <a:t>May result in up/down regulation of TF targets</a:t>
-            </a:r>
-            <a:endParaRPr/>
-          </a:p>
-        </p:txBody>
-      </p:sp>
-    </p:spTree>
-  </p:cSld>
-  <p:clrMapOvr>
-    <a:masterClrMapping/>
-  </p:clrMapOvr>
-</p:sld>
-</file>
-
-<file path=ppt/slides/slide15.xml><?xml version="1.0" encoding="utf-8"?>
-<p:sld xmlns:a="http://schemas.openxmlformats.org/drawingml/2006/main" xmlns:r="http://schemas.openxmlformats.org/officeDocument/2006/relationships" xmlns:mc="http://schemas.openxmlformats.org/markup-compatibility/2006" xmlns:mv="urn:schemas-microsoft-com:mac:vml" xmlns:p="http://schemas.openxmlformats.org/presentationml/2006/main" xmlns:c="http://schemas.openxmlformats.org/drawingml/2006/chart" xmlns:dgm="http://schemas.openxmlformats.org/drawingml/2006/diagram" xmlns:o="urn:schemas-microsoft-com:office:office" xmlns:v="urn:schemas-microsoft-com:vml" xmlns:pvml="urn:schemas-microsoft-com:office:powerpoint" xmlns:com="http://schemas.openxmlformats.org/drawingml/2006/compatibility" xmlns:p14="http://schemas.microsoft.com/office/powerpoint/2010/main" xmlns:p15="http://schemas.microsoft.com/office/powerpoint/2012/main">
-  <p:cSld>
-    <p:spTree>
-      <p:nvGrpSpPr>
-        <p:cNvPr id="168" name="Shape 168"/>
-        <p:cNvGrpSpPr/>
-        <p:nvPr/>
-      </p:nvGrpSpPr>
-      <p:grpSpPr>
-        <a:xfrm>
-          <a:off x="0" y="0"/>
-          <a:ext cx="0" cy="0"/>
-          <a:chOff x="0" y="0"/>
-          <a:chExt cx="0" cy="0"/>
-        </a:xfrm>
-      </p:grpSpPr>
-      <p:sp>
-        <p:nvSpPr>
-          <p:cNvPr id="169" name="Shape 169"/>
-          <p:cNvSpPr txBox="1"/>
-          <p:nvPr>
-            <p:ph type="title"/>
-          </p:nvPr>
-        </p:nvSpPr>
-        <p:spPr>
-          <a:xfrm>
-            <a:off x="729450" y="1318650"/>
-            <a:ext cx="7688700" cy="535200"/>
-          </a:xfrm>
-          <a:prstGeom prst="rect">
-            <a:avLst/>
-          </a:prstGeom>
-        </p:spPr>
-        <p:txBody>
-          <a:bodyPr anchorCtr="0" anchor="t" bIns="91425" lIns="91425" spcFirstLastPara="1" rIns="91425" wrap="square" tIns="91425">
-            <a:noAutofit/>
-          </a:bodyPr>
-          <a:lstStyle/>
-          <a:p>
-            <a:pPr indent="0" lvl="0" marL="0">
-              <a:spcBef>
-                <a:spcPts val="0"/>
-              </a:spcBef>
-              <a:spcAft>
-                <a:spcPts val="0"/>
-              </a:spcAft>
-              <a:buNone/>
-            </a:pPr>
-            <a:r>
-              <a:rPr lang="en"/>
-              <a:t>Goals</a:t>
-            </a:r>
-            <a:endParaRPr/>
-          </a:p>
-        </p:txBody>
-      </p:sp>
-      <p:sp>
-        <p:nvSpPr>
-          <p:cNvPr id="170" name="Shape 170"/>
-          <p:cNvSpPr txBox="1"/>
-          <p:nvPr>
-            <p:ph idx="1" type="body"/>
-          </p:nvPr>
-        </p:nvSpPr>
-        <p:spPr>
-          <a:xfrm>
-            <a:off x="729450" y="2078875"/>
-            <a:ext cx="7688700" cy="2261100"/>
-          </a:xfrm>
-          <a:prstGeom prst="rect">
-            <a:avLst/>
-          </a:prstGeom>
-        </p:spPr>
-        <p:txBody>
-          <a:bodyPr anchorCtr="0" anchor="t" bIns="91425" lIns="91425" spcFirstLastPara="1" rIns="91425" wrap="square" tIns="91425">
-            <a:noAutofit/>
-          </a:bodyPr>
-          <a:lstStyle/>
-          <a:p>
-            <a:pPr indent="457200" lvl="0" marL="0">
-              <a:spcBef>
-                <a:spcPts val="0"/>
-              </a:spcBef>
-              <a:spcAft>
-                <a:spcPts val="0"/>
-              </a:spcAft>
-              <a:buNone/>
-            </a:pPr>
-            <a:r>
-              <a:rPr lang="en"/>
-              <a:t>Develop and test an eQTL method adapted to complement existing tools</a:t>
-            </a:r>
-            <a:br>
-              <a:rPr lang="en"/>
-            </a:br>
-            <a:endParaRPr/>
-          </a:p>
-          <a:p>
-            <a:pPr indent="457200" lvl="0" marL="0">
-              <a:spcBef>
-                <a:spcPts val="1600"/>
-              </a:spcBef>
-              <a:spcAft>
-                <a:spcPts val="1600"/>
-              </a:spcAft>
-              <a:buNone/>
-            </a:pPr>
-            <a:r>
-              <a:rPr i="1" lang="en"/>
-              <a:t>De novo </a:t>
-            </a:r>
-            <a:r>
-              <a:rPr lang="en"/>
-              <a:t>discovery of regulatory factors and their targets</a:t>
-            </a:r>
-            <a:endParaRPr/>
-          </a:p>
-        </p:txBody>
-      </p:sp>
-    </p:spTree>
-  </p:cSld>
-  <p:clrMapOvr>
-    <a:masterClrMapping/>
-  </p:clrMapOvr>
-</p:sld>
-</file>
-
-<file path=ppt/slides/slide16.xml><?xml version="1.0" encoding="utf-8"?>
-<p:sld xmlns:a="http://schemas.openxmlformats.org/drawingml/2006/main" xmlns:r="http://schemas.openxmlformats.org/officeDocument/2006/relationships" xmlns:mc="http://schemas.openxmlformats.org/markup-compatibility/2006" xmlns:mv="urn:schemas-microsoft-com:mac:vml" xmlns:p="http://schemas.openxmlformats.org/presentationml/2006/main" xmlns:c="http://schemas.openxmlformats.org/drawingml/2006/chart" xmlns:dgm="http://schemas.openxmlformats.org/drawingml/2006/diagram" xmlns:o="urn:schemas-microsoft-com:office:office" xmlns:v="urn:schemas-microsoft-com:vml" xmlns:pvml="urn:schemas-microsoft-com:office:powerpoint" xmlns:com="http://schemas.openxmlformats.org/drawingml/2006/compatibility" xmlns:p14="http://schemas.microsoft.com/office/powerpoint/2010/main" xmlns:p15="http://schemas.microsoft.com/office/powerpoint/2012/main">
-  <p:cSld>
-    <p:spTree>
-      <p:nvGrpSpPr>
-        <p:cNvPr id="174" name="Shape 174"/>
-        <p:cNvGrpSpPr/>
-        <p:nvPr/>
-      </p:nvGrpSpPr>
-      <p:grpSpPr>
-        <a:xfrm>
-          <a:off x="0" y="0"/>
-          <a:ext cx="0" cy="0"/>
-          <a:chOff x="0" y="0"/>
-          <a:chExt cx="0" cy="0"/>
-        </a:xfrm>
-      </p:grpSpPr>
-      <p:sp>
-        <p:nvSpPr>
-          <p:cNvPr id="175" name="Shape 175"/>
-          <p:cNvSpPr txBox="1"/>
-          <p:nvPr>
-            <p:ph type="title"/>
-          </p:nvPr>
-        </p:nvSpPr>
-        <p:spPr>
-          <a:xfrm>
-            <a:off x="729450" y="1322450"/>
-            <a:ext cx="7688400" cy="1518600"/>
-          </a:xfrm>
-          <a:prstGeom prst="rect">
-            <a:avLst/>
-          </a:prstGeom>
-        </p:spPr>
-        <p:txBody>
-          <a:bodyPr anchorCtr="0" anchor="t" bIns="91425" lIns="91425" spcFirstLastPara="1" rIns="91425" wrap="square" tIns="91425">
-            <a:noAutofit/>
-          </a:bodyPr>
-          <a:lstStyle/>
-          <a:p>
-            <a:pPr indent="0" lvl="0" marL="0" rtl="0">
-              <a:spcBef>
-                <a:spcPts val="0"/>
-              </a:spcBef>
-              <a:spcAft>
-                <a:spcPts val="0"/>
-              </a:spcAft>
-              <a:buNone/>
-            </a:pPr>
-            <a:r>
-              <a:rPr lang="en"/>
-              <a:t>Data preprocessing</a:t>
-            </a:r>
-            <a:endParaRPr/>
-          </a:p>
-        </p:txBody>
-      </p:sp>
-    </p:spTree>
-  </p:cSld>
-  <p:clrMapOvr>
-    <a:masterClrMapping/>
-  </p:clrMapOvr>
-</p:sld>
-</file>
-
-<file path=ppt/slides/slide17.xml><?xml version="1.0" encoding="utf-8"?>
-<p:sld xmlns:a="http://schemas.openxmlformats.org/drawingml/2006/main" xmlns:r="http://schemas.openxmlformats.org/officeDocument/2006/relationships" xmlns:mc="http://schemas.openxmlformats.org/markup-compatibility/2006" xmlns:mv="urn:schemas-microsoft-com:mac:vml" xmlns:p="http://schemas.openxmlformats.org/presentationml/2006/main" xmlns:c="http://schemas.openxmlformats.org/drawingml/2006/chart" xmlns:dgm="http://schemas.openxmlformats.org/drawingml/2006/diagram" xmlns:o="urn:schemas-microsoft-com:office:office" xmlns:v="urn:schemas-microsoft-com:vml" xmlns:pvml="urn:schemas-microsoft-com:office:powerpoint" xmlns:com="http://schemas.openxmlformats.org/drawingml/2006/compatibility" xmlns:p14="http://schemas.microsoft.com/office/powerpoint/2010/main" xmlns:p15="http://schemas.microsoft.com/office/powerpoint/2012/main">
-  <p:cSld>
-    <p:spTree>
-      <p:nvGrpSpPr>
-        <p:cNvPr id="179" name="Shape 179"/>
-        <p:cNvGrpSpPr/>
-        <p:nvPr/>
-      </p:nvGrpSpPr>
-      <p:grpSpPr>
-        <a:xfrm>
-          <a:off x="0" y="0"/>
-          <a:ext cx="0" cy="0"/>
-          <a:chOff x="0" y="0"/>
-          <a:chExt cx="0" cy="0"/>
-        </a:xfrm>
-      </p:grpSpPr>
-      <p:sp>
-        <p:nvSpPr>
-          <p:cNvPr id="180" name="Shape 180"/>
-          <p:cNvSpPr txBox="1"/>
-          <p:nvPr>
-            <p:ph type="title"/>
-          </p:nvPr>
-        </p:nvSpPr>
-        <p:spPr>
-          <a:xfrm>
-            <a:off x="729450" y="1318650"/>
-            <a:ext cx="7688700" cy="535200"/>
-          </a:xfrm>
-          <a:prstGeom prst="rect">
-            <a:avLst/>
-          </a:prstGeom>
-        </p:spPr>
-        <p:txBody>
-          <a:bodyPr anchorCtr="0" anchor="t" bIns="91425" lIns="91425" spcFirstLastPara="1" rIns="91425" wrap="square" tIns="91425">
-            <a:noAutofit/>
-          </a:bodyPr>
-          <a:lstStyle/>
-          <a:p>
-            <a:pPr indent="0" lvl="0" marL="0">
-              <a:spcBef>
-                <a:spcPts val="0"/>
-              </a:spcBef>
-              <a:spcAft>
-                <a:spcPts val="0"/>
-              </a:spcAft>
-              <a:buNone/>
-            </a:pPr>
-            <a:r>
-              <a:rPr lang="en"/>
-              <a:t>Missing Tables</a:t>
-            </a:r>
-            <a:endParaRPr/>
-          </a:p>
-        </p:txBody>
-      </p:sp>
-      <p:sp>
-        <p:nvSpPr>
-          <p:cNvPr id="181" name="Shape 181"/>
-          <p:cNvSpPr txBox="1"/>
-          <p:nvPr>
-            <p:ph idx="1" type="body"/>
-          </p:nvPr>
-        </p:nvSpPr>
-        <p:spPr>
-          <a:xfrm>
-            <a:off x="729450" y="2078875"/>
-            <a:ext cx="7688700" cy="2261100"/>
-          </a:xfrm>
-          <a:prstGeom prst="rect">
-            <a:avLst/>
-          </a:prstGeom>
-        </p:spPr>
-        <p:txBody>
-          <a:bodyPr anchorCtr="0" anchor="t" bIns="91425" lIns="91425" spcFirstLastPara="1" rIns="91425" wrap="square" tIns="91425">
-            <a:noAutofit/>
-          </a:bodyPr>
-          <a:lstStyle/>
-          <a:p>
-            <a:pPr indent="0" lvl="0" marL="0">
-              <a:spcBef>
-                <a:spcPts val="0"/>
-              </a:spcBef>
-              <a:spcAft>
-                <a:spcPts val="0"/>
-              </a:spcAft>
-              <a:buNone/>
-            </a:pPr>
-            <a:r>
-              <a:rPr lang="en"/>
-              <a:t>Generated many tables required for validation and analysis</a:t>
-            </a:r>
-            <a:endParaRPr/>
-          </a:p>
-          <a:p>
-            <a:pPr indent="0" lvl="0" marL="0">
-              <a:spcBef>
-                <a:spcPts val="1600"/>
-              </a:spcBef>
-              <a:spcAft>
-                <a:spcPts val="1600"/>
-              </a:spcAft>
-              <a:buNone/>
-            </a:pPr>
-            <a:r>
-              <a:rPr lang="en"/>
-              <a:t>	E.g. tables linking microarray spot ID and canonical gene name</a:t>
-            </a:r>
-            <a:endParaRPr/>
-          </a:p>
-        </p:txBody>
-      </p:sp>
-    </p:spTree>
-  </p:cSld>
-  <p:clrMapOvr>
-    <a:masterClrMapping/>
-  </p:clrMapOvr>
-</p:sld>
-</file>
-
-<file path=ppt/slides/slide18.xml><?xml version="1.0" encoding="utf-8"?>
-<p:sld xmlns:a="http://schemas.openxmlformats.org/drawingml/2006/main" xmlns:r="http://schemas.openxmlformats.org/officeDocument/2006/relationships" xmlns:mc="http://schemas.openxmlformats.org/markup-compatibility/2006" xmlns:mv="urn:schemas-microsoft-com:mac:vml" xmlns:p="http://schemas.openxmlformats.org/presentationml/2006/main" xmlns:c="http://schemas.openxmlformats.org/drawingml/2006/chart" xmlns:dgm="http://schemas.openxmlformats.org/drawingml/2006/diagram" xmlns:o="urn:schemas-microsoft-com:office:office" xmlns:v="urn:schemas-microsoft-com:vml" xmlns:pvml="urn:schemas-microsoft-com:office:powerpoint" xmlns:com="http://schemas.openxmlformats.org/drawingml/2006/compatibility" xmlns:p14="http://schemas.microsoft.com/office/powerpoint/2010/main" xmlns:p15="http://schemas.microsoft.com/office/powerpoint/2012/main">
-  <p:cSld>
-    <p:spTree>
-      <p:nvGrpSpPr>
-        <p:cNvPr id="185" name="Shape 185"/>
-        <p:cNvGrpSpPr/>
-        <p:nvPr/>
-      </p:nvGrpSpPr>
-      <p:grpSpPr>
-        <a:xfrm>
-          <a:off x="0" y="0"/>
-          <a:ext cx="0" cy="0"/>
-          <a:chOff x="0" y="0"/>
-          <a:chExt cx="0" cy="0"/>
-        </a:xfrm>
-      </p:grpSpPr>
-      <p:sp>
-        <p:nvSpPr>
-          <p:cNvPr id="186" name="Shape 186"/>
-          <p:cNvSpPr txBox="1"/>
-          <p:nvPr>
-            <p:ph type="title"/>
-          </p:nvPr>
-        </p:nvSpPr>
-        <p:spPr>
-          <a:xfrm>
-            <a:off x="729450" y="1318650"/>
-            <a:ext cx="7688700" cy="535200"/>
-          </a:xfrm>
-          <a:prstGeom prst="rect">
-            <a:avLst/>
-          </a:prstGeom>
-        </p:spPr>
-        <p:txBody>
-          <a:bodyPr anchorCtr="0" anchor="t" bIns="91425" lIns="91425" spcFirstLastPara="1" rIns="91425" wrap="square" tIns="91425">
-            <a:noAutofit/>
-          </a:bodyPr>
-          <a:lstStyle/>
-          <a:p>
-            <a:pPr indent="0" lvl="0" marL="0">
-              <a:spcBef>
-                <a:spcPts val="0"/>
-              </a:spcBef>
-              <a:spcAft>
-                <a:spcPts val="0"/>
-              </a:spcAft>
-              <a:buNone/>
-            </a:pPr>
-            <a:r>
-              <a:rPr lang="en"/>
-              <a:t>Starting Point</a:t>
-            </a:r>
-            <a:endParaRPr/>
-          </a:p>
-        </p:txBody>
-      </p:sp>
-      <p:sp>
-        <p:nvSpPr>
-          <p:cNvPr id="187" name="Shape 187"/>
-          <p:cNvSpPr txBox="1"/>
-          <p:nvPr>
-            <p:ph idx="1" type="body"/>
-          </p:nvPr>
-        </p:nvSpPr>
-        <p:spPr>
-          <a:xfrm>
-            <a:off x="729450" y="2078875"/>
-            <a:ext cx="7688700" cy="2261100"/>
-          </a:xfrm>
-          <a:prstGeom prst="rect">
-            <a:avLst/>
-          </a:prstGeom>
-        </p:spPr>
-        <p:txBody>
-          <a:bodyPr anchorCtr="0" anchor="t" bIns="91425" lIns="91425" spcFirstLastPara="1" rIns="91425" wrap="square" tIns="91425">
-            <a:noAutofit/>
-          </a:bodyPr>
-          <a:lstStyle/>
-          <a:p>
-            <a:pPr indent="-311150" lvl="0" marL="457200" rtl="0">
-              <a:spcBef>
-                <a:spcPts val="0"/>
-              </a:spcBef>
-              <a:spcAft>
-                <a:spcPts val="0"/>
-              </a:spcAft>
-              <a:buSzPts val="1300"/>
-              <a:buChar char="●"/>
-            </a:pPr>
-            <a:r>
-              <a:rPr lang="en"/>
-              <a:t>Genes that are not differentially expressed considered as candidate TF</a:t>
-            </a:r>
-            <a:endParaRPr/>
-          </a:p>
-          <a:p>
-            <a:pPr indent="0" lvl="0" marL="0" rtl="0">
-              <a:spcBef>
-                <a:spcPts val="1600"/>
-              </a:spcBef>
-              <a:spcAft>
-                <a:spcPts val="0"/>
-              </a:spcAft>
-              <a:buNone/>
-            </a:pPr>
-            <a:r>
-              <a:rPr lang="en"/>
-              <a:t> </a:t>
-            </a:r>
-            <a:endParaRPr/>
-          </a:p>
-          <a:p>
-            <a:pPr indent="-311150" lvl="0" marL="457200">
-              <a:spcBef>
-                <a:spcPts val="1600"/>
-              </a:spcBef>
-              <a:spcAft>
-                <a:spcPts val="0"/>
-              </a:spcAft>
-              <a:buSzPts val="1300"/>
-              <a:buChar char="●"/>
-            </a:pPr>
-            <a:r>
-              <a:rPr lang="en"/>
-              <a:t>We have found 1139 such genes and 2105 candidates SNPs</a:t>
-            </a:r>
-            <a:endParaRPr/>
-          </a:p>
-        </p:txBody>
-      </p:sp>
-    </p:spTree>
-  </p:cSld>
-  <p:clrMapOvr>
-    <a:masterClrMapping/>
-  </p:clrMapOvr>
-</p:sld>
-</file>
-
-<file path=ppt/slides/slide19.xml><?xml version="1.0" encoding="utf-8"?>
-<p:sld xmlns:a="http://schemas.openxmlformats.org/drawingml/2006/main" xmlns:r="http://schemas.openxmlformats.org/officeDocument/2006/relationships" xmlns:mc="http://schemas.openxmlformats.org/markup-compatibility/2006" xmlns:mv="urn:schemas-microsoft-com:mac:vml" xmlns:p="http://schemas.openxmlformats.org/presentationml/2006/main" xmlns:c="http://schemas.openxmlformats.org/drawingml/2006/chart" xmlns:dgm="http://schemas.openxmlformats.org/drawingml/2006/diagram" xmlns:o="urn:schemas-microsoft-com:office:office" xmlns:v="urn:schemas-microsoft-com:vml" xmlns:pvml="urn:schemas-microsoft-com:office:powerpoint" xmlns:com="http://schemas.openxmlformats.org/drawingml/2006/compatibility" xmlns:p14="http://schemas.microsoft.com/office/powerpoint/2010/main" xmlns:p15="http://schemas.microsoft.com/office/powerpoint/2012/main">
-  <p:cSld>
-    <p:spTree>
-      <p:nvGrpSpPr>
-        <p:cNvPr id="191" name="Shape 191"/>
-        <p:cNvGrpSpPr/>
-        <p:nvPr/>
-      </p:nvGrpSpPr>
-      <p:grpSpPr>
-        <a:xfrm>
-          <a:off x="0" y="0"/>
-          <a:ext cx="0" cy="0"/>
-          <a:chOff x="0" y="0"/>
-          <a:chExt cx="0" cy="0"/>
-        </a:xfrm>
-      </p:grpSpPr>
-      <p:sp>
-        <p:nvSpPr>
-          <p:cNvPr id="192" name="Shape 192"/>
-          <p:cNvSpPr txBox="1"/>
-          <p:nvPr>
-            <p:ph type="title"/>
-          </p:nvPr>
-        </p:nvSpPr>
-        <p:spPr>
-          <a:xfrm>
-            <a:off x="729450" y="1322450"/>
-            <a:ext cx="7688400" cy="1518600"/>
-          </a:xfrm>
-          <a:prstGeom prst="rect">
-            <a:avLst/>
-          </a:prstGeom>
-        </p:spPr>
-        <p:txBody>
-          <a:bodyPr anchorCtr="0" anchor="t" bIns="91425" lIns="91425" spcFirstLastPara="1" rIns="91425" wrap="square" tIns="91425">
-            <a:noAutofit/>
-          </a:bodyPr>
-          <a:lstStyle/>
-          <a:p>
-            <a:pPr indent="0" lvl="0" marL="0" rtl="0">
-              <a:spcBef>
-                <a:spcPts val="0"/>
-              </a:spcBef>
-              <a:spcAft>
-                <a:spcPts val="0"/>
-              </a:spcAft>
-              <a:buNone/>
-            </a:pPr>
-            <a:r>
-              <a:rPr lang="en"/>
-              <a:t>Methods</a:t>
-            </a:r>
-            <a:endParaRPr/>
-          </a:p>
-        </p:txBody>
-      </p:sp>
-    </p:spTree>
-  </p:cSld>
-  <p:clrMapOvr>
-    <a:masterClrMapping/>
-  </p:clrMapOvr>
-</p:sld>
-</file>
-
-<file path=ppt/slides/slide2.xml><?xml version="1.0" encoding="utf-8"?>
-<p:sld xmlns:a="http://schemas.openxmlformats.org/drawingml/2006/main" xmlns:r="http://schemas.openxmlformats.org/officeDocument/2006/relationships" xmlns:mc="http://schemas.openxmlformats.org/markup-compatibility/2006" xmlns:mv="urn:schemas-microsoft-com:mac:vml" xmlns:p="http://schemas.openxmlformats.org/presentationml/2006/main" xmlns:c="http://schemas.openxmlformats.org/drawingml/2006/chart" xmlns:dgm="http://schemas.openxmlformats.org/drawingml/2006/diagram" xmlns:o="urn:schemas-microsoft-com:office:office" xmlns:v="urn:schemas-microsoft-com:vml" xmlns:pvml="urn:schemas-microsoft-com:office:powerpoint" xmlns:com="http://schemas.openxmlformats.org/drawingml/2006/compatibility" xmlns:p14="http://schemas.microsoft.com/office/powerpoint/2010/main" xmlns:p15="http://schemas.microsoft.com/office/powerpoint/2012/main">
-  <p:cSld>
-    <p:spTree>
-      <p:nvGrpSpPr>
-        <p:cNvPr id="91" name="Shape 91"/>
-        <p:cNvGrpSpPr/>
-        <p:nvPr/>
-      </p:nvGrpSpPr>
-      <p:grpSpPr>
-        <a:xfrm>
-          <a:off x="0" y="0"/>
-          <a:ext cx="0" cy="0"/>
-          <a:chOff x="0" y="0"/>
-          <a:chExt cx="0" cy="0"/>
-        </a:xfrm>
-      </p:grpSpPr>
-      <p:sp>
-        <p:nvSpPr>
-          <p:cNvPr id="92" name="Shape 92"/>
-          <p:cNvSpPr txBox="1"/>
-          <p:nvPr>
-            <p:ph type="title"/>
-          </p:nvPr>
-        </p:nvSpPr>
-        <p:spPr>
-          <a:xfrm>
-            <a:off x="729450" y="1322450"/>
-            <a:ext cx="7688400" cy="1518600"/>
-          </a:xfrm>
-          <a:prstGeom prst="rect">
-            <a:avLst/>
-          </a:prstGeom>
-        </p:spPr>
-        <p:txBody>
-          <a:bodyPr anchorCtr="0" anchor="t" bIns="91425" lIns="91425" spcFirstLastPara="1" rIns="91425" wrap="square" tIns="91425">
-            <a:noAutofit/>
-          </a:bodyPr>
-          <a:lstStyle/>
-          <a:p>
-            <a:pPr indent="0" lvl="0" marL="0">
-              <a:spcBef>
-                <a:spcPts val="0"/>
-              </a:spcBef>
-              <a:spcAft>
-                <a:spcPts val="0"/>
-              </a:spcAft>
-              <a:buNone/>
-            </a:pPr>
-            <a:r>
-              <a:rPr lang="en"/>
-              <a:t>Background</a:t>
-            </a:r>
-            <a:endParaRPr/>
-          </a:p>
-        </p:txBody>
-      </p:sp>
-    </p:spTree>
-  </p:cSld>
-  <p:clrMapOvr>
-    <a:masterClrMapping/>
-  </p:clrMapOvr>
-</p:sld>
-</file>
-
-<file path=ppt/slides/slide20.xml><?xml version="1.0" encoding="utf-8"?>
-<p:sld xmlns:a="http://schemas.openxmlformats.org/drawingml/2006/main" xmlns:r="http://schemas.openxmlformats.org/officeDocument/2006/relationships" xmlns:mc="http://schemas.openxmlformats.org/markup-compatibility/2006" xmlns:mv="urn:schemas-microsoft-com:mac:vml" xmlns:p="http://schemas.openxmlformats.org/presentationml/2006/main" xmlns:c="http://schemas.openxmlformats.org/drawingml/2006/chart" xmlns:dgm="http://schemas.openxmlformats.org/drawingml/2006/diagram" xmlns:o="urn:schemas-microsoft-com:office:office" xmlns:v="urn:schemas-microsoft-com:vml" xmlns:pvml="urn:schemas-microsoft-com:office:powerpoint" xmlns:com="http://schemas.openxmlformats.org/drawingml/2006/compatibility" xmlns:p14="http://schemas.microsoft.com/office/powerpoint/2010/main" xmlns:p15="http://schemas.microsoft.com/office/powerpoint/2012/main">
-  <p:cSld>
-    <p:spTree>
-      <p:nvGrpSpPr>
-        <p:cNvPr id="196" name="Shape 196"/>
-        <p:cNvGrpSpPr/>
-        <p:nvPr/>
-      </p:nvGrpSpPr>
-      <p:grpSpPr>
-        <a:xfrm>
-          <a:off x="0" y="0"/>
-          <a:ext cx="0" cy="0"/>
-          <a:chOff x="0" y="0"/>
-          <a:chExt cx="0" cy="0"/>
-        </a:xfrm>
-      </p:grpSpPr>
-      <p:sp>
-        <p:nvSpPr>
-          <p:cNvPr id="197" name="Shape 197"/>
-          <p:cNvSpPr txBox="1"/>
-          <p:nvPr>
-            <p:ph type="title"/>
-          </p:nvPr>
-        </p:nvSpPr>
-        <p:spPr>
-          <a:xfrm>
-            <a:off x="729450" y="1318650"/>
-            <a:ext cx="7688700" cy="535200"/>
-          </a:xfrm>
-          <a:prstGeom prst="rect">
-            <a:avLst/>
-          </a:prstGeom>
-        </p:spPr>
-        <p:txBody>
-          <a:bodyPr anchorCtr="0" anchor="t" bIns="91425" lIns="91425" spcFirstLastPara="1" rIns="91425" wrap="square" tIns="91425">
-            <a:noAutofit/>
-          </a:bodyPr>
-          <a:lstStyle/>
-          <a:p>
-            <a:pPr indent="0" lvl="0" marL="0">
-              <a:spcBef>
-                <a:spcPts val="0"/>
-              </a:spcBef>
-              <a:spcAft>
-                <a:spcPts val="0"/>
-              </a:spcAft>
-              <a:buNone/>
-            </a:pPr>
-            <a:r>
-              <a:rPr lang="en"/>
-              <a:t>Single SNP-Single Gene Expression Association</a:t>
-            </a:r>
-            <a:endParaRPr/>
-          </a:p>
-        </p:txBody>
-      </p:sp>
-      <p:pic>
-        <p:nvPicPr>
-          <p:cNvPr id="198" name="Shape 198"/>
-          <p:cNvPicPr preferRelativeResize="0"/>
-          <p:nvPr/>
-        </p:nvPicPr>
-        <p:blipFill>
-          <a:blip r:embed="rId3">
-            <a:alphaModFix/>
-          </a:blip>
-          <a:stretch>
-            <a:fillRect/>
-          </a:stretch>
-        </p:blipFill>
-        <p:spPr>
-          <a:xfrm>
-            <a:off x="1588175" y="2337550"/>
-            <a:ext cx="5097911" cy="2419350"/>
-          </a:xfrm>
-          <a:prstGeom prst="rect">
-            <a:avLst/>
-          </a:prstGeom>
-          <a:noFill/>
-          <a:ln>
-            <a:noFill/>
-          </a:ln>
-        </p:spPr>
-      </p:pic>
-      <p:sp>
-        <p:nvSpPr>
-          <p:cNvPr id="199" name="Shape 199"/>
-          <p:cNvSpPr txBox="1"/>
-          <p:nvPr/>
-        </p:nvSpPr>
-        <p:spPr>
-          <a:xfrm>
-            <a:off x="858900" y="2132625"/>
-            <a:ext cx="7420500" cy="2010000"/>
-          </a:xfrm>
-          <a:prstGeom prst="rect">
-            <a:avLst/>
-          </a:prstGeom>
-          <a:noFill/>
-          <a:ln>
-            <a:noFill/>
-          </a:ln>
-        </p:spPr>
-        <p:txBody>
-          <a:bodyPr anchorCtr="0" anchor="t" bIns="91425" lIns="91425" spcFirstLastPara="1" rIns="91425" wrap="square" tIns="91425">
-            <a:noAutofit/>
-          </a:bodyPr>
-          <a:lstStyle/>
-          <a:p>
-            <a:pPr indent="-311150" lvl="0" marL="457200" rtl="0">
-              <a:lnSpc>
-                <a:spcPct val="115000"/>
-              </a:lnSpc>
-              <a:spcBef>
-                <a:spcPts val="0"/>
-              </a:spcBef>
-              <a:spcAft>
-                <a:spcPts val="0"/>
-              </a:spcAft>
-              <a:buClr>
-                <a:schemeClr val="accent1"/>
-              </a:buClr>
-              <a:buSzPts val="1300"/>
-              <a:buFont typeface="Lato"/>
-              <a:buChar char="●"/>
-            </a:pPr>
-            <a:r>
-              <a:rPr lang="en" sz="1300">
-                <a:solidFill>
-                  <a:schemeClr val="accent1"/>
-                </a:solidFill>
-                <a:latin typeface="Lato"/>
-                <a:ea typeface="Lato"/>
-                <a:cs typeface="Lato"/>
-                <a:sym typeface="Lato"/>
-              </a:rPr>
-              <a:t>Modified marker regression</a:t>
-            </a:r>
-            <a:endParaRPr sz="1300">
-              <a:solidFill>
-                <a:schemeClr val="accent1"/>
-              </a:solidFill>
-              <a:latin typeface="Lato"/>
-              <a:ea typeface="Lato"/>
-              <a:cs typeface="Lato"/>
-              <a:sym typeface="Lato"/>
-            </a:endParaRPr>
-          </a:p>
-          <a:p>
-            <a:pPr indent="0" lvl="0" marL="0">
-              <a:spcBef>
-                <a:spcPts val="1600"/>
-              </a:spcBef>
-              <a:spcAft>
-                <a:spcPts val="0"/>
-              </a:spcAft>
-              <a:buNone/>
-            </a:pPr>
-            <a:r>
-              <a:t/>
-            </a:r>
-            <a:endParaRPr/>
-          </a:p>
-        </p:txBody>
-      </p:sp>
-    </p:spTree>
-  </p:cSld>
-  <p:clrMapOvr>
-    <a:masterClrMapping/>
-  </p:clrMapOvr>
-</p:sld>
-</file>
-
-<file path=ppt/slides/slide21.xml><?xml version="1.0" encoding="utf-8"?>
-<p:sld xmlns:a="http://schemas.openxmlformats.org/drawingml/2006/main" xmlns:r="http://schemas.openxmlformats.org/officeDocument/2006/relationships" xmlns:mc="http://schemas.openxmlformats.org/markup-compatibility/2006" xmlns:mv="urn:schemas-microsoft-com:mac:vml" xmlns:p="http://schemas.openxmlformats.org/presentationml/2006/main" xmlns:c="http://schemas.openxmlformats.org/drawingml/2006/chart" xmlns:dgm="http://schemas.openxmlformats.org/drawingml/2006/diagram" xmlns:o="urn:schemas-microsoft-com:office:office" xmlns:v="urn:schemas-microsoft-com:vml" xmlns:pvml="urn:schemas-microsoft-com:office:powerpoint" xmlns:com="http://schemas.openxmlformats.org/drawingml/2006/compatibility" xmlns:p14="http://schemas.microsoft.com/office/powerpoint/2010/main" xmlns:p15="http://schemas.microsoft.com/office/powerpoint/2012/main">
-  <p:cSld>
-    <p:spTree>
-      <p:nvGrpSpPr>
-        <p:cNvPr id="203" name="Shape 203"/>
-        <p:cNvGrpSpPr/>
-        <p:nvPr/>
-      </p:nvGrpSpPr>
-      <p:grpSpPr>
-        <a:xfrm>
-          <a:off x="0" y="0"/>
-          <a:ext cx="0" cy="0"/>
-          <a:chOff x="0" y="0"/>
-          <a:chExt cx="0" cy="0"/>
-        </a:xfrm>
-      </p:grpSpPr>
-      <p:sp>
-        <p:nvSpPr>
-          <p:cNvPr id="204" name="Shape 204"/>
-          <p:cNvSpPr txBox="1"/>
-          <p:nvPr>
-            <p:ph type="title"/>
-          </p:nvPr>
-        </p:nvSpPr>
-        <p:spPr>
-          <a:xfrm>
-            <a:off x="729450" y="1318650"/>
-            <a:ext cx="7688700" cy="535200"/>
-          </a:xfrm>
-          <a:prstGeom prst="rect">
-            <a:avLst/>
-          </a:prstGeom>
-        </p:spPr>
-        <p:txBody>
-          <a:bodyPr anchorCtr="0" anchor="t" bIns="91425" lIns="91425" spcFirstLastPara="1" rIns="91425" wrap="square" tIns="91425">
-            <a:noAutofit/>
-          </a:bodyPr>
-          <a:lstStyle/>
-          <a:p>
-            <a:pPr indent="0" lvl="0" marL="0">
-              <a:spcBef>
-                <a:spcPts val="0"/>
-              </a:spcBef>
-              <a:spcAft>
-                <a:spcPts val="0"/>
-              </a:spcAft>
-              <a:buNone/>
-            </a:pPr>
-            <a:r>
-              <a:rPr lang="en"/>
-              <a:t>Reverse: Target Upregulation-Allele Transition</a:t>
-            </a:r>
-            <a:endParaRPr/>
-          </a:p>
-        </p:txBody>
-      </p:sp>
-      <p:sp>
-        <p:nvSpPr>
-          <p:cNvPr id="205" name="Shape 205"/>
-          <p:cNvSpPr txBox="1"/>
-          <p:nvPr>
-            <p:ph idx="1" type="body"/>
-          </p:nvPr>
-        </p:nvSpPr>
-        <p:spPr>
-          <a:xfrm>
-            <a:off x="729450" y="2078875"/>
-            <a:ext cx="7688700" cy="2261100"/>
-          </a:xfrm>
-          <a:prstGeom prst="rect">
-            <a:avLst/>
-          </a:prstGeom>
-        </p:spPr>
-        <p:txBody>
-          <a:bodyPr anchorCtr="0" anchor="t" bIns="91425" lIns="91425" spcFirstLastPara="1" rIns="91425" wrap="square" tIns="91425">
-            <a:noAutofit/>
-          </a:bodyPr>
-          <a:lstStyle/>
-          <a:p>
-            <a:pPr indent="0" lvl="0" marL="0">
-              <a:spcBef>
-                <a:spcPts val="0"/>
-              </a:spcBef>
-              <a:spcAft>
-                <a:spcPts val="0"/>
-              </a:spcAft>
-              <a:buNone/>
-            </a:pPr>
-            <a:r>
-              <a:rPr lang="en"/>
-              <a:t>Find genes (putative targets) upregulated across pairs of conditions (transition)</a:t>
-            </a:r>
-            <a:endParaRPr/>
-          </a:p>
-          <a:p>
-            <a:pPr indent="0" lvl="0" marL="0">
-              <a:spcBef>
-                <a:spcPts val="1600"/>
-              </a:spcBef>
-              <a:spcAft>
-                <a:spcPts val="0"/>
-              </a:spcAft>
-              <a:buNone/>
-            </a:pPr>
-            <a:r>
-              <a:rPr lang="en"/>
-              <a:t>	Upregulation - 2 fold increase in expression</a:t>
-            </a:r>
-            <a:endParaRPr/>
-          </a:p>
-          <a:p>
-            <a:pPr indent="0" lvl="0" marL="0">
-              <a:spcBef>
-                <a:spcPts val="1600"/>
-              </a:spcBef>
-              <a:spcAft>
-                <a:spcPts val="0"/>
-              </a:spcAft>
-              <a:buNone/>
-            </a:pPr>
-            <a:r>
-              <a:rPr lang="en"/>
-              <a:t>	Gene: [condition1 → condition2, </a:t>
-            </a:r>
-            <a:r>
-              <a:rPr lang="en"/>
-              <a:t>condition → condition 4…]</a:t>
-            </a:r>
-            <a:endParaRPr/>
-          </a:p>
-          <a:p>
-            <a:pPr indent="0" lvl="0" marL="0">
-              <a:spcBef>
-                <a:spcPts val="1600"/>
-              </a:spcBef>
-              <a:spcAft>
-                <a:spcPts val="1600"/>
-              </a:spcAft>
-              <a:buNone/>
-            </a:pPr>
-            <a:r>
-              <a:t/>
-            </a:r>
-            <a:endParaRPr/>
-          </a:p>
-        </p:txBody>
-      </p:sp>
-      <p:pic>
-        <p:nvPicPr>
-          <p:cNvPr id="206" name="Shape 206"/>
-          <p:cNvPicPr preferRelativeResize="0"/>
-          <p:nvPr/>
-        </p:nvPicPr>
-        <p:blipFill>
-          <a:blip r:embed="rId3">
-            <a:alphaModFix/>
-          </a:blip>
-          <a:stretch>
-            <a:fillRect/>
-          </a:stretch>
-        </p:blipFill>
-        <p:spPr>
-          <a:xfrm>
-            <a:off x="6092176" y="2495550"/>
-            <a:ext cx="1477200" cy="2571750"/>
-          </a:xfrm>
-          <a:prstGeom prst="rect">
-            <a:avLst/>
-          </a:prstGeom>
-          <a:noFill/>
-          <a:ln>
-            <a:noFill/>
-          </a:ln>
-        </p:spPr>
-      </p:pic>
-    </p:spTree>
-  </p:cSld>
-  <p:clrMapOvr>
-    <a:masterClrMapping/>
-  </p:clrMapOvr>
-</p:sld>
-</file>
-
-<file path=ppt/slides/slide22.xml><?xml version="1.0" encoding="utf-8"?>
-<p:sld xmlns:a="http://schemas.openxmlformats.org/drawingml/2006/main" xmlns:r="http://schemas.openxmlformats.org/officeDocument/2006/relationships" xmlns:mc="http://schemas.openxmlformats.org/markup-compatibility/2006" xmlns:mv="urn:schemas-microsoft-com:mac:vml" xmlns:p="http://schemas.openxmlformats.org/presentationml/2006/main" xmlns:c="http://schemas.openxmlformats.org/drawingml/2006/chart" xmlns:dgm="http://schemas.openxmlformats.org/drawingml/2006/diagram" xmlns:o="urn:schemas-microsoft-com:office:office" xmlns:v="urn:schemas-microsoft-com:vml" xmlns:pvml="urn:schemas-microsoft-com:office:powerpoint" xmlns:com="http://schemas.openxmlformats.org/drawingml/2006/compatibility" xmlns:p14="http://schemas.microsoft.com/office/powerpoint/2010/main" xmlns:p15="http://schemas.microsoft.com/office/powerpoint/2012/main">
-  <p:cSld>
-    <p:spTree>
-      <p:nvGrpSpPr>
-        <p:cNvPr id="210" name="Shape 210"/>
-        <p:cNvGrpSpPr/>
-        <p:nvPr/>
-      </p:nvGrpSpPr>
-      <p:grpSpPr>
-        <a:xfrm>
-          <a:off x="0" y="0"/>
-          <a:ext cx="0" cy="0"/>
-          <a:chOff x="0" y="0"/>
-          <a:chExt cx="0" cy="0"/>
-        </a:xfrm>
-      </p:grpSpPr>
-      <p:sp>
-        <p:nvSpPr>
-          <p:cNvPr id="211" name="Shape 211"/>
-          <p:cNvSpPr txBox="1"/>
-          <p:nvPr>
-            <p:ph type="title"/>
-          </p:nvPr>
-        </p:nvSpPr>
-        <p:spPr>
-          <a:xfrm>
-            <a:off x="729450" y="1318650"/>
-            <a:ext cx="7688700" cy="535200"/>
-          </a:xfrm>
-          <a:prstGeom prst="rect">
-            <a:avLst/>
-          </a:prstGeom>
-        </p:spPr>
-        <p:txBody>
-          <a:bodyPr anchorCtr="0" anchor="t" bIns="91425" lIns="91425" spcFirstLastPara="1" rIns="91425" wrap="square" tIns="91425">
-            <a:noAutofit/>
-          </a:bodyPr>
-          <a:lstStyle/>
-          <a:p>
-            <a:pPr indent="0" lvl="0" marL="0" rtl="0">
-              <a:spcBef>
-                <a:spcPts val="0"/>
-              </a:spcBef>
-              <a:spcAft>
-                <a:spcPts val="0"/>
-              </a:spcAft>
-              <a:buNone/>
-            </a:pPr>
-            <a:r>
-              <a:rPr lang="en"/>
-              <a:t>Reverse: Target Upregulation-Allele Transition</a:t>
-            </a:r>
-            <a:endParaRPr/>
-          </a:p>
-        </p:txBody>
-      </p:sp>
-      <p:sp>
-        <p:nvSpPr>
-          <p:cNvPr id="212" name="Shape 212"/>
-          <p:cNvSpPr txBox="1"/>
-          <p:nvPr>
-            <p:ph idx="1" type="body"/>
-          </p:nvPr>
-        </p:nvSpPr>
-        <p:spPr>
-          <a:xfrm>
-            <a:off x="729450" y="2078875"/>
-            <a:ext cx="7688700" cy="2261100"/>
-          </a:xfrm>
-          <a:prstGeom prst="rect">
-            <a:avLst/>
-          </a:prstGeom>
-        </p:spPr>
-        <p:txBody>
-          <a:bodyPr anchorCtr="0" anchor="t" bIns="91425" lIns="91425" spcFirstLastPara="1" rIns="91425" wrap="square" tIns="91425">
-            <a:noAutofit/>
-          </a:bodyPr>
-          <a:lstStyle/>
-          <a:p>
-            <a:pPr indent="0" lvl="0" marL="0">
-              <a:spcBef>
-                <a:spcPts val="0"/>
-              </a:spcBef>
-              <a:spcAft>
-                <a:spcPts val="0"/>
-              </a:spcAft>
-              <a:buNone/>
-            </a:pPr>
-            <a:r>
-              <a:rPr lang="en"/>
-              <a:t>Match every SNP and its allele (0/1/2) with every gene transition of every upregulated gene</a:t>
-            </a:r>
-            <a:endParaRPr/>
-          </a:p>
-          <a:p>
-            <a:pPr indent="0" lvl="0" marL="0">
-              <a:spcBef>
-                <a:spcPts val="1600"/>
-              </a:spcBef>
-              <a:spcAft>
-                <a:spcPts val="0"/>
-              </a:spcAft>
-              <a:buNone/>
-            </a:pPr>
-            <a:r>
-              <a:rPr lang="en"/>
-              <a:t>	If gene containing SNP (putative transcription factor) is also upregulated or downregulated</a:t>
-            </a:r>
-            <a:endParaRPr/>
-          </a:p>
-          <a:p>
-            <a:pPr indent="0" lvl="0" marL="0" rtl="0">
-              <a:spcBef>
-                <a:spcPts val="1600"/>
-              </a:spcBef>
-              <a:spcAft>
-                <a:spcPts val="1600"/>
-              </a:spcAft>
-              <a:buNone/>
-            </a:pPr>
-            <a:r>
-              <a:rPr lang="en"/>
-              <a:t>		⇒ ignore transition</a:t>
-            </a:r>
-            <a:endParaRPr/>
-          </a:p>
-        </p:txBody>
-      </p:sp>
-    </p:spTree>
-  </p:cSld>
-  <p:clrMapOvr>
-    <a:masterClrMapping/>
-  </p:clrMapOvr>
-</p:sld>
-</file>
-
-<file path=ppt/slides/slide23.xml><?xml version="1.0" encoding="utf-8"?>
-<p:sld xmlns:a="http://schemas.openxmlformats.org/drawingml/2006/main" xmlns:r="http://schemas.openxmlformats.org/officeDocument/2006/relationships" xmlns:mc="http://schemas.openxmlformats.org/markup-compatibility/2006" xmlns:mv="urn:schemas-microsoft-com:mac:vml" xmlns:p="http://schemas.openxmlformats.org/presentationml/2006/main" xmlns:c="http://schemas.openxmlformats.org/drawingml/2006/chart" xmlns:dgm="http://schemas.openxmlformats.org/drawingml/2006/diagram" xmlns:o="urn:schemas-microsoft-com:office:office" xmlns:v="urn:schemas-microsoft-com:vml" xmlns:pvml="urn:schemas-microsoft-com:office:powerpoint" xmlns:com="http://schemas.openxmlformats.org/drawingml/2006/compatibility" xmlns:p14="http://schemas.microsoft.com/office/powerpoint/2010/main" xmlns:p15="http://schemas.microsoft.com/office/powerpoint/2012/main">
-  <p:cSld>
-    <p:spTree>
-      <p:nvGrpSpPr>
-        <p:cNvPr id="216" name="Shape 216"/>
-        <p:cNvGrpSpPr/>
-        <p:nvPr/>
-      </p:nvGrpSpPr>
-      <p:grpSpPr>
-        <a:xfrm>
-          <a:off x="0" y="0"/>
-          <a:ext cx="0" cy="0"/>
-          <a:chOff x="0" y="0"/>
-          <a:chExt cx="0" cy="0"/>
-        </a:xfrm>
-      </p:grpSpPr>
-      <p:sp>
-        <p:nvSpPr>
-          <p:cNvPr id="217" name="Shape 217"/>
-          <p:cNvSpPr txBox="1"/>
-          <p:nvPr>
-            <p:ph type="title"/>
-          </p:nvPr>
-        </p:nvSpPr>
-        <p:spPr>
-          <a:xfrm>
-            <a:off x="729450" y="1318650"/>
-            <a:ext cx="7688700" cy="535200"/>
-          </a:xfrm>
-          <a:prstGeom prst="rect">
-            <a:avLst/>
-          </a:prstGeom>
-        </p:spPr>
-        <p:txBody>
-          <a:bodyPr anchorCtr="0" anchor="t" bIns="91425" lIns="91425" spcFirstLastPara="1" rIns="91425" wrap="square" tIns="91425">
-            <a:noAutofit/>
-          </a:bodyPr>
-          <a:lstStyle/>
-          <a:p>
-            <a:pPr indent="0" lvl="0" marL="0">
-              <a:spcBef>
-                <a:spcPts val="0"/>
-              </a:spcBef>
-              <a:spcAft>
-                <a:spcPts val="0"/>
-              </a:spcAft>
-              <a:buNone/>
-            </a:pPr>
-            <a:r>
-              <a:rPr lang="en"/>
-              <a:t>Reverse: Target Upregulation-Allele Transition</a:t>
-            </a:r>
-            <a:endParaRPr/>
-          </a:p>
-          <a:p>
-            <a:pPr indent="0" lvl="0" marL="0">
-              <a:spcBef>
-                <a:spcPts val="0"/>
-              </a:spcBef>
-              <a:spcAft>
-                <a:spcPts val="0"/>
-              </a:spcAft>
-              <a:buNone/>
-            </a:pPr>
-            <a:r>
-              <a:t/>
-            </a:r>
-            <a:endParaRPr/>
-          </a:p>
-        </p:txBody>
-      </p:sp>
-      <p:sp>
-        <p:nvSpPr>
-          <p:cNvPr id="218" name="Shape 218"/>
-          <p:cNvSpPr txBox="1"/>
-          <p:nvPr>
-            <p:ph idx="1" type="body"/>
-          </p:nvPr>
-        </p:nvSpPr>
-        <p:spPr>
-          <a:xfrm>
-            <a:off x="729450" y="2078875"/>
-            <a:ext cx="7688700" cy="2261100"/>
-          </a:xfrm>
-          <a:prstGeom prst="rect">
-            <a:avLst/>
-          </a:prstGeom>
-        </p:spPr>
-        <p:txBody>
-          <a:bodyPr anchorCtr="0" anchor="t" bIns="91425" lIns="91425" spcFirstLastPara="1" rIns="91425" wrap="square" tIns="91425">
-            <a:noAutofit/>
-          </a:bodyPr>
-          <a:lstStyle/>
-          <a:p>
-            <a:pPr indent="0" lvl="0" marL="0">
-              <a:spcBef>
-                <a:spcPts val="0"/>
-              </a:spcBef>
-              <a:spcAft>
-                <a:spcPts val="0"/>
-              </a:spcAft>
-              <a:buNone/>
-            </a:pPr>
-            <a:r>
-              <a:rPr lang="en"/>
-              <a:t>For every upregulated target create a list of corresponding SNP transition</a:t>
-            </a:r>
-            <a:endParaRPr/>
-          </a:p>
-          <a:p>
-            <a:pPr indent="0" lvl="0" marL="0">
-              <a:spcBef>
-                <a:spcPts val="1600"/>
-              </a:spcBef>
-              <a:spcAft>
-                <a:spcPts val="0"/>
-              </a:spcAft>
-              <a:buNone/>
-            </a:pPr>
-            <a:r>
-              <a:rPr lang="en"/>
-              <a:t>	⇒ get counts of each transition type (e.g. 0 → 0, 0 → 2)</a:t>
-            </a:r>
-            <a:endParaRPr/>
-          </a:p>
-          <a:p>
-            <a:pPr indent="0" lvl="0" marL="0">
-              <a:spcBef>
-                <a:spcPts val="1600"/>
-              </a:spcBef>
-              <a:spcAft>
-                <a:spcPts val="1600"/>
-              </a:spcAft>
-              <a:buNone/>
-            </a:pPr>
-            <a:r>
-              <a:t/>
-            </a:r>
-            <a:endParaRPr/>
-          </a:p>
-        </p:txBody>
-      </p:sp>
-      <p:pic>
-        <p:nvPicPr>
-          <p:cNvPr id="219" name="Shape 219"/>
-          <p:cNvPicPr preferRelativeResize="0"/>
-          <p:nvPr/>
-        </p:nvPicPr>
-        <p:blipFill>
-          <a:blip r:embed="rId3">
-            <a:alphaModFix/>
-          </a:blip>
-          <a:stretch>
-            <a:fillRect/>
-          </a:stretch>
-        </p:blipFill>
-        <p:spPr>
-          <a:xfrm>
-            <a:off x="58900" y="3193078"/>
-            <a:ext cx="9143998" cy="1399294"/>
-          </a:xfrm>
-          <a:prstGeom prst="rect">
-            <a:avLst/>
-          </a:prstGeom>
-          <a:noFill/>
-          <a:ln>
-            <a:noFill/>
-          </a:ln>
-        </p:spPr>
-      </p:pic>
-    </p:spTree>
-  </p:cSld>
-  <p:clrMapOvr>
-    <a:masterClrMapping/>
-  </p:clrMapOvr>
-</p:sld>
-</file>
-
-<file path=ppt/slides/slide24.xml><?xml version="1.0" encoding="utf-8"?>
-<p:sld xmlns:a="http://schemas.openxmlformats.org/drawingml/2006/main" xmlns:r="http://schemas.openxmlformats.org/officeDocument/2006/relationships" xmlns:mc="http://schemas.openxmlformats.org/markup-compatibility/2006" xmlns:mv="urn:schemas-microsoft-com:mac:vml" xmlns:p="http://schemas.openxmlformats.org/presentationml/2006/main" xmlns:c="http://schemas.openxmlformats.org/drawingml/2006/chart" xmlns:dgm="http://schemas.openxmlformats.org/drawingml/2006/diagram" xmlns:o="urn:schemas-microsoft-com:office:office" xmlns:v="urn:schemas-microsoft-com:vml" xmlns:pvml="urn:schemas-microsoft-com:office:powerpoint" xmlns:com="http://schemas.openxmlformats.org/drawingml/2006/compatibility" xmlns:p14="http://schemas.microsoft.com/office/powerpoint/2010/main" xmlns:p15="http://schemas.microsoft.com/office/powerpoint/2012/main">
-  <p:cSld>
-    <p:spTree>
-      <p:nvGrpSpPr>
-        <p:cNvPr id="223" name="Shape 223"/>
-        <p:cNvGrpSpPr/>
-        <p:nvPr/>
-      </p:nvGrpSpPr>
-      <p:grpSpPr>
-        <a:xfrm>
-          <a:off x="0" y="0"/>
-          <a:ext cx="0" cy="0"/>
-          <a:chOff x="0" y="0"/>
-          <a:chExt cx="0" cy="0"/>
-        </a:xfrm>
-      </p:grpSpPr>
-      <p:sp>
-        <p:nvSpPr>
-          <p:cNvPr id="224" name="Shape 224"/>
-          <p:cNvSpPr txBox="1"/>
-          <p:nvPr>
-            <p:ph type="title"/>
-          </p:nvPr>
-        </p:nvSpPr>
-        <p:spPr>
-          <a:xfrm>
-            <a:off x="729450" y="1318650"/>
-            <a:ext cx="7688700" cy="535200"/>
-          </a:xfrm>
-          <a:prstGeom prst="rect">
-            <a:avLst/>
-          </a:prstGeom>
-        </p:spPr>
-        <p:txBody>
-          <a:bodyPr anchorCtr="0" anchor="t" bIns="91425" lIns="91425" spcFirstLastPara="1" rIns="91425" wrap="square" tIns="91425">
-            <a:noAutofit/>
-          </a:bodyPr>
-          <a:lstStyle/>
-          <a:p>
-            <a:pPr indent="0" lvl="0" marL="0" rtl="0">
-              <a:spcBef>
-                <a:spcPts val="0"/>
-              </a:spcBef>
-              <a:spcAft>
-                <a:spcPts val="0"/>
-              </a:spcAft>
-              <a:buNone/>
-            </a:pPr>
-            <a:r>
-              <a:rPr lang="en"/>
-              <a:t>Reverse: Target Upregulation-Allele Transition</a:t>
-            </a:r>
-            <a:endParaRPr/>
-          </a:p>
-          <a:p>
-            <a:pPr indent="0" lvl="0" marL="0">
-              <a:spcBef>
-                <a:spcPts val="0"/>
-              </a:spcBef>
-              <a:spcAft>
-                <a:spcPts val="0"/>
-              </a:spcAft>
-              <a:buNone/>
-            </a:pPr>
-            <a:r>
-              <a:t/>
-            </a:r>
-            <a:endParaRPr/>
-          </a:p>
-        </p:txBody>
-      </p:sp>
-      <p:sp>
-        <p:nvSpPr>
-          <p:cNvPr id="225" name="Shape 225"/>
-          <p:cNvSpPr txBox="1"/>
-          <p:nvPr>
-            <p:ph idx="1" type="body"/>
-          </p:nvPr>
-        </p:nvSpPr>
-        <p:spPr>
-          <a:xfrm>
-            <a:off x="729450" y="2078875"/>
-            <a:ext cx="7688700" cy="2261100"/>
-          </a:xfrm>
-          <a:prstGeom prst="rect">
-            <a:avLst/>
-          </a:prstGeom>
-        </p:spPr>
-        <p:txBody>
-          <a:bodyPr anchorCtr="0" anchor="t" bIns="91425" lIns="91425" spcFirstLastPara="1" rIns="91425" wrap="square" tIns="91425">
-            <a:noAutofit/>
-          </a:bodyPr>
-          <a:lstStyle/>
-          <a:p>
-            <a:pPr indent="0" lvl="0" marL="0">
-              <a:spcBef>
-                <a:spcPts val="0"/>
-              </a:spcBef>
-              <a:spcAft>
-                <a:spcPts val="0"/>
-              </a:spcAft>
-              <a:buNone/>
-            </a:pPr>
-            <a:r>
-              <a:rPr lang="en"/>
-              <a:t>Rationale:</a:t>
-            </a:r>
-            <a:endParaRPr/>
-          </a:p>
-          <a:p>
-            <a:pPr indent="0" lvl="0" marL="0">
-              <a:spcBef>
-                <a:spcPts val="1600"/>
-              </a:spcBef>
-              <a:spcAft>
-                <a:spcPts val="0"/>
-              </a:spcAft>
-              <a:buNone/>
-            </a:pPr>
-            <a:r>
-              <a:rPr lang="en"/>
-              <a:t>	If gene is upregulated with a strong bias for specific type of SNP transition</a:t>
-            </a:r>
-            <a:endParaRPr/>
-          </a:p>
-          <a:p>
-            <a:pPr indent="0" lvl="0" marL="0">
-              <a:spcBef>
-                <a:spcPts val="1600"/>
-              </a:spcBef>
-              <a:spcAft>
-                <a:spcPts val="1600"/>
-              </a:spcAft>
-              <a:buNone/>
-            </a:pPr>
-            <a:r>
-              <a:rPr lang="en"/>
-              <a:t>		⇒ SNP is likely important and might be part of a transcription factor</a:t>
-            </a:r>
-            <a:endParaRPr/>
-          </a:p>
-        </p:txBody>
-      </p:sp>
-    </p:spTree>
-  </p:cSld>
-  <p:clrMapOvr>
-    <a:masterClrMapping/>
-  </p:clrMapOvr>
-</p:sld>
-</file>
-
-<file path=ppt/slides/slide25.xml><?xml version="1.0" encoding="utf-8"?>
-<p:sld xmlns:a="http://schemas.openxmlformats.org/drawingml/2006/main" xmlns:r="http://schemas.openxmlformats.org/officeDocument/2006/relationships" xmlns:mc="http://schemas.openxmlformats.org/markup-compatibility/2006" xmlns:mv="urn:schemas-microsoft-com:mac:vml" xmlns:p="http://schemas.openxmlformats.org/presentationml/2006/main" xmlns:c="http://schemas.openxmlformats.org/drawingml/2006/chart" xmlns:dgm="http://schemas.openxmlformats.org/drawingml/2006/diagram" xmlns:o="urn:schemas-microsoft-com:office:office" xmlns:v="urn:schemas-microsoft-com:vml" xmlns:pvml="urn:schemas-microsoft-com:office:powerpoint" xmlns:com="http://schemas.openxmlformats.org/drawingml/2006/compatibility" xmlns:p14="http://schemas.microsoft.com/office/powerpoint/2010/main" xmlns:p15="http://schemas.microsoft.com/office/powerpoint/2012/main">
-  <p:cSld>
-    <p:spTree>
-      <p:nvGrpSpPr>
-        <p:cNvPr id="229" name="Shape 229"/>
-        <p:cNvGrpSpPr/>
-        <p:nvPr/>
-      </p:nvGrpSpPr>
-      <p:grpSpPr>
-        <a:xfrm>
-          <a:off x="0" y="0"/>
-          <a:ext cx="0" cy="0"/>
-          <a:chOff x="0" y="0"/>
-          <a:chExt cx="0" cy="0"/>
-        </a:xfrm>
-      </p:grpSpPr>
-      <p:sp>
-        <p:nvSpPr>
-          <p:cNvPr id="230" name="Shape 230"/>
-          <p:cNvSpPr txBox="1"/>
-          <p:nvPr>
-            <p:ph type="title"/>
-          </p:nvPr>
-        </p:nvSpPr>
-        <p:spPr>
-          <a:xfrm>
-            <a:off x="729450" y="1318650"/>
-            <a:ext cx="7688700" cy="535200"/>
-          </a:xfrm>
-          <a:prstGeom prst="rect">
-            <a:avLst/>
-          </a:prstGeom>
-        </p:spPr>
-        <p:txBody>
-          <a:bodyPr anchorCtr="0" anchor="t" bIns="91425" lIns="91425" spcFirstLastPara="1" rIns="91425" wrap="square" tIns="91425">
-            <a:noAutofit/>
-          </a:bodyPr>
-          <a:lstStyle/>
-          <a:p>
-            <a:pPr indent="0" lvl="0" marL="0">
-              <a:spcBef>
-                <a:spcPts val="0"/>
-              </a:spcBef>
-              <a:spcAft>
-                <a:spcPts val="0"/>
-              </a:spcAft>
-              <a:buNone/>
-            </a:pPr>
-            <a:r>
-              <a:rPr lang="en"/>
-              <a:t>Validation</a:t>
-            </a:r>
-            <a:endParaRPr/>
-          </a:p>
-        </p:txBody>
-      </p:sp>
-      <p:sp>
-        <p:nvSpPr>
-          <p:cNvPr id="231" name="Shape 231"/>
-          <p:cNvSpPr txBox="1"/>
-          <p:nvPr>
-            <p:ph idx="1" type="body"/>
-          </p:nvPr>
-        </p:nvSpPr>
-        <p:spPr>
-          <a:xfrm>
-            <a:off x="729450" y="2078875"/>
-            <a:ext cx="7688700" cy="2261100"/>
-          </a:xfrm>
-          <a:prstGeom prst="rect">
-            <a:avLst/>
-          </a:prstGeom>
-        </p:spPr>
-        <p:txBody>
-          <a:bodyPr anchorCtr="0" anchor="t" bIns="91425" lIns="91425" spcFirstLastPara="1" rIns="91425" wrap="square" tIns="91425">
-            <a:noAutofit/>
-          </a:bodyPr>
-          <a:lstStyle/>
-          <a:p>
-            <a:pPr indent="-311150" lvl="0" marL="457200">
-              <a:spcBef>
-                <a:spcPts val="0"/>
-              </a:spcBef>
-              <a:spcAft>
-                <a:spcPts val="0"/>
-              </a:spcAft>
-              <a:buSzPts val="1300"/>
-              <a:buChar char="●"/>
-            </a:pPr>
-            <a:r>
-              <a:rPr lang="en"/>
-              <a:t>Results checked against a database of known TF interactions (YEASTRACT)</a:t>
-            </a:r>
-            <a:br>
-              <a:rPr lang="en"/>
-            </a:br>
-            <a:endParaRPr/>
-          </a:p>
-          <a:p>
-            <a:pPr indent="-311150" lvl="0" marL="457200">
-              <a:spcBef>
-                <a:spcPts val="0"/>
-              </a:spcBef>
-              <a:spcAft>
-                <a:spcPts val="0"/>
-              </a:spcAft>
-              <a:buSzPts val="1300"/>
-              <a:buChar char="●"/>
-            </a:pPr>
-            <a:r>
-              <a:rPr lang="en"/>
-              <a:t>Total of 313 known TFs</a:t>
-            </a:r>
-            <a:br>
-              <a:rPr lang="en"/>
-            </a:br>
-            <a:endParaRPr/>
-          </a:p>
-          <a:p>
-            <a:pPr indent="-311150" lvl="0" marL="457200">
-              <a:spcBef>
-                <a:spcPts val="0"/>
-              </a:spcBef>
-              <a:spcAft>
-                <a:spcPts val="0"/>
-              </a:spcAft>
-              <a:buSzPts val="1300"/>
-              <a:buChar char="●"/>
-            </a:pPr>
-            <a:r>
-              <a:rPr lang="en"/>
-              <a:t>Only 49 of those have SNPs in our data</a:t>
-            </a:r>
-            <a:endParaRPr/>
-          </a:p>
-        </p:txBody>
-      </p:sp>
-      <p:pic>
-        <p:nvPicPr>
-          <p:cNvPr id="232" name="Shape 232"/>
-          <p:cNvPicPr preferRelativeResize="0"/>
-          <p:nvPr/>
-        </p:nvPicPr>
-        <p:blipFill>
-          <a:blip r:embed="rId3">
-            <a:alphaModFix/>
-          </a:blip>
-          <a:stretch>
-            <a:fillRect/>
-          </a:stretch>
-        </p:blipFill>
-        <p:spPr>
-          <a:xfrm>
-            <a:off x="6727788" y="1396738"/>
-            <a:ext cx="1762125" cy="3095625"/>
-          </a:xfrm>
-          <a:prstGeom prst="rect">
-            <a:avLst/>
-          </a:prstGeom>
-          <a:noFill/>
-          <a:ln>
-            <a:noFill/>
-          </a:ln>
-        </p:spPr>
-      </p:pic>
-    </p:spTree>
-  </p:cSld>
-  <p:clrMapOvr>
-    <a:masterClrMapping/>
-  </p:clrMapOvr>
-  <p:timing>
-    <p:tnLst>
-      <p:par>
-        <p:cTn dur="indefinite" nodeType="tmRoot" restart="never">
-          <p:childTnLst>
-            <p:seq concurrent="1" nextAc="seek">
-              <p:cTn dur="indefinite" id="2" nodeType="mainSeq">
-                <p:childTnLst>
-                  <p:par>
-                    <p:cTn fill="hold">
-                      <p:stCondLst>
-                        <p:cond delay="indefinite"/>
-                      </p:stCondLst>
-                      <p:childTnLst>
-                        <p:par>
-                          <p:cTn fill="hold">
-                            <p:stCondLst>
-                              <p:cond delay="0"/>
-                            </p:stCondLst>
-                            <p:childTnLst>
-                              <p:par>
-                                <p:cTn fill="hold" nodeType="clickEffect" presetClass="entr" presetID="10" presetSubtype="0">
-                                  <p:stCondLst>
-                                    <p:cond delay="0"/>
-                                  </p:stCondLst>
-                                  <p:childTnLst>
-                                    <p:set>
-                                      <p:cBhvr>
-                                        <p:cTn dur="1" fill="hold">
-                                          <p:stCondLst>
-                                            <p:cond delay="0"/>
-                                          </p:stCondLst>
-                                        </p:cTn>
-                                        <p:tgtEl>
-                                          <p:spTgt spid="232"/>
-                                        </p:tgtEl>
-                                        <p:attrNameLst>
-                                          <p:attrName>style.visibility</p:attrName>
-                                        </p:attrNameLst>
-                                      </p:cBhvr>
-                                      <p:to>
-                                        <p:strVal val="visible"/>
-                                      </p:to>
-                                    </p:set>
-                                    <p:animEffect filter="fade" transition="in">
-                                      <p:cBhvr>
-                                        <p:cTn dur="1000"/>
-                                        <p:tgtEl>
-                                          <p:spTgt spid="232"/>
-                                        </p:tgtEl>
-                                      </p:cBhvr>
-                                    </p:animEffect>
-                                  </p:childTnLst>
-                                </p:cTn>
-                              </p:par>
-                            </p:childTnLst>
-                          </p:cTn>
-                        </p:par>
-                      </p:childTnLst>
-                    </p:cTn>
-                  </p:par>
-                </p:childTnLst>
-              </p:cTn>
-              <p:prevCondLst>
-                <p:cond evt="onPrev">
-                  <p:tgtEl>
-                    <p:sldTgt/>
-                  </p:tgtEl>
-                </p:cond>
-              </p:prevCondLst>
-              <p:nextCondLst>
-                <p:cond evt="onNext">
-                  <p:tgtEl>
-                    <p:sldTgt/>
-                  </p:tgtEl>
-                </p:cond>
-              </p:nextCondLst>
-            </p:seq>
-          </p:childTnLst>
-        </p:cTn>
-      </p:par>
-    </p:tnLst>
-  </p:timing>
-</p:sld>
-</file>
-
-<file path=ppt/slides/slide26.xml><?xml version="1.0" encoding="utf-8"?>
-<p:sld xmlns:a="http://schemas.openxmlformats.org/drawingml/2006/main" xmlns:r="http://schemas.openxmlformats.org/officeDocument/2006/relationships" xmlns:mc="http://schemas.openxmlformats.org/markup-compatibility/2006" xmlns:mv="urn:schemas-microsoft-com:mac:vml" xmlns:p="http://schemas.openxmlformats.org/presentationml/2006/main" xmlns:c="http://schemas.openxmlformats.org/drawingml/2006/chart" xmlns:dgm="http://schemas.openxmlformats.org/drawingml/2006/diagram" xmlns:o="urn:schemas-microsoft-com:office:office" xmlns:v="urn:schemas-microsoft-com:vml" xmlns:pvml="urn:schemas-microsoft-com:office:powerpoint" xmlns:com="http://schemas.openxmlformats.org/drawingml/2006/compatibility" xmlns:p14="http://schemas.microsoft.com/office/powerpoint/2010/main" xmlns:p15="http://schemas.microsoft.com/office/powerpoint/2012/main">
-  <p:cSld>
-    <p:spTree>
-      <p:nvGrpSpPr>
-        <p:cNvPr id="236" name="Shape 236"/>
-        <p:cNvGrpSpPr/>
-        <p:nvPr/>
-      </p:nvGrpSpPr>
-      <p:grpSpPr>
-        <a:xfrm>
-          <a:off x="0" y="0"/>
-          <a:ext cx="0" cy="0"/>
-          <a:chOff x="0" y="0"/>
-          <a:chExt cx="0" cy="0"/>
-        </a:xfrm>
-      </p:grpSpPr>
-      <p:sp>
-        <p:nvSpPr>
-          <p:cNvPr id="237" name="Shape 237"/>
-          <p:cNvSpPr txBox="1"/>
-          <p:nvPr>
-            <p:ph type="title"/>
-          </p:nvPr>
-        </p:nvSpPr>
-        <p:spPr>
-          <a:xfrm>
-            <a:off x="729450" y="1322450"/>
-            <a:ext cx="7688400" cy="1518600"/>
-          </a:xfrm>
-          <a:prstGeom prst="rect">
-            <a:avLst/>
-          </a:prstGeom>
-        </p:spPr>
-        <p:txBody>
-          <a:bodyPr anchorCtr="0" anchor="t" bIns="91425" lIns="91425" spcFirstLastPara="1" rIns="91425" wrap="square" tIns="91425">
-            <a:noAutofit/>
-          </a:bodyPr>
-          <a:lstStyle/>
-          <a:p>
-            <a:pPr indent="0" lvl="0" marL="0">
-              <a:spcBef>
-                <a:spcPts val="0"/>
-              </a:spcBef>
-              <a:spcAft>
-                <a:spcPts val="0"/>
-              </a:spcAft>
-              <a:buNone/>
-            </a:pPr>
-            <a:r>
-              <a:rPr lang="en"/>
               <a:t>Results</a:t>
-            </a:r>
-            <a:endParaRPr/>
-          </a:p>
-        </p:txBody>
-      </p:sp>
-    </p:spTree>
-  </p:cSld>
-  <p:clrMapOvr>
-    <a:masterClrMapping/>
-  </p:clrMapOvr>
-</p:sld>
-</file>
-
-<file path=ppt/slides/slide27.xml><?xml version="1.0" encoding="utf-8"?>
-<p:sld xmlns:a="http://schemas.openxmlformats.org/drawingml/2006/main" xmlns:r="http://schemas.openxmlformats.org/officeDocument/2006/relationships" xmlns:mc="http://schemas.openxmlformats.org/markup-compatibility/2006" xmlns:mv="urn:schemas-microsoft-com:mac:vml" xmlns:p="http://schemas.openxmlformats.org/presentationml/2006/main" xmlns:c="http://schemas.openxmlformats.org/drawingml/2006/chart" xmlns:dgm="http://schemas.openxmlformats.org/drawingml/2006/diagram" xmlns:o="urn:schemas-microsoft-com:office:office" xmlns:v="urn:schemas-microsoft-com:vml" xmlns:pvml="urn:schemas-microsoft-com:office:powerpoint" xmlns:com="http://schemas.openxmlformats.org/drawingml/2006/compatibility" xmlns:p14="http://schemas.microsoft.com/office/powerpoint/2010/main" xmlns:p15="http://schemas.microsoft.com/office/powerpoint/2012/main">
-  <p:cSld>
-    <p:spTree>
-      <p:nvGrpSpPr>
-        <p:cNvPr id="241" name="Shape 241"/>
-        <p:cNvGrpSpPr/>
-        <p:nvPr/>
-      </p:nvGrpSpPr>
-      <p:grpSpPr>
-        <a:xfrm>
-          <a:off x="0" y="0"/>
-          <a:ext cx="0" cy="0"/>
-          <a:chOff x="0" y="0"/>
-          <a:chExt cx="0" cy="0"/>
-        </a:xfrm>
-      </p:grpSpPr>
-      <p:sp>
-        <p:nvSpPr>
-          <p:cNvPr id="242" name="Shape 242"/>
-          <p:cNvSpPr txBox="1"/>
-          <p:nvPr>
-            <p:ph type="title"/>
-          </p:nvPr>
-        </p:nvSpPr>
-        <p:spPr>
-          <a:xfrm>
-            <a:off x="729450" y="1318650"/>
-            <a:ext cx="7688700" cy="535200"/>
-          </a:xfrm>
-          <a:prstGeom prst="rect">
-            <a:avLst/>
-          </a:prstGeom>
-        </p:spPr>
-        <p:txBody>
-          <a:bodyPr anchorCtr="0" anchor="t" bIns="91425" lIns="91425" spcFirstLastPara="1" rIns="91425" wrap="square" tIns="91425">
-            <a:noAutofit/>
-          </a:bodyPr>
-          <a:lstStyle/>
-          <a:p>
-            <a:pPr indent="0" lvl="0" marL="0">
-              <a:spcBef>
-                <a:spcPts val="0"/>
-              </a:spcBef>
-              <a:spcAft>
-                <a:spcPts val="0"/>
-              </a:spcAft>
-              <a:buNone/>
-            </a:pPr>
-            <a:r>
-              <a:rPr lang="en"/>
-              <a:t>Single SNP-Single Gene Expression Association</a:t>
-            </a:r>
-            <a:endParaRPr/>
-          </a:p>
-          <a:p>
-            <a:pPr indent="0" lvl="0" marL="0">
-              <a:spcBef>
-                <a:spcPts val="0"/>
-              </a:spcBef>
-              <a:spcAft>
-                <a:spcPts val="0"/>
-              </a:spcAft>
-              <a:buNone/>
-            </a:pPr>
-            <a:r>
-              <a:t/>
-            </a:r>
-            <a:endParaRPr/>
-          </a:p>
-        </p:txBody>
-      </p:sp>
-      <p:sp>
-        <p:nvSpPr>
-          <p:cNvPr id="243" name="Shape 243"/>
-          <p:cNvSpPr txBox="1"/>
-          <p:nvPr>
-            <p:ph idx="1" type="body"/>
-          </p:nvPr>
-        </p:nvSpPr>
-        <p:spPr>
-          <a:xfrm>
-            <a:off x="729450" y="2078875"/>
-            <a:ext cx="7688700" cy="2261100"/>
-          </a:xfrm>
-          <a:prstGeom prst="rect">
-            <a:avLst/>
-          </a:prstGeom>
-        </p:spPr>
-        <p:txBody>
-          <a:bodyPr anchorCtr="0" anchor="t" bIns="91425" lIns="91425" spcFirstLastPara="1" rIns="91425" wrap="square" tIns="91425">
-            <a:noAutofit/>
-          </a:bodyPr>
-          <a:lstStyle/>
-          <a:p>
-            <a:pPr indent="-311150" lvl="0" marL="457200" rtl="0">
-              <a:lnSpc>
-                <a:spcPct val="150000"/>
-              </a:lnSpc>
-              <a:spcBef>
-                <a:spcPts val="0"/>
-              </a:spcBef>
-              <a:spcAft>
-                <a:spcPts val="0"/>
-              </a:spcAft>
-              <a:buSzPts val="1300"/>
-              <a:buChar char="●"/>
-            </a:pPr>
-            <a:r>
-              <a:rPr lang="en"/>
-              <a:t>49 transcription factors (TFs) with SNPs in their coding regions</a:t>
-            </a:r>
-            <a:endParaRPr/>
-          </a:p>
-          <a:p>
-            <a:pPr indent="-311150" lvl="0" marL="457200" rtl="0">
-              <a:lnSpc>
-                <a:spcPct val="150000"/>
-              </a:lnSpc>
-              <a:spcBef>
-                <a:spcPts val="0"/>
-              </a:spcBef>
-              <a:spcAft>
-                <a:spcPts val="0"/>
-              </a:spcAft>
-              <a:buSzPts val="1300"/>
-              <a:buChar char="●"/>
-            </a:pPr>
-            <a:r>
-              <a:rPr lang="en"/>
-              <a:t>3 TFs differentially expressed across their SNPs</a:t>
-            </a:r>
-            <a:endParaRPr/>
-          </a:p>
-          <a:p>
-            <a:pPr indent="-298450" lvl="1" marL="914400" rtl="0">
-              <a:lnSpc>
-                <a:spcPct val="150000"/>
-              </a:lnSpc>
-              <a:spcBef>
-                <a:spcPts val="0"/>
-              </a:spcBef>
-              <a:spcAft>
-                <a:spcPts val="0"/>
-              </a:spcAft>
-              <a:buSzPts val="1100"/>
-              <a:buChar char="○"/>
-            </a:pPr>
-            <a:r>
-              <a:rPr lang="en"/>
-              <a:t>Not considered in analysis</a:t>
-            </a:r>
-            <a:endParaRPr/>
-          </a:p>
-          <a:p>
-            <a:pPr indent="-311150" lvl="0" marL="457200" rtl="0">
-              <a:lnSpc>
-                <a:spcPct val="150000"/>
-              </a:lnSpc>
-              <a:spcBef>
-                <a:spcPts val="0"/>
-              </a:spcBef>
-              <a:spcAft>
-                <a:spcPts val="0"/>
-              </a:spcAft>
-              <a:buSzPts val="1300"/>
-              <a:buChar char="●"/>
-            </a:pPr>
-            <a:r>
-              <a:rPr lang="en"/>
-              <a:t>True positives: 45 out of 46 TFs (98%)</a:t>
-            </a:r>
-            <a:endParaRPr/>
-          </a:p>
-          <a:p>
-            <a:pPr indent="-311150" lvl="0" marL="457200" rtl="0">
-              <a:lnSpc>
-                <a:spcPct val="150000"/>
-              </a:lnSpc>
-              <a:spcBef>
-                <a:spcPts val="0"/>
-              </a:spcBef>
-              <a:spcAft>
-                <a:spcPts val="0"/>
-              </a:spcAft>
-              <a:buSzPts val="1300"/>
-              <a:buChar char="●"/>
-            </a:pPr>
-            <a:r>
-              <a:rPr lang="en"/>
-              <a:t>False negatives: 1 out of 46 TFs (2%)</a:t>
-            </a:r>
-            <a:endParaRPr/>
-          </a:p>
-          <a:p>
-            <a:pPr indent="-311150" lvl="0" marL="457200" rtl="0">
-              <a:lnSpc>
-                <a:spcPct val="150000"/>
-              </a:lnSpc>
-              <a:spcBef>
-                <a:spcPts val="0"/>
-              </a:spcBef>
-              <a:spcAft>
-                <a:spcPts val="0"/>
-              </a:spcAft>
-              <a:buSzPts val="1300"/>
-              <a:buChar char="●"/>
-            </a:pPr>
-            <a:r>
-              <a:rPr lang="en"/>
-              <a:t>True negatives: 18 out of 1121 genes (1.6%)</a:t>
-            </a:r>
-            <a:endParaRPr/>
-          </a:p>
-          <a:p>
-            <a:pPr indent="-311150" lvl="0" marL="457200" rtl="0">
-              <a:lnSpc>
-                <a:spcPct val="150000"/>
-              </a:lnSpc>
-              <a:spcBef>
-                <a:spcPts val="0"/>
-              </a:spcBef>
-              <a:spcAft>
-                <a:spcPts val="0"/>
-              </a:spcAft>
-              <a:buSzPts val="1300"/>
-              <a:buChar char="●"/>
-            </a:pPr>
-            <a:r>
-              <a:rPr lang="en"/>
-              <a:t>False positives: 1103 out of 1121 genes (98.4%)</a:t>
-            </a:r>
-            <a:endParaRPr/>
-          </a:p>
-          <a:p>
-            <a:pPr indent="-298450" lvl="1" marL="914400" rtl="0">
-              <a:lnSpc>
-                <a:spcPct val="150000"/>
-              </a:lnSpc>
-              <a:spcBef>
-                <a:spcPts val="0"/>
-              </a:spcBef>
-              <a:spcAft>
-                <a:spcPts val="0"/>
-              </a:spcAft>
-              <a:buSzPts val="1100"/>
-              <a:buChar char="○"/>
-            </a:pPr>
-            <a:r>
-              <a:rPr lang="en"/>
-              <a:t>With multiple hypothesis adjustment</a:t>
-            </a:r>
-            <a:endParaRPr/>
-          </a:p>
-          <a:p>
-            <a:pPr indent="0" lvl="0" marL="0" rtl="0">
-              <a:spcBef>
-                <a:spcPts val="1600"/>
-              </a:spcBef>
-              <a:spcAft>
-                <a:spcPts val="0"/>
-              </a:spcAft>
-              <a:buNone/>
-            </a:pPr>
-            <a:r>
-              <a:rPr lang="en"/>
-              <a:t> </a:t>
-            </a:r>
-            <a:endParaRPr/>
-          </a:p>
-          <a:p>
-            <a:pPr indent="0" lvl="0" marL="0">
-              <a:lnSpc>
-                <a:spcPct val="100000"/>
-              </a:lnSpc>
-              <a:spcBef>
-                <a:spcPts val="1600"/>
-              </a:spcBef>
-              <a:spcAft>
-                <a:spcPts val="0"/>
-              </a:spcAft>
-              <a:buNone/>
-            </a:pPr>
-            <a:r>
-              <a:t/>
-            </a:r>
-            <a:endParaRPr/>
-          </a:p>
-          <a:p>
-            <a:pPr indent="0" lvl="0" marL="0">
-              <a:spcBef>
-                <a:spcPts val="1600"/>
-              </a:spcBef>
-              <a:spcAft>
-                <a:spcPts val="0"/>
-              </a:spcAft>
-              <a:buNone/>
-            </a:pPr>
-            <a:r>
-              <a:t/>
-            </a:r>
-            <a:endParaRPr/>
-          </a:p>
-          <a:p>
-            <a:pPr indent="0" lvl="0" marL="0">
-              <a:spcBef>
-                <a:spcPts val="1600"/>
-              </a:spcBef>
-              <a:spcAft>
-                <a:spcPts val="1600"/>
-              </a:spcAft>
-              <a:buNone/>
-            </a:pPr>
-            <a:r>
-              <a:t/>
             </a:r>
             <a:endParaRPr/>
           </a:p>
@@ -13432,7 +14024,22 @@
             </a:pPr>
             <a:r>
               <a:rPr lang="en"/>
-              <a:t>Reverse: Target Upregulation-Allele Transition</a:t>
+              <a:t>Marker Regression</a:t>
+            </a:r>
+            <a:endParaRPr/>
+          </a:p>
+          <a:p>
+            <a:pPr indent="0" lvl="0" marL="0">
+              <a:spcBef>
+                <a:spcPts val="0"/>
+              </a:spcBef>
+              <a:spcAft>
+                <a:spcPts val="0"/>
+              </a:spcAft>
+              <a:buNone/>
+            </a:pPr>
+            <a:r>
+              <a:t/>
             </a:r>
             <a:endParaRPr/>
           </a:p>
@@ -13461,7 +14068,10 @@
           </a:bodyPr>
           <a:lstStyle/>
           <a:p>
-            <a:pPr indent="-311150" lvl="0" marL="457200">
+            <a:pPr indent="-311150" lvl="0" marL="457200" rtl="0">
+              <a:lnSpc>
+                <a:spcPct val="150000"/>
+              </a:lnSpc>
               <a:spcBef>
                 <a:spcPts val="0"/>
               </a:spcBef>
@@ -13473,7 +14083,7 @@
             </a:pPr>
             <a:r>
               <a:rPr lang="en"/>
-              <a:t>Data not completely analyzed</a:t>
+              <a:t>49 transcription factors (TFs) with SNPs in their coding regions</a:t>
             </a:r>
             <a:br>
               <a:rPr lang="en"/>
@@ -13481,7 +14091,10 @@
             <a:endParaRPr/>
           </a:p>
           <a:p>
-            <a:pPr indent="-311150" lvl="0" marL="457200">
+            <a:pPr indent="-311150" lvl="0" marL="457200" rtl="0">
+              <a:lnSpc>
+                <a:spcPct val="150000"/>
+              </a:lnSpc>
               <a:spcBef>
                 <a:spcPts val="0"/>
               </a:spcBef>
@@ -13493,32 +14106,15 @@
             </a:pPr>
             <a:r>
               <a:rPr lang="en"/>
-              <a:t>SNPs in known TFs selected for manual validation</a:t>
-            </a:r>
-            <a:br>
-              <a:rPr lang="en"/>
-            </a:br>
-            <a:endParaRPr/>
-          </a:p>
-          <a:p>
-            <a:pPr indent="-311150" lvl="0" marL="457200" rtl="0">
-              <a:spcBef>
-                <a:spcPts val="0"/>
-              </a:spcBef>
-              <a:spcAft>
-                <a:spcPts val="0"/>
-              </a:spcAft>
-              <a:buSzPts val="1300"/>
-              <a:buChar char="●"/>
-            </a:pPr>
-            <a:r>
-              <a:rPr lang="en"/>
-              <a:t>No targets were successfully  identified</a:t>
-            </a:r>
-            <a:endParaRPr/>
-          </a:p>
-          <a:p>
-            <a:pPr indent="-298450" lvl="1" marL="914400">
+              <a:t>3 TFs differentially expressed across their SNPs</a:t>
+            </a:r>
+            <a:endParaRPr/>
+          </a:p>
+          <a:p>
+            <a:pPr indent="-298450" lvl="1" marL="914400" rtl="0">
+              <a:lnSpc>
+                <a:spcPct val="150000"/>
+              </a:lnSpc>
               <a:spcBef>
                 <a:spcPts val="0"/>
               </a:spcBef>
@@ -13530,7 +14126,71 @@
             </a:pPr>
             <a:r>
               <a:rPr lang="en"/>
-              <a:t>All false positives</a:t>
+              <a:t>Not considered in analysis</a:t>
+            </a:r>
+            <a:endParaRPr/>
+          </a:p>
+          <a:p>
+            <a:pPr indent="0" lvl="0" marL="0" rtl="0">
+              <a:spcBef>
+                <a:spcPts val="1600"/>
+              </a:spcBef>
+              <a:spcAft>
+                <a:spcPts val="0"/>
+              </a:spcAft>
+              <a:buNone/>
+            </a:pPr>
+            <a:r>
+              <a:rPr lang="en"/>
+              <a:t> </a:t>
+            </a:r>
+            <a:endParaRPr/>
+          </a:p>
+          <a:p>
+            <a:pPr indent="0" lvl="0" marL="0">
+              <a:lnSpc>
+                <a:spcPct val="100000"/>
+              </a:lnSpc>
+              <a:spcBef>
+                <a:spcPts val="1600"/>
+              </a:spcBef>
+              <a:spcAft>
+                <a:spcPts val="0"/>
+              </a:spcAft>
+              <a:buNone/>
+            </a:pPr>
+            <a:r>
+              <a:t/>
+            </a:r>
+            <a:endParaRPr/>
+          </a:p>
+          <a:p>
+            <a:pPr indent="0" lvl="0" marL="0">
+              <a:spcBef>
+                <a:spcPts val="1600"/>
+              </a:spcBef>
+              <a:spcAft>
+                <a:spcPts val="0"/>
+              </a:spcAft>
+              <a:buNone/>
+            </a:pPr>
+            <a:r>
+              <a:t/>
+            </a:r>
+            <a:endParaRPr/>
+          </a:p>
+          <a:p>
+            <a:pPr indent="0" lvl="0" marL="0">
+              <a:spcBef>
+                <a:spcPts val="1600"/>
+              </a:spcBef>
+              <a:spcAft>
+                <a:spcPts val="1600"/>
+              </a:spcAft>
+              <a:buNone/>
+            </a:pPr>
+            <a:r>
+              <a:t/>
             </a:r>
             <a:endParaRPr/>
           </a:p>
@@ -13571,8 +14231,8 @@
         </p:nvSpPr>
         <p:spPr>
           <a:xfrm>
-            <a:off x="729450" y="1322450"/>
-            <a:ext cx="7688400" cy="1518600"/>
+            <a:off x="729450" y="1318650"/>
+            <a:ext cx="7688700" cy="535200"/>
           </a:xfrm>
           <a:prstGeom prst="rect">
             <a:avLst/>
@@ -13584,7 +14244,7 @@
           </a:bodyPr>
           <a:lstStyle/>
           <a:p>
-            <a:pPr indent="0" lvl="0" marL="0">
+            <a:pPr indent="0" lvl="0" marL="0" rtl="0">
               <a:spcBef>
                 <a:spcPts val="0"/>
               </a:spcBef>
@@ -13595,12 +14255,151 @@
             </a:pPr>
             <a:r>
               <a:rPr lang="en"/>
-              <a:t>Future Direction and Lessons </a:t>
+              <a:t>Marker Regression - </a:t>
+            </a:r>
+            <a:r>
+              <a:rPr i="1" lang="en"/>
+              <a:t>De Novo </a:t>
+            </a:r>
+            <a:r>
+              <a:rPr lang="en"/>
+              <a:t>TF prediction</a:t>
+            </a:r>
+            <a:endParaRPr/>
+          </a:p>
+          <a:p>
+            <a:pPr indent="0" lvl="0" marL="0" rtl="0">
+              <a:spcBef>
+                <a:spcPts val="0"/>
+              </a:spcBef>
+              <a:spcAft>
+                <a:spcPts val="0"/>
+              </a:spcAft>
+              <a:buNone/>
+            </a:pPr>
+            <a:r>
+              <a:t/>
             </a:r>
             <a:endParaRPr/>
           </a:p>
         </p:txBody>
       </p:sp>
+      <p:sp>
+        <p:nvSpPr>
+          <p:cNvPr id="255" name="Shape 255"/>
+          <p:cNvSpPr txBox="1"/>
+          <p:nvPr>
+            <p:ph idx="1" type="body"/>
+          </p:nvPr>
+        </p:nvSpPr>
+        <p:spPr>
+          <a:xfrm>
+            <a:off x="729450" y="2078875"/>
+            <a:ext cx="7688700" cy="2261100"/>
+          </a:xfrm>
+          <a:prstGeom prst="rect">
+            <a:avLst/>
+          </a:prstGeom>
+        </p:spPr>
+        <p:txBody>
+          <a:bodyPr anchorCtr="0" anchor="t" bIns="91425" lIns="91425" spcFirstLastPara="1" rIns="91425" wrap="square" tIns="91425">
+            <a:noAutofit/>
+          </a:bodyPr>
+          <a:lstStyle/>
+          <a:p>
+            <a:pPr indent="0" lvl="0" marL="0" rtl="0">
+              <a:spcBef>
+                <a:spcPts val="0"/>
+              </a:spcBef>
+              <a:spcAft>
+                <a:spcPts val="0"/>
+              </a:spcAft>
+              <a:buNone/>
+            </a:pPr>
+            <a:r>
+              <a:rPr lang="en"/>
+              <a:t> </a:t>
+            </a:r>
+            <a:endParaRPr/>
+          </a:p>
+          <a:p>
+            <a:pPr indent="0" lvl="0" marL="0" rtl="0">
+              <a:lnSpc>
+                <a:spcPct val="100000"/>
+              </a:lnSpc>
+              <a:spcBef>
+                <a:spcPts val="1600"/>
+              </a:spcBef>
+              <a:spcAft>
+                <a:spcPts val="0"/>
+              </a:spcAft>
+              <a:buNone/>
+            </a:pPr>
+            <a:r>
+              <a:t/>
+            </a:r>
+            <a:endParaRPr/>
+          </a:p>
+          <a:p>
+            <a:pPr indent="0" lvl="0" marL="0" rtl="0">
+              <a:spcBef>
+                <a:spcPts val="1600"/>
+              </a:spcBef>
+              <a:spcAft>
+                <a:spcPts val="0"/>
+              </a:spcAft>
+              <a:buNone/>
+            </a:pPr>
+            <a:r>
+              <a:t/>
+            </a:r>
+            <a:endParaRPr/>
+          </a:p>
+          <a:p>
+            <a:pPr indent="0" lvl="0" marL="0" rtl="0">
+              <a:spcBef>
+                <a:spcPts val="1600"/>
+              </a:spcBef>
+              <a:spcAft>
+                <a:spcPts val="1600"/>
+              </a:spcAft>
+              <a:buNone/>
+            </a:pPr>
+            <a:r>
+              <a:t/>
+            </a:r>
+            <a:endParaRPr/>
+          </a:p>
+        </p:txBody>
+      </p:sp>
+      <p:pic>
+        <p:nvPicPr>
+          <p:cNvPr id="256" name="Shape 256"/>
+          <p:cNvPicPr preferRelativeResize="0"/>
+          <p:nvPr/>
+        </p:nvPicPr>
+        <p:blipFill>
+          <a:blip r:embed="rId3">
+            <a:alphaModFix/>
+          </a:blip>
+          <a:stretch>
+            <a:fillRect/>
+          </a:stretch>
+        </p:blipFill>
+        <p:spPr>
+          <a:xfrm>
+            <a:off x="2575437" y="1953700"/>
+            <a:ext cx="3993125" cy="2993075"/>
+          </a:xfrm>
+          <a:prstGeom prst="rect">
+            <a:avLst/>
+          </a:prstGeom>
+          <a:noFill/>
+          <a:ln>
+            <a:noFill/>
+          </a:ln>
+        </p:spPr>
+      </p:pic>
     </p:spTree>
   </p:cSld>
   <p:clrMapOvr>
@@ -13828,7 +14627,7 @@
   <p:cSld>
     <p:spTree>
       <p:nvGrpSpPr>
-        <p:cNvPr id="258" name="Shape 258"/>
+        <p:cNvPr id="260" name="Shape 260"/>
         <p:cNvGrpSpPr/>
         <p:nvPr/>
       </p:nvGrpSpPr>
@@ -13842,7 +14641,7 @@
       </p:grpSpPr>
       <p:sp>
         <p:nvSpPr>
-          <p:cNvPr id="259" name="Shape 259"/>
+          <p:cNvPr id="261" name="Shape 261"/>
           <p:cNvSpPr txBox="1"/>
           <p:nvPr>
             <p:ph type="title"/>
@@ -13863,7 +14662,7 @@
           </a:bodyPr>
           <a:lstStyle/>
           <a:p>
-            <a:pPr indent="0" lvl="0" marL="0">
+            <a:pPr indent="0" lvl="0" marL="0" rtl="0">
               <a:spcBef>
                 <a:spcPts val="0"/>
               </a:spcBef>
@@ -13874,7 +14673,34 @@
             </a:pPr>
             <a:r>
               <a:rPr lang="en"/>
-              <a:t>Future Direction</a:t>
+              <a:t>Marker Regression - </a:t>
+            </a:r>
+            <a:r>
+              <a:rPr i="1" lang="en"/>
+              <a:t>De Novo </a:t>
+            </a:r>
+            <a:r>
+              <a:rPr lang="en"/>
+              <a:t>target</a:t>
+            </a:r>
+            <a:r>
+              <a:rPr lang="en"/>
+              <a:t> prediction</a:t>
+            </a:r>
+            <a:endParaRPr/>
+          </a:p>
+          <a:p>
+            <a:pPr indent="0" lvl="0" marL="0" rtl="0">
+              <a:spcBef>
+                <a:spcPts val="0"/>
+              </a:spcBef>
+              <a:spcAft>
+                <a:spcPts val="0"/>
+              </a:spcAft>
+              <a:buNone/>
+            </a:pPr>
+            <a:r>
+              <a:t/>
             </a:r>
             <a:endParaRPr/>
           </a:p>
@@ -13882,7 +14708,7 @@
       </p:sp>
       <p:sp>
         <p:nvSpPr>
-          <p:cNvPr id="260" name="Shape 260"/>
+          <p:cNvPr id="262" name="Shape 262"/>
           <p:cNvSpPr txBox="1"/>
           <p:nvPr>
             <p:ph idx="1" type="body"/>
@@ -13903,24 +14729,26 @@
           </a:bodyPr>
           <a:lstStyle/>
           <a:p>
-            <a:pPr indent="-311150" lvl="0" marL="457200" rtl="0">
-              <a:spcBef>
-                <a:spcPts val="0"/>
-              </a:spcBef>
-              <a:spcAft>
-                <a:spcPts val="0"/>
-              </a:spcAft>
-              <a:buSzPts val="1300"/>
-              <a:buChar char="●"/>
+            <a:pPr indent="0" lvl="0" marL="0" rtl="0">
+              <a:spcBef>
+                <a:spcPts val="0"/>
+              </a:spcBef>
+              <a:spcAft>
+                <a:spcPts val="0"/>
+              </a:spcAft>
+              <a:buNone/>
             </a:pPr>
             <a:r>
               <a:rPr lang="en"/>
-              <a:t>Attempt more complex models that account for regulatory interaction</a:t>
+              <a:t> </a:t>
             </a:r>
             <a:endParaRPr/>
           </a:p>
           <a:p>
             <a:pPr indent="0" lvl="0" marL="0" rtl="0">
+              <a:lnSpc>
+                <a:spcPct val="100000"/>
+              </a:lnSpc>
               <a:spcBef>
                 <a:spcPts val="1600"/>
               </a:spcBef>
@@ -13935,46 +14763,27 @@
             <a:endParaRPr/>
           </a:p>
           <a:p>
-            <a:pPr indent="-311150" lvl="0" marL="457200">
+            <a:pPr indent="0" lvl="0" marL="0" rtl="0">
               <a:spcBef>
                 <a:spcPts val="1600"/>
               </a:spcBef>
               <a:spcAft>
                 <a:spcPts val="0"/>
               </a:spcAft>
-              <a:buSzPts val="1300"/>
-              <a:buChar char="●"/>
-            </a:pPr>
-            <a:r>
-              <a:rPr lang="en"/>
-              <a:t>Use knowledge of existing interactions</a:t>
-            </a:r>
-            <a:endParaRPr/>
-          </a:p>
-          <a:p>
-            <a:pPr indent="-298450" lvl="1" marL="914400">
-              <a:spcBef>
-                <a:spcPts val="0"/>
-              </a:spcBef>
-              <a:spcAft>
-                <a:spcPts val="0"/>
-              </a:spcAft>
-              <a:buSzPts val="1100"/>
-              <a:buChar char="○"/>
-            </a:pPr>
-            <a:r>
-              <a:rPr lang="en"/>
-              <a:t>Find important SNPs in known TFs by association with known TF targets</a:t>
-            </a:r>
-            <a:endParaRPr/>
-          </a:p>
-          <a:p>
-            <a:pPr indent="0" lvl="0" marL="0">
+              <a:buNone/>
+            </a:pPr>
+            <a:r>
+              <a:t/>
+            </a:r>
+            <a:endParaRPr/>
+          </a:p>
+          <a:p>
+            <a:pPr indent="0" lvl="0" marL="0" rtl="0">
               <a:spcBef>
                 <a:spcPts val="1600"/>
               </a:spcBef>
               <a:spcAft>
-                <a:spcPts val="0"/>
+                <a:spcPts val="1600"/>
               </a:spcAft>
               <a:buNone/>
             </a:pPr>
@@ -13983,23 +14792,64 @@
             </a:r>
             <a:endParaRPr/>
           </a:p>
-          <a:p>
-            <a:pPr indent="0" lvl="0" marL="0">
-              <a:spcBef>
-                <a:spcPts val="1600"/>
-              </a:spcBef>
-              <a:spcAft>
-                <a:spcPts val="1600"/>
-              </a:spcAft>
-              <a:buNone/>
-            </a:pPr>
-            <a:r>
-              <a:t/>
-            </a:r>
-            <a:endParaRPr/>
-          </a:p>
         </p:txBody>
       </p:sp>
+      <p:pic>
+        <p:nvPicPr>
+          <p:cNvPr id="263" name="Shape 263"/>
+          <p:cNvPicPr preferRelativeResize="0"/>
+          <p:nvPr/>
+        </p:nvPicPr>
+        <p:blipFill>
+          <a:blip r:embed="rId3">
+            <a:alphaModFix/>
+          </a:blip>
+          <a:stretch>
+            <a:fillRect/>
+          </a:stretch>
+        </p:blipFill>
+        <p:spPr>
+          <a:xfrm>
+            <a:off x="1967144" y="2214563"/>
+            <a:ext cx="2609850" cy="1962150"/>
+          </a:xfrm>
+          <a:prstGeom prst="rect">
+            <a:avLst/>
+          </a:prstGeom>
+          <a:noFill/>
+          <a:ln>
+            <a:noFill/>
+          </a:ln>
+        </p:spPr>
+      </p:pic>
+      <p:pic>
+        <p:nvPicPr>
+          <p:cNvPr id="264" name="Shape 264"/>
+          <p:cNvPicPr preferRelativeResize="0"/>
+          <p:nvPr/>
+        </p:nvPicPr>
+        <p:blipFill>
+          <a:blip r:embed="rId4">
+            <a:alphaModFix/>
+          </a:blip>
+          <a:stretch>
+            <a:fillRect/>
+          </a:stretch>
+        </p:blipFill>
+        <p:spPr>
+          <a:xfrm>
+            <a:off x="4577007" y="2219392"/>
+            <a:ext cx="2599849" cy="1962150"/>
+          </a:xfrm>
+          <a:prstGeom prst="rect">
+            <a:avLst/>
+          </a:prstGeom>
+          <a:noFill/>
+          <a:ln>
+            <a:noFill/>
+          </a:ln>
+        </p:spPr>
+      </p:pic>
     </p:spTree>
   </p:cSld>
   <p:clrMapOvr>
@@ -14013,7 +14863,7 @@
   <p:cSld>
     <p:spTree>
       <p:nvGrpSpPr>
-        <p:cNvPr id="264" name="Shape 264"/>
+        <p:cNvPr id="268" name="Shape 268"/>
         <p:cNvGrpSpPr/>
         <p:nvPr/>
       </p:nvGrpSpPr>
@@ -14025,9 +14875,37 @@
           <a:chExt cx="0" cy="0"/>
         </a:xfrm>
       </p:grpSpPr>
-      <p:sp>
-        <p:nvSpPr>
-          <p:cNvPr id="265" name="Shape 265"/>
+      <p:pic>
+        <p:nvPicPr>
+          <p:cNvPr id="269" name="Shape 269"/>
+          <p:cNvPicPr preferRelativeResize="0"/>
+          <p:nvPr/>
+        </p:nvPicPr>
+        <p:blipFill>
+          <a:blip r:embed="rId3">
+            <a:alphaModFix/>
+          </a:blip>
+          <a:stretch>
+            <a:fillRect/>
+          </a:stretch>
+        </p:blipFill>
+        <p:spPr>
+          <a:xfrm>
+            <a:off x="1993377" y="2219400"/>
+            <a:ext cx="2599850" cy="1955012"/>
+          </a:xfrm>
+          <a:prstGeom prst="rect">
+            <a:avLst/>
+          </a:prstGeom>
+          <a:noFill/>
+          <a:ln>
+            <a:noFill/>
+          </a:ln>
+        </p:spPr>
+      </p:pic>
+      <p:sp>
+        <p:nvSpPr>
+          <p:cNvPr id="270" name="Shape 270"/>
           <p:cNvSpPr txBox="1"/>
           <p:nvPr>
             <p:ph type="title"/>
@@ -14048,174 +14926,59 @@
           </a:bodyPr>
           <a:lstStyle/>
           <a:p>
-            <a:pPr indent="0" lvl="0" marL="0">
-              <a:spcBef>
-                <a:spcPts val="0"/>
-              </a:spcBef>
-              <a:spcAft>
-                <a:spcPts val="0"/>
-              </a:spcAft>
-              <a:buNone/>
-            </a:pPr>
-            <a:r>
-              <a:rPr lang="en"/>
-              <a:t>What Did We Learn</a:t>
-            </a:r>
-            <a:endParaRPr/>
+            <a:pPr indent="0" lvl="0" marL="0" rtl="0">
+              <a:spcBef>
+                <a:spcPts val="0"/>
+              </a:spcBef>
+              <a:spcAft>
+                <a:spcPts val="0"/>
+              </a:spcAft>
+              <a:buNone/>
+            </a:pPr>
+            <a:r>
+              <a:rPr lang="en" sz="2500"/>
+              <a:t>Allele Bias Transition - </a:t>
+            </a:r>
+            <a:r>
+              <a:rPr i="1" lang="en" sz="2500"/>
+              <a:t>De Novo </a:t>
+            </a:r>
+            <a:r>
+              <a:rPr lang="en" sz="2500"/>
+              <a:t>target prediction</a:t>
+            </a:r>
+            <a:endParaRPr sz="2500"/>
           </a:p>
         </p:txBody>
       </p:sp>
-      <p:sp>
-        <p:nvSpPr>
-          <p:cNvPr id="266" name="Shape 266"/>
-          <p:cNvSpPr txBox="1"/>
-          <p:nvPr>
-            <p:ph idx="1" type="body"/>
-          </p:nvPr>
-        </p:nvSpPr>
-        <p:spPr>
-          <a:xfrm>
-            <a:off x="729450" y="2078875"/>
-            <a:ext cx="7688700" cy="2261100"/>
+      <p:pic>
+        <p:nvPicPr>
+          <p:cNvPr id="271" name="Shape 271"/>
+          <p:cNvPicPr preferRelativeResize="0"/>
+          <p:nvPr/>
+        </p:nvPicPr>
+        <p:blipFill>
+          <a:blip r:embed="rId4">
+            <a:alphaModFix/>
+          </a:blip>
+          <a:stretch>
+            <a:fillRect/>
+          </a:stretch>
+        </p:blipFill>
+        <p:spPr>
+          <a:xfrm>
+            <a:off x="4565038" y="2219400"/>
+            <a:ext cx="2599850" cy="1962150"/>
           </a:xfrm>
           <a:prstGeom prst="rect">
             <a:avLst/>
           </a:prstGeom>
-        </p:spPr>
-        <p:txBody>
-          <a:bodyPr anchorCtr="0" anchor="t" bIns="91425" lIns="91425" spcFirstLastPara="1" rIns="91425" wrap="square" tIns="91425">
-            <a:noAutofit/>
-          </a:bodyPr>
-          <a:lstStyle/>
-          <a:p>
-            <a:pPr indent="-311150" lvl="0" marL="457200" rtl="0">
-              <a:spcBef>
-                <a:spcPts val="0"/>
-              </a:spcBef>
-              <a:spcAft>
-                <a:spcPts val="0"/>
-              </a:spcAft>
-              <a:buSzPts val="1300"/>
-              <a:buChar char="●"/>
-            </a:pPr>
-            <a:r>
-              <a:rPr lang="en"/>
-              <a:t>Data is not your friend</a:t>
-            </a:r>
-            <a:endParaRPr/>
-          </a:p>
-          <a:p>
-            <a:pPr indent="-298450" lvl="1" marL="914400" rtl="0">
-              <a:spcBef>
-                <a:spcPts val="0"/>
-              </a:spcBef>
-              <a:spcAft>
-                <a:spcPts val="0"/>
-              </a:spcAft>
-              <a:buSzPts val="1100"/>
-              <a:buChar char="○"/>
-            </a:pPr>
-            <a:r>
-              <a:rPr lang="en"/>
-              <a:t>Do not trust it</a:t>
-            </a:r>
-            <a:endParaRPr/>
-          </a:p>
-          <a:p>
-            <a:pPr indent="-298450" lvl="1" marL="914400" rtl="0">
-              <a:spcBef>
-                <a:spcPts val="0"/>
-              </a:spcBef>
-              <a:spcAft>
-                <a:spcPts val="0"/>
-              </a:spcAft>
-              <a:buSzPts val="1100"/>
-              <a:buChar char="○"/>
-            </a:pPr>
-            <a:r>
-              <a:rPr lang="en"/>
-              <a:t>If it looks like a unique value that could be used as a primary key</a:t>
-            </a:r>
-            <a:r>
-              <a:rPr lang="en"/>
-              <a:t>...</a:t>
-            </a:r>
-            <a:r>
-              <a:rPr lang="en"/>
-              <a:t>. is it really?</a:t>
-            </a:r>
-            <a:br>
-              <a:rPr lang="en"/>
-            </a:br>
-            <a:endParaRPr/>
-          </a:p>
-          <a:p>
-            <a:pPr indent="-311150" lvl="0" marL="457200">
-              <a:spcBef>
-                <a:spcPts val="0"/>
-              </a:spcBef>
-              <a:spcAft>
-                <a:spcPts val="0"/>
-              </a:spcAft>
-              <a:buSzPts val="1300"/>
-              <a:buChar char="●"/>
-            </a:pPr>
-            <a:r>
-              <a:rPr lang="en"/>
-              <a:t>Do a small scale check before commencing genome wide analysis</a:t>
-            </a:r>
-            <a:br>
-              <a:rPr lang="en"/>
-            </a:br>
-            <a:endParaRPr/>
-          </a:p>
-          <a:p>
-            <a:pPr indent="-311150" lvl="0" marL="457200">
-              <a:spcBef>
-                <a:spcPts val="0"/>
-              </a:spcBef>
-              <a:spcAft>
-                <a:spcPts val="0"/>
-              </a:spcAft>
-              <a:buSzPts val="1300"/>
-              <a:buChar char="●"/>
-            </a:pPr>
-            <a:r>
-              <a:rPr lang="en"/>
-              <a:t>If possible, check the </a:t>
-            </a:r>
-            <a:r>
-              <a:rPr lang="en"/>
-              <a:t>viability</a:t>
-            </a:r>
-            <a:r>
-              <a:rPr lang="en"/>
-              <a:t> of hypothesis before commencing work</a:t>
-            </a:r>
-            <a:br>
-              <a:rPr lang="en"/>
-            </a:br>
-            <a:endParaRPr/>
-          </a:p>
-          <a:p>
-            <a:pPr indent="-311150" lvl="0" marL="457200">
-              <a:spcBef>
-                <a:spcPts val="0"/>
-              </a:spcBef>
-              <a:spcAft>
-                <a:spcPts val="0"/>
-              </a:spcAft>
-              <a:buSzPts val="1300"/>
-              <a:buChar char="●"/>
-            </a:pPr>
-            <a:r>
-              <a:rPr lang="en"/>
-              <a:t>Existence of eQTL does not necessarily equate regulatory interaction</a:t>
-            </a:r>
-            <a:endParaRPr/>
-          </a:p>
-        </p:txBody>
-      </p:sp>
+          <a:noFill/>
+          <a:ln>
+            <a:noFill/>
+          </a:ln>
+        </p:spPr>
+      </p:pic>
     </p:spTree>
   </p:cSld>
   <p:clrMapOvr>
@@ -14229,7 +14992,7 @@
   <p:cSld>
     <p:spTree>
       <p:nvGrpSpPr>
-        <p:cNvPr id="270" name="Shape 270"/>
+        <p:cNvPr id="275" name="Shape 275"/>
         <p:cNvGrpSpPr/>
         <p:nvPr/>
       </p:nvGrpSpPr>
@@ -14243,7 +15006,7 @@
       </p:grpSpPr>
       <p:sp>
         <p:nvSpPr>
-          <p:cNvPr id="271" name="Shape 271"/>
+          <p:cNvPr id="276" name="Shape 276"/>
           <p:cNvSpPr txBox="1"/>
           <p:nvPr>
             <p:ph type="title"/>
@@ -14275,6 +15038,1358 @@
             </a:pPr>
             <a:r>
               <a:rPr lang="en"/>
+              <a:t>Random Forest Regression - Testing Score</a:t>
+            </a:r>
+            <a:endParaRPr/>
+          </a:p>
+        </p:txBody>
+      </p:sp>
+      <p:sp>
+        <p:nvSpPr>
+          <p:cNvPr id="277" name="Shape 277"/>
+          <p:cNvSpPr txBox="1"/>
+          <p:nvPr>
+            <p:ph idx="1" type="body"/>
+          </p:nvPr>
+        </p:nvSpPr>
+        <p:spPr>
+          <a:xfrm>
+            <a:off x="729450" y="2078875"/>
+            <a:ext cx="7688700" cy="2261100"/>
+          </a:xfrm>
+          <a:prstGeom prst="rect">
+            <a:avLst/>
+          </a:prstGeom>
+        </p:spPr>
+        <p:txBody>
+          <a:bodyPr anchorCtr="0" anchor="t" bIns="91425" lIns="91425" spcFirstLastPara="1" rIns="91425" wrap="square" tIns="91425">
+            <a:noAutofit/>
+          </a:bodyPr>
+          <a:lstStyle/>
+          <a:p>
+            <a:pPr indent="-311150" lvl="0" marL="457200" rtl="0">
+              <a:spcBef>
+                <a:spcPts val="0"/>
+              </a:spcBef>
+              <a:spcAft>
+                <a:spcPts val="0"/>
+              </a:spcAft>
+              <a:buSzPts val="1300"/>
+              <a:buChar char="●"/>
+            </a:pPr>
+            <a:r>
+              <a:rPr lang="en"/>
+              <a:t>k-fold validation (k=10)</a:t>
+            </a:r>
+            <a:endParaRPr/>
+          </a:p>
+          <a:p>
+            <a:pPr indent="-311150" lvl="0" marL="457200">
+              <a:spcBef>
+                <a:spcPts val="0"/>
+              </a:spcBef>
+              <a:spcAft>
+                <a:spcPts val="0"/>
+              </a:spcAft>
+              <a:buSzPts val="1300"/>
+              <a:buChar char="●"/>
+            </a:pPr>
+            <a:r>
+              <a:rPr lang="en"/>
+              <a:t>Average R</a:t>
+            </a:r>
+            <a:r>
+              <a:rPr baseline="30000" lang="en"/>
+              <a:t>2</a:t>
+            </a:r>
+            <a:r>
+              <a:rPr lang="en"/>
+              <a:t> score calculated</a:t>
+            </a:r>
+            <a:endParaRPr/>
+          </a:p>
+        </p:txBody>
+      </p:sp>
+      <p:pic>
+        <p:nvPicPr>
+          <p:cNvPr id="278" name="Shape 278"/>
+          <p:cNvPicPr preferRelativeResize="0"/>
+          <p:nvPr/>
+        </p:nvPicPr>
+        <p:blipFill>
+          <a:blip r:embed="rId3">
+            <a:alphaModFix/>
+          </a:blip>
+          <a:stretch>
+            <a:fillRect/>
+          </a:stretch>
+        </p:blipFill>
+        <p:spPr>
+          <a:xfrm>
+            <a:off x="3149813" y="2880813"/>
+            <a:ext cx="2695575" cy="1419225"/>
+          </a:xfrm>
+          <a:prstGeom prst="rect">
+            <a:avLst/>
+          </a:prstGeom>
+          <a:noFill/>
+          <a:ln>
+            <a:noFill/>
+          </a:ln>
+        </p:spPr>
+      </p:pic>
+    </p:spTree>
+  </p:cSld>
+  <p:clrMapOvr>
+    <a:masterClrMapping/>
+  </p:clrMapOvr>
+</p:sld>
+</file>
+
+<file path=ppt/slides/slide33.xml><?xml version="1.0" encoding="utf-8"?>
+<p:sld xmlns:a="http://schemas.openxmlformats.org/drawingml/2006/main" xmlns:r="http://schemas.openxmlformats.org/officeDocument/2006/relationships" xmlns:mc="http://schemas.openxmlformats.org/markup-compatibility/2006" xmlns:mv="urn:schemas-microsoft-com:mac:vml" xmlns:p="http://schemas.openxmlformats.org/presentationml/2006/main" xmlns:c="http://schemas.openxmlformats.org/drawingml/2006/chart" xmlns:dgm="http://schemas.openxmlformats.org/drawingml/2006/diagram" xmlns:o="urn:schemas-microsoft-com:office:office" xmlns:v="urn:schemas-microsoft-com:vml" xmlns:pvml="urn:schemas-microsoft-com:office:powerpoint" xmlns:com="http://schemas.openxmlformats.org/drawingml/2006/compatibility" xmlns:p14="http://schemas.microsoft.com/office/powerpoint/2010/main" xmlns:p15="http://schemas.microsoft.com/office/powerpoint/2012/main">
+  <p:cSld>
+    <p:spTree>
+      <p:nvGrpSpPr>
+        <p:cNvPr id="282" name="Shape 282"/>
+        <p:cNvGrpSpPr/>
+        <p:nvPr/>
+      </p:nvGrpSpPr>
+      <p:grpSpPr>
+        <a:xfrm>
+          <a:off x="0" y="0"/>
+          <a:ext cx="0" cy="0"/>
+          <a:chOff x="0" y="0"/>
+          <a:chExt cx="0" cy="0"/>
+        </a:xfrm>
+      </p:grpSpPr>
+      <p:sp>
+        <p:nvSpPr>
+          <p:cNvPr id="283" name="Shape 283"/>
+          <p:cNvSpPr txBox="1"/>
+          <p:nvPr>
+            <p:ph type="title"/>
+          </p:nvPr>
+        </p:nvSpPr>
+        <p:spPr>
+          <a:xfrm>
+            <a:off x="729450" y="1318650"/>
+            <a:ext cx="7688700" cy="535200"/>
+          </a:xfrm>
+          <a:prstGeom prst="rect">
+            <a:avLst/>
+          </a:prstGeom>
+        </p:spPr>
+        <p:txBody>
+          <a:bodyPr anchorCtr="0" anchor="t" bIns="91425" lIns="91425" spcFirstLastPara="1" rIns="91425" wrap="square" tIns="91425">
+            <a:noAutofit/>
+          </a:bodyPr>
+          <a:lstStyle/>
+          <a:p>
+            <a:pPr indent="0" lvl="0" marL="0">
+              <a:spcBef>
+                <a:spcPts val="0"/>
+              </a:spcBef>
+              <a:spcAft>
+                <a:spcPts val="0"/>
+              </a:spcAft>
+              <a:buNone/>
+            </a:pPr>
+            <a:r>
+              <a:rPr lang="en" sz="2500"/>
+              <a:t>Random Forest Regression - Feature Importance</a:t>
+            </a:r>
+            <a:endParaRPr sz="2500"/>
+          </a:p>
+          <a:p>
+            <a:pPr indent="0" lvl="0" marL="0">
+              <a:spcBef>
+                <a:spcPts val="0"/>
+              </a:spcBef>
+              <a:spcAft>
+                <a:spcPts val="0"/>
+              </a:spcAft>
+              <a:buNone/>
+            </a:pPr>
+            <a:r>
+              <a:t/>
+            </a:r>
+            <a:endParaRPr sz="2500"/>
+          </a:p>
+        </p:txBody>
+      </p:sp>
+      <p:sp>
+        <p:nvSpPr>
+          <p:cNvPr id="284" name="Shape 284"/>
+          <p:cNvSpPr txBox="1"/>
+          <p:nvPr>
+            <p:ph idx="1" type="body"/>
+          </p:nvPr>
+        </p:nvSpPr>
+        <p:spPr>
+          <a:xfrm>
+            <a:off x="729450" y="2078875"/>
+            <a:ext cx="7688700" cy="2261100"/>
+          </a:xfrm>
+          <a:prstGeom prst="rect">
+            <a:avLst/>
+          </a:prstGeom>
+        </p:spPr>
+        <p:txBody>
+          <a:bodyPr anchorCtr="0" anchor="t" bIns="91425" lIns="91425" spcFirstLastPara="1" rIns="91425" wrap="square" tIns="91425">
+            <a:noAutofit/>
+          </a:bodyPr>
+          <a:lstStyle/>
+          <a:p>
+            <a:pPr indent="-298450" lvl="0" marL="457200" rtl="0" algn="just">
+              <a:spcBef>
+                <a:spcPts val="0"/>
+              </a:spcBef>
+              <a:spcAft>
+                <a:spcPts val="0"/>
+              </a:spcAft>
+              <a:buSzPts val="1100"/>
+              <a:buFont typeface="Arial"/>
+              <a:buChar char="●"/>
+            </a:pPr>
+            <a:r>
+              <a:rPr lang="en" sz="1100">
+                <a:latin typeface="Arial"/>
+                <a:ea typeface="Arial"/>
+                <a:cs typeface="Arial"/>
+                <a:sym typeface="Arial"/>
+              </a:rPr>
+              <a:t>One SNP particularly important</a:t>
+            </a:r>
+            <a:br>
+              <a:rPr lang="en" sz="1100">
+                <a:latin typeface="Arial"/>
+                <a:ea typeface="Arial"/>
+                <a:cs typeface="Arial"/>
+                <a:sym typeface="Arial"/>
+              </a:rPr>
+            </a:br>
+            <a:endParaRPr sz="1100">
+              <a:latin typeface="Arial"/>
+              <a:ea typeface="Arial"/>
+              <a:cs typeface="Arial"/>
+              <a:sym typeface="Arial"/>
+            </a:endParaRPr>
+          </a:p>
+          <a:p>
+            <a:pPr indent="-298450" lvl="1" marL="914400" rtl="0" algn="just">
+              <a:spcBef>
+                <a:spcPts val="0"/>
+              </a:spcBef>
+              <a:spcAft>
+                <a:spcPts val="0"/>
+              </a:spcAft>
+              <a:buSzPts val="1100"/>
+              <a:buFont typeface="Arial"/>
+              <a:buChar char="○"/>
+            </a:pPr>
+            <a:r>
+              <a:rPr lang="en" sz="1100">
+                <a:latin typeface="Arial"/>
+                <a:ea typeface="Arial"/>
+                <a:cs typeface="Arial"/>
+                <a:sym typeface="Arial"/>
+              </a:rPr>
+              <a:t>SNP with id 25, belonging to the Nsi1 gene</a:t>
+            </a:r>
+            <a:br>
+              <a:rPr lang="en" sz="1100">
+                <a:latin typeface="Arial"/>
+                <a:ea typeface="Arial"/>
+                <a:cs typeface="Arial"/>
+                <a:sym typeface="Arial"/>
+              </a:rPr>
+            </a:br>
+            <a:endParaRPr sz="1100">
+              <a:latin typeface="Arial"/>
+              <a:ea typeface="Arial"/>
+              <a:cs typeface="Arial"/>
+              <a:sym typeface="Arial"/>
+            </a:endParaRPr>
+          </a:p>
+          <a:p>
+            <a:pPr indent="-298450" lvl="1" marL="914400" rtl="0" algn="just">
+              <a:spcBef>
+                <a:spcPts val="0"/>
+              </a:spcBef>
+              <a:spcAft>
+                <a:spcPts val="0"/>
+              </a:spcAft>
+              <a:buSzPts val="1100"/>
+              <a:buFont typeface="Arial"/>
+              <a:buChar char="○"/>
+            </a:pPr>
+            <a:r>
+              <a:rPr lang="en" sz="1100">
+                <a:latin typeface="Arial"/>
+                <a:ea typeface="Arial"/>
+                <a:cs typeface="Arial"/>
+                <a:sym typeface="Arial"/>
+              </a:rPr>
+              <a:t>8th in the order of importance following 7 transcription factors. </a:t>
+            </a:r>
+            <a:br>
+              <a:rPr lang="en" sz="1100">
+                <a:latin typeface="Arial"/>
+                <a:ea typeface="Arial"/>
+                <a:cs typeface="Arial"/>
+                <a:sym typeface="Arial"/>
+              </a:rPr>
+            </a:br>
+            <a:endParaRPr sz="1100">
+              <a:latin typeface="Arial"/>
+              <a:ea typeface="Arial"/>
+              <a:cs typeface="Arial"/>
+              <a:sym typeface="Arial"/>
+            </a:endParaRPr>
+          </a:p>
+          <a:p>
+            <a:pPr indent="-298450" lvl="1" marL="914400" rtl="0" algn="just">
+              <a:spcBef>
+                <a:spcPts val="0"/>
+              </a:spcBef>
+              <a:spcAft>
+                <a:spcPts val="0"/>
+              </a:spcAft>
+              <a:buSzPts val="1100"/>
+              <a:buFont typeface="Arial"/>
+              <a:buChar char="○"/>
+            </a:pPr>
+            <a:r>
+              <a:rPr lang="en" sz="1100">
+                <a:latin typeface="Arial"/>
+                <a:ea typeface="Arial"/>
+                <a:cs typeface="Arial"/>
+                <a:sym typeface="Arial"/>
+              </a:rPr>
+              <a:t>SNP is exactly the same as 14 other SNPs (LD)</a:t>
+            </a:r>
+            <a:endParaRPr sz="1100">
+              <a:latin typeface="Arial"/>
+              <a:ea typeface="Arial"/>
+              <a:cs typeface="Arial"/>
+              <a:sym typeface="Arial"/>
+            </a:endParaRPr>
+          </a:p>
+          <a:p>
+            <a:pPr indent="-298450" lvl="2" marL="1371600" rtl="0" algn="just">
+              <a:spcBef>
+                <a:spcPts val="0"/>
+              </a:spcBef>
+              <a:spcAft>
+                <a:spcPts val="0"/>
+              </a:spcAft>
+              <a:buSzPts val="1100"/>
+              <a:buFont typeface="Arial"/>
+              <a:buChar char="■"/>
+            </a:pPr>
+            <a:r>
+              <a:rPr lang="en" sz="1100">
+                <a:latin typeface="Arial"/>
+                <a:ea typeface="Arial"/>
+                <a:cs typeface="Arial"/>
+                <a:sym typeface="Arial"/>
+              </a:rPr>
+              <a:t>Nsi1 (10 SNPs) and three others</a:t>
+            </a:r>
+            <a:endParaRPr sz="1100">
+              <a:latin typeface="Arial"/>
+              <a:ea typeface="Arial"/>
+              <a:cs typeface="Arial"/>
+              <a:sym typeface="Arial"/>
+            </a:endParaRPr>
+          </a:p>
+          <a:p>
+            <a:pPr indent="0" lvl="0" marL="0" rtl="0" algn="just">
+              <a:spcBef>
+                <a:spcPts val="0"/>
+              </a:spcBef>
+              <a:spcAft>
+                <a:spcPts val="0"/>
+              </a:spcAft>
+              <a:buNone/>
+            </a:pPr>
+            <a:r>
+              <a:t/>
+            </a:r>
+            <a:endParaRPr/>
+          </a:p>
+        </p:txBody>
+      </p:sp>
+    </p:spTree>
+  </p:cSld>
+  <p:clrMapOvr>
+    <a:masterClrMapping/>
+  </p:clrMapOvr>
+</p:sld>
+</file>
+
+<file path=ppt/slides/slide34.xml><?xml version="1.0" encoding="utf-8"?>
+<p:sld xmlns:a="http://schemas.openxmlformats.org/drawingml/2006/main" xmlns:r="http://schemas.openxmlformats.org/officeDocument/2006/relationships" xmlns:mc="http://schemas.openxmlformats.org/markup-compatibility/2006" xmlns:mv="urn:schemas-microsoft-com:mac:vml" xmlns:p="http://schemas.openxmlformats.org/presentationml/2006/main" xmlns:c="http://schemas.openxmlformats.org/drawingml/2006/chart" xmlns:dgm="http://schemas.openxmlformats.org/drawingml/2006/diagram" xmlns:o="urn:schemas-microsoft-com:office:office" xmlns:v="urn:schemas-microsoft-com:vml" xmlns:pvml="urn:schemas-microsoft-com:office:powerpoint" xmlns:com="http://schemas.openxmlformats.org/drawingml/2006/compatibility" xmlns:p14="http://schemas.microsoft.com/office/powerpoint/2010/main" xmlns:p15="http://schemas.microsoft.com/office/powerpoint/2012/main">
+  <p:cSld>
+    <p:spTree>
+      <p:nvGrpSpPr>
+        <p:cNvPr id="288" name="Shape 288"/>
+        <p:cNvGrpSpPr/>
+        <p:nvPr/>
+      </p:nvGrpSpPr>
+      <p:grpSpPr>
+        <a:xfrm>
+          <a:off x="0" y="0"/>
+          <a:ext cx="0" cy="0"/>
+          <a:chOff x="0" y="0"/>
+          <a:chExt cx="0" cy="0"/>
+        </a:xfrm>
+      </p:grpSpPr>
+      <p:sp>
+        <p:nvSpPr>
+          <p:cNvPr id="289" name="Shape 289"/>
+          <p:cNvSpPr txBox="1"/>
+          <p:nvPr>
+            <p:ph type="title"/>
+          </p:nvPr>
+        </p:nvSpPr>
+        <p:spPr>
+          <a:xfrm>
+            <a:off x="729450" y="1318650"/>
+            <a:ext cx="7688700" cy="535200"/>
+          </a:xfrm>
+          <a:prstGeom prst="rect">
+            <a:avLst/>
+          </a:prstGeom>
+        </p:spPr>
+        <p:txBody>
+          <a:bodyPr anchorCtr="0" anchor="t" bIns="91425" lIns="91425" spcFirstLastPara="1" rIns="91425" wrap="square" tIns="91425">
+            <a:noAutofit/>
+          </a:bodyPr>
+          <a:lstStyle/>
+          <a:p>
+            <a:pPr indent="0" lvl="0" marL="0" rtl="0">
+              <a:spcBef>
+                <a:spcPts val="0"/>
+              </a:spcBef>
+              <a:spcAft>
+                <a:spcPts val="0"/>
+              </a:spcAft>
+              <a:buNone/>
+            </a:pPr>
+            <a:r>
+              <a:rPr lang="en" sz="2500"/>
+              <a:t>Random Forest Regression - Feature Importance</a:t>
+            </a:r>
+            <a:endParaRPr sz="2500"/>
+          </a:p>
+          <a:p>
+            <a:pPr indent="0" lvl="0" marL="0" rtl="0">
+              <a:spcBef>
+                <a:spcPts val="0"/>
+              </a:spcBef>
+              <a:spcAft>
+                <a:spcPts val="0"/>
+              </a:spcAft>
+              <a:buNone/>
+            </a:pPr>
+            <a:r>
+              <a:t/>
+            </a:r>
+            <a:endParaRPr sz="2500"/>
+          </a:p>
+        </p:txBody>
+      </p:sp>
+      <p:sp>
+        <p:nvSpPr>
+          <p:cNvPr id="290" name="Shape 290"/>
+          <p:cNvSpPr txBox="1"/>
+          <p:nvPr>
+            <p:ph idx="1" type="body"/>
+          </p:nvPr>
+        </p:nvSpPr>
+        <p:spPr>
+          <a:xfrm>
+            <a:off x="729450" y="2078875"/>
+            <a:ext cx="7688700" cy="2261100"/>
+          </a:xfrm>
+          <a:prstGeom prst="rect">
+            <a:avLst/>
+          </a:prstGeom>
+        </p:spPr>
+        <p:txBody>
+          <a:bodyPr anchorCtr="0" anchor="t" bIns="91425" lIns="91425" spcFirstLastPara="1" rIns="91425" wrap="square" tIns="91425">
+            <a:noAutofit/>
+          </a:bodyPr>
+          <a:lstStyle/>
+          <a:p>
+            <a:pPr indent="-298450" lvl="0" marL="457200" rtl="0" algn="just">
+              <a:spcBef>
+                <a:spcPts val="0"/>
+              </a:spcBef>
+              <a:spcAft>
+                <a:spcPts val="0"/>
+              </a:spcAft>
+              <a:buSzPts val="1100"/>
+              <a:buFont typeface="Arial"/>
+              <a:buChar char="●"/>
+            </a:pPr>
+            <a:r>
+              <a:rPr lang="en" sz="1100">
+                <a:latin typeface="Arial"/>
+                <a:ea typeface="Arial"/>
+                <a:cs typeface="Arial"/>
+                <a:sym typeface="Arial"/>
+              </a:rPr>
+              <a:t>O</a:t>
+            </a:r>
+            <a:r>
+              <a:rPr lang="en" sz="1100">
+                <a:latin typeface="Arial"/>
+                <a:ea typeface="Arial"/>
+                <a:cs typeface="Arial"/>
+                <a:sym typeface="Arial"/>
+              </a:rPr>
+              <a:t>ther SNPs ranked below all of the TFs. </a:t>
+            </a:r>
+            <a:br>
+              <a:rPr lang="en" sz="1100">
+                <a:latin typeface="Arial"/>
+                <a:ea typeface="Arial"/>
+                <a:cs typeface="Arial"/>
+                <a:sym typeface="Arial"/>
+              </a:rPr>
+            </a:br>
+            <a:endParaRPr sz="1100">
+              <a:latin typeface="Arial"/>
+              <a:ea typeface="Arial"/>
+              <a:cs typeface="Arial"/>
+              <a:sym typeface="Arial"/>
+            </a:endParaRPr>
+          </a:p>
+          <a:p>
+            <a:pPr indent="-298450" lvl="0" marL="457200" rtl="0" algn="just">
+              <a:spcBef>
+                <a:spcPts val="0"/>
+              </a:spcBef>
+              <a:spcAft>
+                <a:spcPts val="0"/>
+              </a:spcAft>
+              <a:buSzPts val="1100"/>
+              <a:buFont typeface="Arial"/>
+              <a:buChar char="●"/>
+            </a:pPr>
+            <a:r>
+              <a:rPr lang="en" sz="1100">
+                <a:latin typeface="Arial"/>
+                <a:ea typeface="Arial"/>
+                <a:cs typeface="Arial"/>
+                <a:sym typeface="Arial"/>
+              </a:rPr>
+              <a:t>8 other SNPs selected in decreasing order of importance</a:t>
+            </a:r>
+            <a:endParaRPr sz="1100">
+              <a:latin typeface="Arial"/>
+              <a:ea typeface="Arial"/>
+              <a:cs typeface="Arial"/>
+              <a:sym typeface="Arial"/>
+            </a:endParaRPr>
+          </a:p>
+          <a:p>
+            <a:pPr indent="-298450" lvl="1" marL="914400" rtl="0" algn="just">
+              <a:spcBef>
+                <a:spcPts val="0"/>
+              </a:spcBef>
+              <a:spcAft>
+                <a:spcPts val="0"/>
+              </a:spcAft>
+              <a:buSzPts val="1100"/>
+              <a:buFont typeface="Arial"/>
+              <a:buChar char="○"/>
+            </a:pPr>
+            <a:r>
+              <a:rPr lang="en">
+                <a:latin typeface="Arial"/>
+                <a:ea typeface="Arial"/>
+                <a:cs typeface="Arial"/>
+                <a:sym typeface="Arial"/>
+              </a:rPr>
+              <a:t>Can performance be increased?</a:t>
+            </a:r>
+            <a:endParaRPr>
+              <a:latin typeface="Arial"/>
+              <a:ea typeface="Arial"/>
+              <a:cs typeface="Arial"/>
+              <a:sym typeface="Arial"/>
+            </a:endParaRPr>
+          </a:p>
+          <a:p>
+            <a:pPr indent="-298450" lvl="2" marL="1371600" rtl="0" algn="just">
+              <a:spcBef>
+                <a:spcPts val="0"/>
+              </a:spcBef>
+              <a:spcAft>
+                <a:spcPts val="0"/>
+              </a:spcAft>
+              <a:buSzPts val="1100"/>
+              <a:buFont typeface="Arial"/>
+              <a:buChar char="■"/>
+            </a:pPr>
+            <a:r>
+              <a:rPr lang="en">
+                <a:latin typeface="Arial"/>
+                <a:ea typeface="Arial"/>
+                <a:cs typeface="Arial"/>
+                <a:sym typeface="Arial"/>
+              </a:rPr>
+              <a:t>Not really</a:t>
+            </a:r>
+            <a:endParaRPr>
+              <a:latin typeface="Arial"/>
+              <a:ea typeface="Arial"/>
+              <a:cs typeface="Arial"/>
+              <a:sym typeface="Arial"/>
+            </a:endParaRPr>
+          </a:p>
+          <a:p>
+            <a:pPr indent="0" lvl="0" marL="0" rtl="0" algn="just">
+              <a:spcBef>
+                <a:spcPts val="0"/>
+              </a:spcBef>
+              <a:spcAft>
+                <a:spcPts val="0"/>
+              </a:spcAft>
+              <a:buNone/>
+            </a:pPr>
+            <a:r>
+              <a:t/>
+            </a:r>
+            <a:endParaRPr>
+              <a:latin typeface="Arial"/>
+              <a:ea typeface="Arial"/>
+              <a:cs typeface="Arial"/>
+              <a:sym typeface="Arial"/>
+            </a:endParaRPr>
+          </a:p>
+          <a:p>
+            <a:pPr indent="-298450" lvl="0" marL="457200" rtl="0" algn="just">
+              <a:spcBef>
+                <a:spcPts val="0"/>
+              </a:spcBef>
+              <a:spcAft>
+                <a:spcPts val="0"/>
+              </a:spcAft>
+              <a:buSzPts val="1100"/>
+              <a:buFont typeface="Arial"/>
+              <a:buChar char="●"/>
+            </a:pPr>
+            <a:r>
+              <a:rPr lang="en" sz="1100">
+                <a:latin typeface="Arial"/>
+                <a:ea typeface="Arial"/>
+                <a:cs typeface="Arial"/>
+                <a:sym typeface="Arial"/>
+              </a:rPr>
+              <a:t>1 SNP identified  with no copies (LD)</a:t>
+            </a:r>
+            <a:endParaRPr sz="1100">
+              <a:latin typeface="Arial"/>
+              <a:ea typeface="Arial"/>
+              <a:cs typeface="Arial"/>
+              <a:sym typeface="Arial"/>
+            </a:endParaRPr>
+          </a:p>
+          <a:p>
+            <a:pPr indent="-298450" lvl="1" marL="914400" rtl="0" algn="just">
+              <a:spcBef>
+                <a:spcPts val="0"/>
+              </a:spcBef>
+              <a:spcAft>
+                <a:spcPts val="0"/>
+              </a:spcAft>
+              <a:buSzPts val="1100"/>
+              <a:buFont typeface="Arial"/>
+              <a:buChar char="○"/>
+            </a:pPr>
+            <a:r>
+              <a:rPr lang="en" sz="1100">
+                <a:latin typeface="Arial"/>
+                <a:ea typeface="Arial"/>
+                <a:cs typeface="Arial"/>
+                <a:sym typeface="Arial"/>
+              </a:rPr>
+              <a:t>SNP with id 1643, belonging to Cup2 gene.</a:t>
+            </a:r>
+            <a:endParaRPr>
+              <a:latin typeface="Arial"/>
+              <a:ea typeface="Arial"/>
+              <a:cs typeface="Arial"/>
+              <a:sym typeface="Arial"/>
+            </a:endParaRPr>
+          </a:p>
+          <a:p>
+            <a:pPr indent="-298450" lvl="1" marL="914400" rtl="0" algn="just">
+              <a:spcBef>
+                <a:spcPts val="0"/>
+              </a:spcBef>
+              <a:spcAft>
+                <a:spcPts val="0"/>
+              </a:spcAft>
+              <a:buSzPts val="1100"/>
+              <a:buFont typeface="Arial"/>
+              <a:buChar char="○"/>
+            </a:pPr>
+            <a:r>
+              <a:rPr lang="en" sz="1100">
+                <a:latin typeface="Arial"/>
+                <a:ea typeface="Arial"/>
+                <a:cs typeface="Arial"/>
+                <a:sym typeface="Arial"/>
+              </a:rPr>
+              <a:t>Cup2 gene only contained this </a:t>
+            </a:r>
+            <a:r>
+              <a:rPr lang="en">
+                <a:latin typeface="Arial"/>
+                <a:ea typeface="Arial"/>
+                <a:cs typeface="Arial"/>
+                <a:sym typeface="Arial"/>
+              </a:rPr>
+              <a:t>SNP</a:t>
+            </a:r>
+            <a:endParaRPr>
+              <a:latin typeface="Arial"/>
+              <a:ea typeface="Arial"/>
+              <a:cs typeface="Arial"/>
+              <a:sym typeface="Arial"/>
+            </a:endParaRPr>
+          </a:p>
+          <a:p>
+            <a:pPr indent="-298450" lvl="1" marL="914400" rtl="0" algn="just">
+              <a:spcBef>
+                <a:spcPts val="0"/>
+              </a:spcBef>
+              <a:spcAft>
+                <a:spcPts val="0"/>
+              </a:spcAft>
+              <a:buSzPts val="1100"/>
+              <a:buFont typeface="Arial"/>
+              <a:buChar char="○"/>
+            </a:pPr>
+            <a:r>
+              <a:rPr lang="en">
+                <a:latin typeface="Arial"/>
+                <a:ea typeface="Arial"/>
+                <a:cs typeface="Arial"/>
+                <a:sym typeface="Arial"/>
+              </a:rPr>
+              <a:t>This SNP falls within DNA binding domain of Cup2</a:t>
+            </a:r>
+            <a:endParaRPr>
+              <a:latin typeface="Arial"/>
+              <a:ea typeface="Arial"/>
+              <a:cs typeface="Arial"/>
+              <a:sym typeface="Arial"/>
+            </a:endParaRPr>
+          </a:p>
+          <a:p>
+            <a:pPr indent="0" lvl="0" marL="0" rtl="0" algn="just">
+              <a:spcBef>
+                <a:spcPts val="0"/>
+              </a:spcBef>
+              <a:spcAft>
+                <a:spcPts val="0"/>
+              </a:spcAft>
+              <a:buNone/>
+            </a:pPr>
+            <a:r>
+              <a:t/>
+            </a:r>
+            <a:endParaRPr/>
+          </a:p>
+        </p:txBody>
+      </p:sp>
+    </p:spTree>
+  </p:cSld>
+  <p:clrMapOvr>
+    <a:masterClrMapping/>
+  </p:clrMapOvr>
+</p:sld>
+</file>
+
+<file path=ppt/slides/slide35.xml><?xml version="1.0" encoding="utf-8"?>
+<p:sld xmlns:a="http://schemas.openxmlformats.org/drawingml/2006/main" xmlns:r="http://schemas.openxmlformats.org/officeDocument/2006/relationships" xmlns:mc="http://schemas.openxmlformats.org/markup-compatibility/2006" xmlns:mv="urn:schemas-microsoft-com:mac:vml" xmlns:p="http://schemas.openxmlformats.org/presentationml/2006/main" xmlns:c="http://schemas.openxmlformats.org/drawingml/2006/chart" xmlns:dgm="http://schemas.openxmlformats.org/drawingml/2006/diagram" xmlns:o="urn:schemas-microsoft-com:office:office" xmlns:v="urn:schemas-microsoft-com:vml" xmlns:pvml="urn:schemas-microsoft-com:office:powerpoint" xmlns:com="http://schemas.openxmlformats.org/drawingml/2006/compatibility" xmlns:p14="http://schemas.microsoft.com/office/powerpoint/2010/main" xmlns:p15="http://schemas.microsoft.com/office/powerpoint/2012/main">
+  <p:cSld>
+    <p:spTree>
+      <p:nvGrpSpPr>
+        <p:cNvPr id="294" name="Shape 294"/>
+        <p:cNvGrpSpPr/>
+        <p:nvPr/>
+      </p:nvGrpSpPr>
+      <p:grpSpPr>
+        <a:xfrm>
+          <a:off x="0" y="0"/>
+          <a:ext cx="0" cy="0"/>
+          <a:chOff x="0" y="0"/>
+          <a:chExt cx="0" cy="0"/>
+        </a:xfrm>
+      </p:grpSpPr>
+      <p:sp>
+        <p:nvSpPr>
+          <p:cNvPr id="295" name="Shape 295"/>
+          <p:cNvSpPr txBox="1"/>
+          <p:nvPr>
+            <p:ph type="title"/>
+          </p:nvPr>
+        </p:nvSpPr>
+        <p:spPr>
+          <a:xfrm>
+            <a:off x="729450" y="1322450"/>
+            <a:ext cx="7688400" cy="1518600"/>
+          </a:xfrm>
+          <a:prstGeom prst="rect">
+            <a:avLst/>
+          </a:prstGeom>
+        </p:spPr>
+        <p:txBody>
+          <a:bodyPr anchorCtr="0" anchor="t" bIns="91425" lIns="91425" spcFirstLastPara="1" rIns="91425" wrap="square" tIns="91425">
+            <a:noAutofit/>
+          </a:bodyPr>
+          <a:lstStyle/>
+          <a:p>
+            <a:pPr indent="0" lvl="0" marL="0">
+              <a:spcBef>
+                <a:spcPts val="0"/>
+              </a:spcBef>
+              <a:spcAft>
+                <a:spcPts val="0"/>
+              </a:spcAft>
+              <a:buNone/>
+            </a:pPr>
+            <a:r>
+              <a:rPr lang="en"/>
+              <a:t>Future Direction and Lessons </a:t>
+            </a:r>
+            <a:endParaRPr/>
+          </a:p>
+        </p:txBody>
+      </p:sp>
+    </p:spTree>
+  </p:cSld>
+  <p:clrMapOvr>
+    <a:masterClrMapping/>
+  </p:clrMapOvr>
+</p:sld>
+</file>
+
+<file path=ppt/slides/slide36.xml><?xml version="1.0" encoding="utf-8"?>
+<p:sld xmlns:a="http://schemas.openxmlformats.org/drawingml/2006/main" xmlns:r="http://schemas.openxmlformats.org/officeDocument/2006/relationships" xmlns:mc="http://schemas.openxmlformats.org/markup-compatibility/2006" xmlns:mv="urn:schemas-microsoft-com:mac:vml" xmlns:p="http://schemas.openxmlformats.org/presentationml/2006/main" xmlns:c="http://schemas.openxmlformats.org/drawingml/2006/chart" xmlns:dgm="http://schemas.openxmlformats.org/drawingml/2006/diagram" xmlns:o="urn:schemas-microsoft-com:office:office" xmlns:v="urn:schemas-microsoft-com:vml" xmlns:pvml="urn:schemas-microsoft-com:office:powerpoint" xmlns:com="http://schemas.openxmlformats.org/drawingml/2006/compatibility" xmlns:p14="http://schemas.microsoft.com/office/powerpoint/2010/main" xmlns:p15="http://schemas.microsoft.com/office/powerpoint/2012/main">
+  <p:cSld>
+    <p:spTree>
+      <p:nvGrpSpPr>
+        <p:cNvPr id="299" name="Shape 299"/>
+        <p:cNvGrpSpPr/>
+        <p:nvPr/>
+      </p:nvGrpSpPr>
+      <p:grpSpPr>
+        <a:xfrm>
+          <a:off x="0" y="0"/>
+          <a:ext cx="0" cy="0"/>
+          <a:chOff x="0" y="0"/>
+          <a:chExt cx="0" cy="0"/>
+        </a:xfrm>
+      </p:grpSpPr>
+      <p:sp>
+        <p:nvSpPr>
+          <p:cNvPr id="300" name="Shape 300"/>
+          <p:cNvSpPr txBox="1"/>
+          <p:nvPr>
+            <p:ph type="title"/>
+          </p:nvPr>
+        </p:nvSpPr>
+        <p:spPr>
+          <a:xfrm>
+            <a:off x="729450" y="1318650"/>
+            <a:ext cx="7688700" cy="535200"/>
+          </a:xfrm>
+          <a:prstGeom prst="rect">
+            <a:avLst/>
+          </a:prstGeom>
+        </p:spPr>
+        <p:txBody>
+          <a:bodyPr anchorCtr="0" anchor="t" bIns="91425" lIns="91425" spcFirstLastPara="1" rIns="91425" wrap="square" tIns="91425">
+            <a:noAutofit/>
+          </a:bodyPr>
+          <a:lstStyle/>
+          <a:p>
+            <a:pPr indent="0" lvl="0" marL="0">
+              <a:spcBef>
+                <a:spcPts val="0"/>
+              </a:spcBef>
+              <a:spcAft>
+                <a:spcPts val="0"/>
+              </a:spcAft>
+              <a:buNone/>
+            </a:pPr>
+            <a:r>
+              <a:rPr lang="en"/>
+              <a:t>Future Direction</a:t>
+            </a:r>
+            <a:endParaRPr/>
+          </a:p>
+        </p:txBody>
+      </p:sp>
+      <p:sp>
+        <p:nvSpPr>
+          <p:cNvPr id="301" name="Shape 301"/>
+          <p:cNvSpPr txBox="1"/>
+          <p:nvPr>
+            <p:ph idx="1" type="body"/>
+          </p:nvPr>
+        </p:nvSpPr>
+        <p:spPr>
+          <a:xfrm>
+            <a:off x="729450" y="2078875"/>
+            <a:ext cx="7688700" cy="2261100"/>
+          </a:xfrm>
+          <a:prstGeom prst="rect">
+            <a:avLst/>
+          </a:prstGeom>
+        </p:spPr>
+        <p:txBody>
+          <a:bodyPr anchorCtr="0" anchor="t" bIns="91425" lIns="91425" spcFirstLastPara="1" rIns="91425" wrap="square" tIns="91425">
+            <a:noAutofit/>
+          </a:bodyPr>
+          <a:lstStyle/>
+          <a:p>
+            <a:pPr indent="-311150" lvl="0" marL="457200" rtl="0">
+              <a:spcBef>
+                <a:spcPts val="0"/>
+              </a:spcBef>
+              <a:spcAft>
+                <a:spcPts val="0"/>
+              </a:spcAft>
+              <a:buSzPts val="1300"/>
+              <a:buChar char="●"/>
+            </a:pPr>
+            <a:r>
+              <a:rPr lang="en"/>
+              <a:t>Attempt more complex models that account for regulatory interaction</a:t>
+            </a:r>
+            <a:br>
+              <a:rPr lang="en"/>
+            </a:br>
+            <a:endParaRPr/>
+          </a:p>
+          <a:p>
+            <a:pPr indent="-311150" lvl="0" marL="457200" rtl="0">
+              <a:spcBef>
+                <a:spcPts val="0"/>
+              </a:spcBef>
+              <a:spcAft>
+                <a:spcPts val="0"/>
+              </a:spcAft>
+              <a:buSzPts val="1300"/>
+              <a:buChar char="●"/>
+            </a:pPr>
+            <a:r>
+              <a:rPr lang="en"/>
+              <a:t>Divide SNPs into silent, missense and nonsense mutations</a:t>
+            </a:r>
+            <a:br>
+              <a:rPr lang="en"/>
+            </a:br>
+            <a:endParaRPr/>
+          </a:p>
+          <a:p>
+            <a:pPr indent="-311150" lvl="0" marL="457200" marR="0" rtl="0" algn="l">
+              <a:lnSpc>
+                <a:spcPct val="115000"/>
+              </a:lnSpc>
+              <a:spcBef>
+                <a:spcPts val="0"/>
+              </a:spcBef>
+              <a:spcAft>
+                <a:spcPts val="0"/>
+              </a:spcAft>
+              <a:buClr>
+                <a:schemeClr val="accent1"/>
+              </a:buClr>
+              <a:buSzPts val="1300"/>
+              <a:buFont typeface="Lato"/>
+              <a:buChar char="●"/>
+            </a:pPr>
+            <a:r>
+              <a:rPr lang="en"/>
+              <a:t>Investigate influence of SNPs in genes other than TFs</a:t>
+            </a:r>
+            <a:endParaRPr/>
+          </a:p>
+          <a:p>
+            <a:pPr indent="-298450" lvl="1" marL="914400" marR="0" rtl="0" algn="l">
+              <a:lnSpc>
+                <a:spcPct val="115000"/>
+              </a:lnSpc>
+              <a:spcBef>
+                <a:spcPts val="0"/>
+              </a:spcBef>
+              <a:spcAft>
+                <a:spcPts val="0"/>
+              </a:spcAft>
+              <a:buSzPts val="1100"/>
+              <a:buChar char="○"/>
+            </a:pPr>
+            <a:r>
+              <a:rPr lang="en"/>
+              <a:t>there are much more of these</a:t>
+            </a:r>
+            <a:endParaRPr/>
+          </a:p>
+          <a:p>
+            <a:pPr indent="0" lvl="0" marL="0">
+              <a:spcBef>
+                <a:spcPts val="1600"/>
+              </a:spcBef>
+              <a:spcAft>
+                <a:spcPts val="0"/>
+              </a:spcAft>
+              <a:buNone/>
+            </a:pPr>
+            <a:r>
+              <a:t/>
+            </a:r>
+            <a:endParaRPr/>
+          </a:p>
+          <a:p>
+            <a:pPr indent="0" lvl="0" marL="0">
+              <a:spcBef>
+                <a:spcPts val="1600"/>
+              </a:spcBef>
+              <a:spcAft>
+                <a:spcPts val="1600"/>
+              </a:spcAft>
+              <a:buNone/>
+            </a:pPr>
+            <a:r>
+              <a:t/>
+            </a:r>
+            <a:endParaRPr/>
+          </a:p>
+        </p:txBody>
+      </p:sp>
+    </p:spTree>
+  </p:cSld>
+  <p:clrMapOvr>
+    <a:masterClrMapping/>
+  </p:clrMapOvr>
+</p:sld>
+</file>
+
+<file path=ppt/slides/slide37.xml><?xml version="1.0" encoding="utf-8"?>
+<p:sld xmlns:a="http://schemas.openxmlformats.org/drawingml/2006/main" xmlns:r="http://schemas.openxmlformats.org/officeDocument/2006/relationships" xmlns:mc="http://schemas.openxmlformats.org/markup-compatibility/2006" xmlns:mv="urn:schemas-microsoft-com:mac:vml" xmlns:p="http://schemas.openxmlformats.org/presentationml/2006/main" xmlns:c="http://schemas.openxmlformats.org/drawingml/2006/chart" xmlns:dgm="http://schemas.openxmlformats.org/drawingml/2006/diagram" xmlns:o="urn:schemas-microsoft-com:office:office" xmlns:v="urn:schemas-microsoft-com:vml" xmlns:pvml="urn:schemas-microsoft-com:office:powerpoint" xmlns:com="http://schemas.openxmlformats.org/drawingml/2006/compatibility" xmlns:p14="http://schemas.microsoft.com/office/powerpoint/2010/main" xmlns:p15="http://schemas.microsoft.com/office/powerpoint/2012/main">
+  <p:cSld>
+    <p:spTree>
+      <p:nvGrpSpPr>
+        <p:cNvPr id="305" name="Shape 305"/>
+        <p:cNvGrpSpPr/>
+        <p:nvPr/>
+      </p:nvGrpSpPr>
+      <p:grpSpPr>
+        <a:xfrm>
+          <a:off x="0" y="0"/>
+          <a:ext cx="0" cy="0"/>
+          <a:chOff x="0" y="0"/>
+          <a:chExt cx="0" cy="0"/>
+        </a:xfrm>
+      </p:grpSpPr>
+      <p:sp>
+        <p:nvSpPr>
+          <p:cNvPr id="306" name="Shape 306"/>
+          <p:cNvSpPr txBox="1"/>
+          <p:nvPr>
+            <p:ph type="title"/>
+          </p:nvPr>
+        </p:nvSpPr>
+        <p:spPr>
+          <a:xfrm>
+            <a:off x="729450" y="1318650"/>
+            <a:ext cx="7688700" cy="535200"/>
+          </a:xfrm>
+          <a:prstGeom prst="rect">
+            <a:avLst/>
+          </a:prstGeom>
+        </p:spPr>
+        <p:txBody>
+          <a:bodyPr anchorCtr="0" anchor="t" bIns="91425" lIns="91425" spcFirstLastPara="1" rIns="91425" wrap="square" tIns="91425">
+            <a:noAutofit/>
+          </a:bodyPr>
+          <a:lstStyle/>
+          <a:p>
+            <a:pPr indent="0" lvl="0" marL="0">
+              <a:spcBef>
+                <a:spcPts val="0"/>
+              </a:spcBef>
+              <a:spcAft>
+                <a:spcPts val="0"/>
+              </a:spcAft>
+              <a:buNone/>
+            </a:pPr>
+            <a:r>
+              <a:rPr lang="en"/>
+              <a:t>What Did We Learn</a:t>
+            </a:r>
+            <a:endParaRPr/>
+          </a:p>
+        </p:txBody>
+      </p:sp>
+      <p:sp>
+        <p:nvSpPr>
+          <p:cNvPr id="307" name="Shape 307"/>
+          <p:cNvSpPr txBox="1"/>
+          <p:nvPr>
+            <p:ph idx="1" type="body"/>
+          </p:nvPr>
+        </p:nvSpPr>
+        <p:spPr>
+          <a:xfrm>
+            <a:off x="729450" y="2078875"/>
+            <a:ext cx="7688700" cy="2261100"/>
+          </a:xfrm>
+          <a:prstGeom prst="rect">
+            <a:avLst/>
+          </a:prstGeom>
+        </p:spPr>
+        <p:txBody>
+          <a:bodyPr anchorCtr="0" anchor="t" bIns="91425" lIns="91425" spcFirstLastPara="1" rIns="91425" wrap="square" tIns="91425">
+            <a:noAutofit/>
+          </a:bodyPr>
+          <a:lstStyle/>
+          <a:p>
+            <a:pPr indent="-311150" lvl="0" marL="457200" rtl="0">
+              <a:spcBef>
+                <a:spcPts val="0"/>
+              </a:spcBef>
+              <a:spcAft>
+                <a:spcPts val="0"/>
+              </a:spcAft>
+              <a:buSzPts val="1300"/>
+              <a:buChar char="●"/>
+            </a:pPr>
+            <a:r>
+              <a:rPr lang="en"/>
+              <a:t>Data is not your friend</a:t>
+            </a:r>
+            <a:endParaRPr/>
+          </a:p>
+          <a:p>
+            <a:pPr indent="-298450" lvl="1" marL="914400" rtl="0">
+              <a:spcBef>
+                <a:spcPts val="0"/>
+              </a:spcBef>
+              <a:spcAft>
+                <a:spcPts val="0"/>
+              </a:spcAft>
+              <a:buSzPts val="1100"/>
+              <a:buChar char="○"/>
+            </a:pPr>
+            <a:r>
+              <a:rPr lang="en"/>
+              <a:t>Do not trust it</a:t>
+            </a:r>
+            <a:endParaRPr/>
+          </a:p>
+          <a:p>
+            <a:pPr indent="-298450" lvl="1" marL="914400" rtl="0">
+              <a:spcBef>
+                <a:spcPts val="0"/>
+              </a:spcBef>
+              <a:spcAft>
+                <a:spcPts val="0"/>
+              </a:spcAft>
+              <a:buSzPts val="1100"/>
+              <a:buChar char="○"/>
+            </a:pPr>
+            <a:r>
+              <a:rPr lang="en"/>
+              <a:t>Example: if it looks like a unique value that could be used as a primary key</a:t>
+            </a:r>
+            <a:r>
+              <a:rPr lang="en"/>
+              <a:t>...</a:t>
+            </a:r>
+            <a:r>
+              <a:rPr lang="en"/>
+              <a:t>. is it really?</a:t>
+            </a:r>
+            <a:br>
+              <a:rPr lang="en"/>
+            </a:br>
+            <a:endParaRPr/>
+          </a:p>
+          <a:p>
+            <a:pPr indent="-311150" lvl="0" marL="457200" rtl="0">
+              <a:spcBef>
+                <a:spcPts val="0"/>
+              </a:spcBef>
+              <a:spcAft>
+                <a:spcPts val="0"/>
+              </a:spcAft>
+              <a:buSzPts val="1300"/>
+              <a:buChar char="●"/>
+            </a:pPr>
+            <a:r>
+              <a:rPr lang="en"/>
+              <a:t>Pandas is your friend</a:t>
+            </a:r>
+            <a:endParaRPr/>
+          </a:p>
+          <a:p>
+            <a:pPr indent="-298450" lvl="1" marL="914400" rtl="0">
+              <a:spcBef>
+                <a:spcPts val="0"/>
+              </a:spcBef>
+              <a:spcAft>
+                <a:spcPts val="0"/>
+              </a:spcAft>
+              <a:buSzPts val="1100"/>
+              <a:buChar char="○"/>
+            </a:pPr>
+            <a:r>
+              <a:rPr lang="en"/>
+              <a:t>But a really bad one (in operator, concatenation…)</a:t>
+            </a:r>
+            <a:br>
+              <a:rPr lang="en"/>
+            </a:br>
+            <a:endParaRPr/>
+          </a:p>
+          <a:p>
+            <a:pPr indent="-311150" lvl="0" marL="457200">
+              <a:spcBef>
+                <a:spcPts val="0"/>
+              </a:spcBef>
+              <a:spcAft>
+                <a:spcPts val="0"/>
+              </a:spcAft>
+              <a:buSzPts val="1300"/>
+              <a:buChar char="●"/>
+            </a:pPr>
+            <a:r>
+              <a:rPr lang="en"/>
+              <a:t>Do a small scale check before commencing genome wide analysis</a:t>
+            </a:r>
+            <a:br>
+              <a:rPr lang="en"/>
+            </a:br>
+            <a:endParaRPr/>
+          </a:p>
+          <a:p>
+            <a:pPr indent="-311150" lvl="0" marL="457200">
+              <a:spcBef>
+                <a:spcPts val="0"/>
+              </a:spcBef>
+              <a:spcAft>
+                <a:spcPts val="0"/>
+              </a:spcAft>
+              <a:buSzPts val="1300"/>
+              <a:buChar char="●"/>
+            </a:pPr>
+            <a:r>
+              <a:rPr lang="en"/>
+              <a:t>If possible, check the </a:t>
+            </a:r>
+            <a:r>
+              <a:rPr lang="en"/>
+              <a:t>viability</a:t>
+            </a:r>
+            <a:r>
+              <a:rPr lang="en"/>
+              <a:t> of hypothesis before commencing work</a:t>
+            </a:r>
+            <a:br>
+              <a:rPr lang="en"/>
+            </a:br>
+            <a:endParaRPr/>
+          </a:p>
+          <a:p>
+            <a:pPr indent="-311150" lvl="0" marL="457200">
+              <a:spcBef>
+                <a:spcPts val="0"/>
+              </a:spcBef>
+              <a:spcAft>
+                <a:spcPts val="0"/>
+              </a:spcAft>
+              <a:buSzPts val="1300"/>
+              <a:buChar char="●"/>
+            </a:pPr>
+            <a:r>
+              <a:rPr lang="en"/>
+              <a:t>Existence of eQTL does not necessarily equate regulatory interaction</a:t>
+            </a:r>
+            <a:endParaRPr/>
+          </a:p>
+        </p:txBody>
+      </p:sp>
+    </p:spTree>
+  </p:cSld>
+  <p:clrMapOvr>
+    <a:masterClrMapping/>
+  </p:clrMapOvr>
+</p:sld>
+</file>
+
+<file path=ppt/slides/slide38.xml><?xml version="1.0" encoding="utf-8"?>
+<p:sld xmlns:a="http://schemas.openxmlformats.org/drawingml/2006/main" xmlns:r="http://schemas.openxmlformats.org/officeDocument/2006/relationships" xmlns:mc="http://schemas.openxmlformats.org/markup-compatibility/2006" xmlns:mv="urn:schemas-microsoft-com:mac:vml" xmlns:p="http://schemas.openxmlformats.org/presentationml/2006/main" xmlns:c="http://schemas.openxmlformats.org/drawingml/2006/chart" xmlns:dgm="http://schemas.openxmlformats.org/drawingml/2006/diagram" xmlns:o="urn:schemas-microsoft-com:office:office" xmlns:v="urn:schemas-microsoft-com:vml" xmlns:pvml="urn:schemas-microsoft-com:office:powerpoint" xmlns:com="http://schemas.openxmlformats.org/drawingml/2006/compatibility" xmlns:p14="http://schemas.microsoft.com/office/powerpoint/2010/main" xmlns:p15="http://schemas.microsoft.com/office/powerpoint/2012/main">
+  <p:cSld>
+    <p:spTree>
+      <p:nvGrpSpPr>
+        <p:cNvPr id="311" name="Shape 311"/>
+        <p:cNvGrpSpPr/>
+        <p:nvPr/>
+      </p:nvGrpSpPr>
+      <p:grpSpPr>
+        <a:xfrm>
+          <a:off x="0" y="0"/>
+          <a:ext cx="0" cy="0"/>
+          <a:chOff x="0" y="0"/>
+          <a:chExt cx="0" cy="0"/>
+        </a:xfrm>
+      </p:grpSpPr>
+      <p:sp>
+        <p:nvSpPr>
+          <p:cNvPr id="312" name="Shape 312"/>
+          <p:cNvSpPr txBox="1"/>
+          <p:nvPr>
+            <p:ph type="title"/>
+          </p:nvPr>
+        </p:nvSpPr>
+        <p:spPr>
+          <a:xfrm>
+            <a:off x="729450" y="1318650"/>
+            <a:ext cx="7688700" cy="535200"/>
+          </a:xfrm>
+          <a:prstGeom prst="rect">
+            <a:avLst/>
+          </a:prstGeom>
+        </p:spPr>
+        <p:txBody>
+          <a:bodyPr anchorCtr="0" anchor="t" bIns="91425" lIns="91425" spcFirstLastPara="1" rIns="91425" wrap="square" tIns="91425">
+            <a:noAutofit/>
+          </a:bodyPr>
+          <a:lstStyle/>
+          <a:p>
+            <a:pPr indent="0" lvl="0" marL="0">
+              <a:spcBef>
+                <a:spcPts val="0"/>
+              </a:spcBef>
+              <a:spcAft>
+                <a:spcPts val="0"/>
+              </a:spcAft>
+              <a:buNone/>
+            </a:pPr>
+            <a:r>
+              <a:rPr lang="en"/>
               <a:t>What Would We Do Differently</a:t>
             </a:r>
             <a:endParaRPr/>
@@ -14283,7 +16398,7 @@
       </p:sp>
       <p:sp>
         <p:nvSpPr>
-          <p:cNvPr id="272" name="Shape 272"/>
+          <p:cNvPr id="313" name="Shape 313"/>
           <p:cNvSpPr txBox="1"/>
           <p:nvPr>
             <p:ph idx="1" type="body"/>
@@ -15497,6 +17612,285 @@
 </file>
 
 <file path=ppt/theme/theme1.xml><?xml version="1.0" encoding="utf-8"?>
+<a:theme xmlns:a="http://schemas.openxmlformats.org/drawingml/2006/main" xmlns:r="http://schemas.openxmlformats.org/officeDocument/2006/relationships" name="Streamline">
+  <a:themeElements>
+    <a:clrScheme name="Streamline">
+      <a:dk1>
+        <a:srgbClr val="1A9988"/>
+      </a:dk1>
+      <a:lt1>
+        <a:srgbClr val="FFFFFF"/>
+      </a:lt1>
+      <a:dk2>
+        <a:srgbClr val="1A1A1A"/>
+      </a:dk2>
+      <a:lt2>
+        <a:srgbClr val="E9EDEE"/>
+      </a:lt2>
+      <a:accent1>
+        <a:srgbClr val="595959"/>
+      </a:accent1>
+      <a:accent2>
+        <a:srgbClr val="6AA4C8"/>
+      </a:accent2>
+      <a:accent3>
+        <a:srgbClr val="EB5600"/>
+      </a:accent3>
+      <a:accent4>
+        <a:srgbClr val="A2FFE8"/>
+      </a:accent4>
+      <a:accent5>
+        <a:srgbClr val="1C3678"/>
+      </a:accent5>
+      <a:accent6>
+        <a:srgbClr val="FFB8A2"/>
+      </a:accent6>
+      <a:hlink>
+        <a:srgbClr val="1C3678"/>
+      </a:hlink>
+      <a:folHlink>
+        <a:srgbClr val="1C3678"/>
+      </a:folHlink>
+    </a:clrScheme>
+    <a:fontScheme name="Office">
+      <a:majorFont>
+        <a:latin typeface="Arial"/>
+        <a:ea typeface=""/>
+        <a:cs typeface=""/>
+        <a:font script="Jpan" typeface="ＭＳ Ｐゴシック"/>
+        <a:font script="Hang" typeface="맑은 고딕"/>
+        <a:font script="Hans" typeface="宋体"/>
+        <a:font script="Hant" typeface="新細明體"/>
+        <a:font script="Arab" typeface="Times New Roman"/>
+        <a:font script="Hebr" typeface="Times New Roman"/>
+        <a:font script="Thai" typeface="Angsana New"/>
+        <a:font script="Ethi" typeface="Nyala"/>
+        <a:font script="Beng" typeface="Vrinda"/>
+        <a:font script="Gujr" typeface="Shruti"/>
+        <a:font script="Khmr" typeface="MoolBoran"/>
+        <a:font script="Knda" typeface="Tunga"/>
+        <a:font script="Guru" typeface="Raavi"/>
+        <a:font script="Cans" typeface="Euphemia"/>
+        <a:font script="Cher" typeface="Plantagenet Cherokee"/>
+        <a:font script="Yiii" typeface="Microsoft Yi Baiti"/>
+        <a:font script="Tibt" typeface="Microsoft Himalaya"/>
+        <a:font script="Thaa" typeface="MV Boli"/>
+        <a:font script="Deva" typeface="Mangal"/>
+        <a:font script="Telu" typeface="Gautami"/>
+        <a:font script="Taml" typeface="Latha"/>
+        <a:font script="Syrc" typeface="Estrangelo Edessa"/>
+        <a:font script="Orya" typeface="Kalinga"/>
+        <a:font script="Mlym" typeface="Kartika"/>
+        <a:font script="Laoo" typeface="DokChampa"/>
+        <a:font script="Sinh" typeface="Iskoola Pota"/>
+        <a:font script="Mong" typeface="Mongolian Baiti"/>
+        <a:font script="Viet" typeface="Times New Roman"/>
+        <a:font script="Uigh" typeface="Microsoft Uighur"/>
+        <a:font script="Geor" typeface="Sylfaen"/>
+      </a:majorFont>
+      <a:minorFont>
+        <a:latin typeface="Arial"/>
+        <a:ea typeface=""/>
+        <a:cs typeface=""/>
+        <a:font script="Jpan" typeface="ＭＳ Ｐゴシック"/>
+        <a:font script="Hang" typeface="맑은 고딕"/>
+        <a:font script="Hans" typeface="宋体"/>
+        <a:font script="Hant" typeface="新細明體"/>
+        <a:font script="Arab" typeface="Arial"/>
+        <a:font script="Hebr" typeface="Arial"/>
+        <a:font script="Thai" typeface="Cordia New"/>
+        <a:font script="Ethi" typeface="Nyala"/>
+        <a:font script="Beng" typeface="Vrinda"/>
+        <a:font script="Gujr" typeface="Shruti"/>
+        <a:font script="Khmr" typeface="DaunPenh"/>
+        <a:font script="Knda" typeface="Tunga"/>
+        <a:font script="Guru" typeface="Raavi"/>
+        <a:font script="Cans" typeface="Euphemia"/>
+        <a:font script="Cher" typeface="Plantagenet Cherokee"/>
+        <a:font script="Yiii" typeface="Microsoft Yi Baiti"/>
+        <a:font script="Tibt" typeface="Microsoft Himalaya"/>
+        <a:font script="Thaa" typeface="MV Boli"/>
+        <a:font script="Deva" typeface="Mangal"/>
+        <a:font script="Telu" typeface="Gautami"/>
+        <a:font script="Taml" typeface="Latha"/>
+        <a:font script="Syrc" typeface="Estrangelo Edessa"/>
+        <a:font script="Orya" typeface="Kalinga"/>
+        <a:font script="Mlym" typeface="Kartika"/>
+        <a:font script="Laoo" typeface="DokChampa"/>
+        <a:font script="Sinh" typeface="Iskoola Pota"/>
+        <a:font script="Mong" typeface="Mongolian Baiti"/>
+        <a:font script="Viet" typeface="Arial"/>
+        <a:font script="Uigh" typeface="Microsoft Uighur"/>
+        <a:font script="Geor" typeface="Sylfaen"/>
+      </a:minorFont>
+    </a:fontScheme>
+    <a:fmtScheme name="Office">
+      <a:fillStyleLst>
+        <a:solidFill>
+          <a:schemeClr val="phClr"/>
+        </a:solidFill>
+        <a:gradFill rotWithShape="1">
+          <a:gsLst>
+            <a:gs pos="0">
+              <a:schemeClr val="phClr">
+                <a:tint val="50000"/>
+                <a:satMod val="300000"/>
+              </a:schemeClr>
+            </a:gs>
+            <a:gs pos="35000">
+              <a:schemeClr val="phClr">
+                <a:tint val="37000"/>
+                <a:satMod val="300000"/>
+              </a:schemeClr>
+            </a:gs>
+            <a:gs pos="100000">
+              <a:schemeClr val="phClr">
+                <a:tint val="15000"/>
+                <a:satMod val="350000"/>
+              </a:schemeClr>
+            </a:gs>
+          </a:gsLst>
+          <a:lin ang="16200000" scaled="1"/>
+        </a:gradFill>
+        <a:gradFill rotWithShape="1">
+          <a:gsLst>
+            <a:gs pos="0">
+              <a:schemeClr val="phClr">
+                <a:tint val="100000"/>
+                <a:shade val="100000"/>
+                <a:satMod val="130000"/>
+              </a:schemeClr>
+            </a:gs>
+            <a:gs pos="100000">
+              <a:schemeClr val="phClr">
+                <a:tint val="50000"/>
+                <a:shade val="100000"/>
+                <a:satMod val="350000"/>
+              </a:schemeClr>
+            </a:gs>
+          </a:gsLst>
+          <a:lin ang="16200000" scaled="0"/>
+        </a:gradFill>
+      </a:fillStyleLst>
+      <a:lnStyleLst>
+        <a:ln w="9525" cap="flat" cmpd="sng" algn="ctr">
+          <a:solidFill>
+            <a:schemeClr val="phClr">
+              <a:shade val="95000"/>
+              <a:satMod val="105000"/>
+            </a:schemeClr>
+          </a:solidFill>
+          <a:prstDash val="solid"/>
+        </a:ln>
+        <a:ln w="25400" cap="flat" cmpd="sng" algn="ctr">
+          <a:solidFill>
+            <a:schemeClr val="phClr"/>
+          </a:solidFill>
+          <a:prstDash val="solid"/>
+        </a:ln>
+        <a:ln w="38100" cap="flat" cmpd="sng" algn="ctr">
+          <a:solidFill>
+            <a:schemeClr val="phClr"/>
+          </a:solidFill>
+          <a:prstDash val="solid"/>
+        </a:ln>
+      </a:lnStyleLst>
+      <a:effectStyleLst>
+        <a:effectStyle>
+          <a:effectLst>
+            <a:outerShdw blurRad="40000" dist="20000" dir="5400000" rotWithShape="0">
+              <a:srgbClr val="000000">
+                <a:alpha val="38000"/>
+              </a:srgbClr>
+            </a:outerShdw>
+          </a:effectLst>
+        </a:effectStyle>
+        <a:effectStyle>
+          <a:effectLst>
+            <a:outerShdw blurRad="40000" dist="23000" dir="5400000" rotWithShape="0">
+              <a:srgbClr val="000000">
+                <a:alpha val="35000"/>
+              </a:srgbClr>
+            </a:outerShdw>
+          </a:effectLst>
+        </a:effectStyle>
+        <a:effectStyle>
+          <a:effectLst>
+            <a:outerShdw blurRad="40000" dist="23000" dir="5400000" rotWithShape="0">
+              <a:srgbClr val="000000">
+                <a:alpha val="35000"/>
+              </a:srgbClr>
+            </a:outerShdw>
+          </a:effectLst>
+          <a:scene3d>
+            <a:camera prst="orthographicFront">
+              <a:rot lat="0" lon="0" rev="0"/>
+            </a:camera>
+            <a:lightRig rig="threePt" dir="t">
+              <a:rot lat="0" lon="0" rev="1200000"/>
+            </a:lightRig>
+          </a:scene3d>
+          <a:sp3d>
+            <a:bevelT w="63500" h="25400"/>
+          </a:sp3d>
+        </a:effectStyle>
+      </a:effectStyleLst>
+      <a:bgFillStyleLst>
+        <a:solidFill>
+          <a:schemeClr val="phClr"/>
+        </a:solidFill>
+        <a:gradFill rotWithShape="1">
+          <a:gsLst>
+            <a:gs pos="0">
+              <a:schemeClr val="phClr">
+                <a:tint val="40000"/>
+                <a:satMod val="350000"/>
+              </a:schemeClr>
+            </a:gs>
+            <a:gs pos="40000">
+              <a:schemeClr val="phClr">
+                <a:tint val="45000"/>
+                <a:shade val="99000"/>
+                <a:satMod val="350000"/>
+              </a:schemeClr>
+            </a:gs>
+            <a:gs pos="100000">
+              <a:schemeClr val="phClr">
+                <a:shade val="20000"/>
+                <a:satMod val="255000"/>
+              </a:schemeClr>
+            </a:gs>
+          </a:gsLst>
+          <a:path path="circle">
+            <a:fillToRect l="50000" t="-80000" r="50000" b="180000"/>
+          </a:path>
+        </a:gradFill>
+        <a:gradFill rotWithShape="1">
+          <a:gsLst>
+            <a:gs pos="0">
+              <a:schemeClr val="phClr">
+                <a:tint val="80000"/>
+                <a:satMod val="300000"/>
+              </a:schemeClr>
+            </a:gs>
+            <a:gs pos="100000">
+              <a:schemeClr val="phClr">
+                <a:shade val="30000"/>
+                <a:satMod val="200000"/>
+              </a:schemeClr>
+            </a:gs>
+          </a:gsLst>
+          <a:path path="circle">
+            <a:fillToRect l="50000" t="50000" r="50000" b="50000"/>
+          </a:path>
+        </a:gradFill>
+      </a:bgFillStyleLst>
+    </a:fmtScheme>
+  </a:themeElements>
+</a:theme>
+</file>
+
+<file path=ppt/theme/theme2.xml><?xml version="1.0" encoding="utf-8"?>
 <a:theme xmlns:a="http://schemas.openxmlformats.org/drawingml/2006/main" xmlns:r="http://schemas.openxmlformats.org/officeDocument/2006/relationships">
   <a:themeElements>
     <a:clrScheme name="Default">
@@ -15773,283 +18167,4 @@
     </a:fmtScheme>
   </a:themeElements>
 </a:theme>
-</file>
-
-<file path=ppt/theme/theme2.xml><?xml version="1.0" encoding="utf-8"?>
-<a:theme xmlns:a="http://schemas.openxmlformats.org/drawingml/2006/main" xmlns:r="http://schemas.openxmlformats.org/officeDocument/2006/relationships" name="Streamline">
-  <a:themeElements>
-    <a:clrScheme name="Streamline">
-      <a:dk1>
-        <a:srgbClr val="1A9988"/>
-      </a:dk1>
-      <a:lt1>
-        <a:srgbClr val="FFFFFF"/>
-      </a:lt1>
-      <a:dk2>
-        <a:srgbClr val="1A1A1A"/>
-      </a:dk2>
-      <a:lt2>
-        <a:srgbClr val="E9EDEE"/>
-      </a:lt2>
-      <a:accent1>
-        <a:srgbClr val="595959"/>
-      </a:accent1>
-      <a:accent2>
-        <a:srgbClr val="6AA4C8"/>
-      </a:accent2>
-      <a:accent3>
-        <a:srgbClr val="EB5600"/>
-      </a:accent3>
-      <a:accent4>
-        <a:srgbClr val="A2FFE8"/>
-      </a:accent4>
-      <a:accent5>
-        <a:srgbClr val="1C3678"/>
-      </a:accent5>
-      <a:accent6>
-        <a:srgbClr val="FFB8A2"/>
-      </a:accent6>
-      <a:hlink>
-        <a:srgbClr val="1C3678"/>
-      </a:hlink>
-      <a:folHlink>
-        <a:srgbClr val="1C3678"/>
-      </a:folHlink>
-    </a:clrScheme>
-    <a:fontScheme name="Office">
-      <a:majorFont>
-        <a:latin typeface="Arial"/>
-        <a:ea typeface=""/>
-        <a:cs typeface=""/>
-        <a:font script="Jpan" typeface="ＭＳ Ｐゴシック"/>
-        <a:font script="Hang" typeface="맑은 고딕"/>
-        <a:font script="Hans" typeface="宋体"/>
-        <a:font script="Hant" typeface="新細明體"/>
-        <a:font script="Arab" typeface="Times New Roman"/>
-        <a:font script="Hebr" typeface="Times New Roman"/>
-        <a:font script="Thai" typeface="Angsana New"/>
-        <a:font script="Ethi" typeface="Nyala"/>
-        <a:font script="Beng" typeface="Vrinda"/>
-        <a:font script="Gujr" typeface="Shruti"/>
-        <a:font script="Khmr" typeface="MoolBoran"/>
-        <a:font script="Knda" typeface="Tunga"/>
-        <a:font script="Guru" typeface="Raavi"/>
-        <a:font script="Cans" typeface="Euphemia"/>
-        <a:font script="Cher" typeface="Plantagenet Cherokee"/>
-        <a:font script="Yiii" typeface="Microsoft Yi Baiti"/>
-        <a:font script="Tibt" typeface="Microsoft Himalaya"/>
-        <a:font script="Thaa" typeface="MV Boli"/>
-        <a:font script="Deva" typeface="Mangal"/>
-        <a:font script="Telu" typeface="Gautami"/>
-        <a:font script="Taml" typeface="Latha"/>
-        <a:font script="Syrc" typeface="Estrangelo Edessa"/>
-        <a:font script="Orya" typeface="Kalinga"/>
-        <a:font script="Mlym" typeface="Kartika"/>
-        <a:font script="Laoo" typeface="DokChampa"/>
-        <a:font script="Sinh" typeface="Iskoola Pota"/>
-        <a:font script="Mong" typeface="Mongolian Baiti"/>
-        <a:font script="Viet" typeface="Times New Roman"/>
-        <a:font script="Uigh" typeface="Microsoft Uighur"/>
-        <a:font script="Geor" typeface="Sylfaen"/>
-      </a:majorFont>
-      <a:minorFont>
-        <a:latin typeface="Arial"/>
-        <a:ea typeface=""/>
-        <a:cs typeface=""/>
-        <a:font script="Jpan" typeface="ＭＳ Ｐゴシック"/>
-        <a:font script="Hang" typeface="맑은 고딕"/>
-        <a:font script="Hans" typeface="宋体"/>
-        <a:font script="Hant" typeface="新細明體"/>
-        <a:font script="Arab" typeface="Arial"/>
-        <a:font script="Hebr" typeface="Arial"/>
-        <a:font script="Thai" typeface="Cordia New"/>
-        <a:font script="Ethi" typeface="Nyala"/>
-        <a:font script="Beng" typeface="Vrinda"/>
-        <a:font script="Gujr" typeface="Shruti"/>
-        <a:font script="Khmr" typeface="DaunPenh"/>
-        <a:font script="Knda" typeface="Tunga"/>
-        <a:font script="Guru" typeface="Raavi"/>
-        <a:font script="Cans" typeface="Euphemia"/>
-        <a:font script="Cher" typeface="Plantagenet Cherokee"/>
-        <a:font script="Yiii" typeface="Microsoft Yi Baiti"/>
-        <a:font script="Tibt" typeface="Microsoft Himalaya"/>
-        <a:font script="Thaa" typeface="MV Boli"/>
-        <a:font script="Deva" typeface="Mangal"/>
-        <a:font script="Telu" typeface="Gautami"/>
-        <a:font script="Taml" typeface="Latha"/>
-        <a:font script="Syrc" typeface="Estrangelo Edessa"/>
-        <a:font script="Orya" typeface="Kalinga"/>
-        <a:font script="Mlym" typeface="Kartika"/>
-        <a:font script="Laoo" typeface="DokChampa"/>
-        <a:font script="Sinh" typeface="Iskoola Pota"/>
-        <a:font script="Mong" typeface="Mongolian Baiti"/>
-        <a:font script="Viet" typeface="Arial"/>
-        <a:font script="Uigh" typeface="Microsoft Uighur"/>
-        <a:font script="Geor" typeface="Sylfaen"/>
-      </a:minorFont>
-    </a:fontScheme>
-    <a:fmtScheme name="Office">
-      <a:fillStyleLst>
-        <a:solidFill>
-          <a:schemeClr val="phClr"/>
-        </a:solidFill>
-        <a:gradFill rotWithShape="1">
-          <a:gsLst>
-            <a:gs pos="0">
-              <a:schemeClr val="phClr">
-                <a:tint val="50000"/>
-                <a:satMod val="300000"/>
-              </a:schemeClr>
-            </a:gs>
-            <a:gs pos="35000">
-              <a:schemeClr val="phClr">
-                <a:tint val="37000"/>
-                <a:satMod val="300000"/>
-              </a:schemeClr>
-            </a:gs>
-            <a:gs pos="100000">
-              <a:schemeClr val="phClr">
-                <a:tint val="15000"/>
-                <a:satMod val="350000"/>
-              </a:schemeClr>
-            </a:gs>
-          </a:gsLst>
-          <a:lin ang="16200000" scaled="1"/>
-        </a:gradFill>
-        <a:gradFill rotWithShape="1">
-          <a:gsLst>
-            <a:gs pos="0">
-              <a:schemeClr val="phClr">
-                <a:tint val="100000"/>
-                <a:shade val="100000"/>
-                <a:satMod val="130000"/>
-              </a:schemeClr>
-            </a:gs>
-            <a:gs pos="100000">
-              <a:schemeClr val="phClr">
-                <a:tint val="50000"/>
-                <a:shade val="100000"/>
-                <a:satMod val="350000"/>
-              </a:schemeClr>
-            </a:gs>
-          </a:gsLst>
-          <a:lin ang="16200000" scaled="0"/>
-        </a:gradFill>
-      </a:fillStyleLst>
-      <a:lnStyleLst>
-        <a:ln w="9525" cap="flat" cmpd="sng" algn="ctr">
-          <a:solidFill>
-            <a:schemeClr val="phClr">
-              <a:shade val="95000"/>
-              <a:satMod val="105000"/>
-            </a:schemeClr>
-          </a:solidFill>
-          <a:prstDash val="solid"/>
-        </a:ln>
-        <a:ln w="25400" cap="flat" cmpd="sng" algn="ctr">
-          <a:solidFill>
-            <a:schemeClr val="phClr"/>
-          </a:solidFill>
-          <a:prstDash val="solid"/>
-        </a:ln>
-        <a:ln w="38100" cap="flat" cmpd="sng" algn="ctr">
-          <a:solidFill>
-            <a:schemeClr val="phClr"/>
-          </a:solidFill>
-          <a:prstDash val="solid"/>
-        </a:ln>
-      </a:lnStyleLst>
-      <a:effectStyleLst>
-        <a:effectStyle>
-          <a:effectLst>
-            <a:outerShdw blurRad="40000" dist="20000" dir="5400000" rotWithShape="0">
-              <a:srgbClr val="000000">
-                <a:alpha val="38000"/>
-              </a:srgbClr>
-            </a:outerShdw>
-          </a:effectLst>
-        </a:effectStyle>
-        <a:effectStyle>
-          <a:effectLst>
-            <a:outerShdw blurRad="40000" dist="23000" dir="5400000" rotWithShape="0">
-              <a:srgbClr val="000000">
-                <a:alpha val="35000"/>
-              </a:srgbClr>
-            </a:outerShdw>
-          </a:effectLst>
-        </a:effectStyle>
-        <a:effectStyle>
-          <a:effectLst>
-            <a:outerShdw blurRad="40000" dist="23000" dir="5400000" rotWithShape="0">
-              <a:srgbClr val="000000">
-                <a:alpha val="35000"/>
-              </a:srgbClr>
-            </a:outerShdw>
-          </a:effectLst>
-          <a:scene3d>
-            <a:camera prst="orthographicFront">
-              <a:rot lat="0" lon="0" rev="0"/>
-            </a:camera>
-            <a:lightRig rig="threePt" dir="t">
-              <a:rot lat="0" lon="0" rev="1200000"/>
-            </a:lightRig>
-          </a:scene3d>
-          <a:sp3d>
-            <a:bevelT w="63500" h="25400"/>
-          </a:sp3d>
-        </a:effectStyle>
-      </a:effectStyleLst>
-      <a:bgFillStyleLst>
-        <a:solidFill>
-          <a:schemeClr val="phClr"/>
-        </a:solidFill>
-        <a:gradFill rotWithShape="1">
-          <a:gsLst>
-            <a:gs pos="0">
-              <a:schemeClr val="phClr">
-                <a:tint val="40000"/>
-                <a:satMod val="350000"/>
-              </a:schemeClr>
-            </a:gs>
-            <a:gs pos="40000">
-              <a:schemeClr val="phClr">
-                <a:tint val="45000"/>
-                <a:shade val="99000"/>
-                <a:satMod val="350000"/>
-              </a:schemeClr>
-            </a:gs>
-            <a:gs pos="100000">
-              <a:schemeClr val="phClr">
-                <a:shade val="20000"/>
-                <a:satMod val="255000"/>
-              </a:schemeClr>
-            </a:gs>
-          </a:gsLst>
-          <a:path path="circle">
-            <a:fillToRect l="50000" t="-80000" r="50000" b="180000"/>
-          </a:path>
-        </a:gradFill>
-        <a:gradFill rotWithShape="1">
-          <a:gsLst>
-            <a:gs pos="0">
-              <a:schemeClr val="phClr">
-                <a:tint val="80000"/>
-                <a:satMod val="300000"/>
-              </a:schemeClr>
-            </a:gs>
-            <a:gs pos="100000">
-              <a:schemeClr val="phClr">
-                <a:shade val="30000"/>
-                <a:satMod val="200000"/>
-              </a:schemeClr>
-            </a:gs>
-          </a:gsLst>
-          <a:path path="circle">
-            <a:fillToRect l="50000" t="50000" r="50000" b="50000"/>
-          </a:path>
-        </a:gradFill>
-      </a:bgFillStyleLst>
-    </a:fmtScheme>
-  </a:themeElements>
-</a:theme>
 </file>